--- a/02-MachineLearning/02-slides.pptx
+++ b/02-MachineLearning/02-slides.pptx
@@ -10609,6 +10609,158 @@
           </a:p>
         </p:txBody>
       </p:sp>
+      <p:pic>
+        <p:nvPicPr>
+          <p:cNvPr id="9" name="Picture 8">
+            <a:extLst>
+              <a:ext uri="{FF2B5EF4-FFF2-40B4-BE49-F238E27FC236}">
+                <a16:creationId xmlns:a16="http://schemas.microsoft.com/office/drawing/2014/main" id="{23DFA90A-3502-46E0-8BBD-D041150E517E}"/>
+              </a:ext>
+            </a:extLst>
+          </p:cNvPr>
+          <p:cNvPicPr>
+            <a:picLocks noChangeAspect="1"/>
+          </p:cNvPicPr>
+          <p:nvPr/>
+        </p:nvPicPr>
+        <p:blipFill>
+          <a:blip r:embed="rId9"/>
+          <a:stretch>
+            <a:fillRect/>
+          </a:stretch>
+        </p:blipFill>
+        <p:spPr>
+          <a:xfrm>
+            <a:off x="8179799" y="5335178"/>
+            <a:ext cx="2523036" cy="1451610"/>
+          </a:xfrm>
+          <a:prstGeom prst="rect">
+            <a:avLst/>
+          </a:prstGeom>
+        </p:spPr>
+      </p:pic>
+      <p:sp>
+        <p:nvSpPr>
+          <p:cNvPr id="11" name="Oval 10">
+            <a:extLst>
+              <a:ext uri="{FF2B5EF4-FFF2-40B4-BE49-F238E27FC236}">
+                <a16:creationId xmlns:a16="http://schemas.microsoft.com/office/drawing/2014/main" id="{58211AE7-5EEF-4DFD-9A67-E11A47EBFEDF}"/>
+              </a:ext>
+            </a:extLst>
+          </p:cNvPr>
+          <p:cNvSpPr/>
+          <p:nvPr/>
+        </p:nvSpPr>
+        <p:spPr>
+          <a:xfrm>
+            <a:off x="7943965" y="5106578"/>
+            <a:ext cx="457200" cy="457200"/>
+          </a:xfrm>
+          <a:prstGeom prst="ellipse">
+            <a:avLst/>
+          </a:prstGeom>
+          <a:solidFill>
+            <a:schemeClr val="bg1"/>
+          </a:solidFill>
+          <a:ln>
+            <a:solidFill>
+              <a:schemeClr val="tx1"/>
+            </a:solidFill>
+          </a:ln>
+        </p:spPr>
+        <p:style>
+          <a:lnRef idx="2">
+            <a:schemeClr val="accent1">
+              <a:shade val="50000"/>
+            </a:schemeClr>
+          </a:lnRef>
+          <a:fillRef idx="1">
+            <a:schemeClr val="accent1"/>
+          </a:fillRef>
+          <a:effectRef idx="0">
+            <a:schemeClr val="accent1"/>
+          </a:effectRef>
+          <a:fontRef idx="minor">
+            <a:schemeClr val="lt1"/>
+          </a:fontRef>
+        </p:style>
+        <p:txBody>
+          <a:bodyPr rtlCol="0" anchor="ctr"/>
+          <a:lstStyle/>
+          <a:p>
+            <a:pPr algn="ctr"/>
+            <a:r>
+              <a:rPr lang="it-IT" dirty="0">
+                <a:solidFill>
+                  <a:schemeClr val="tx1"/>
+                </a:solidFill>
+                <a:latin typeface="Helvetica" panose="020B0604020202020204" pitchFamily="34" charset="0"/>
+                <a:cs typeface="Helvetica" panose="020B0604020202020204" pitchFamily="34" charset="0"/>
+              </a:rPr>
+              <a:t>2</a:t>
+            </a:r>
+            <a:endParaRPr lang="en-US" dirty="0">
+              <a:solidFill>
+                <a:schemeClr val="tx1"/>
+              </a:solidFill>
+              <a:latin typeface="Helvetica" panose="020B0604020202020204" pitchFamily="34" charset="0"/>
+              <a:cs typeface="Helvetica" panose="020B0604020202020204" pitchFamily="34" charset="0"/>
+            </a:endParaRPr>
+          </a:p>
+        </p:txBody>
+      </p:sp>
+      <p:sp>
+        <p:nvSpPr>
+          <p:cNvPr id="13" name="Rectangle 12">
+            <a:extLst>
+              <a:ext uri="{FF2B5EF4-FFF2-40B4-BE49-F238E27FC236}">
+                <a16:creationId xmlns:a16="http://schemas.microsoft.com/office/drawing/2014/main" id="{728DA70C-3A6B-4816-B6EA-23DEC6F5A301}"/>
+              </a:ext>
+            </a:extLst>
+          </p:cNvPr>
+          <p:cNvSpPr/>
+          <p:nvPr/>
+        </p:nvSpPr>
+        <p:spPr>
+          <a:xfrm>
+            <a:off x="8281851" y="6406956"/>
+            <a:ext cx="1166949" cy="316061"/>
+          </a:xfrm>
+          <a:prstGeom prst="rect">
+            <a:avLst/>
+          </a:prstGeom>
+          <a:noFill/>
+          <a:ln w="57150">
+            <a:solidFill>
+              <a:srgbClr val="FF0000"/>
+            </a:solidFill>
+          </a:ln>
+        </p:spPr>
+        <p:style>
+          <a:lnRef idx="2">
+            <a:schemeClr val="accent1">
+              <a:shade val="50000"/>
+            </a:schemeClr>
+          </a:lnRef>
+          <a:fillRef idx="1">
+            <a:schemeClr val="accent1"/>
+          </a:fillRef>
+          <a:effectRef idx="0">
+            <a:schemeClr val="accent1"/>
+          </a:effectRef>
+          <a:fontRef idx="minor">
+            <a:schemeClr val="lt1"/>
+          </a:fontRef>
+        </p:style>
+        <p:txBody>
+          <a:bodyPr rtlCol="0" anchor="ctr"/>
+          <a:lstStyle/>
+          <a:p>
+            <a:pPr algn="ctr"/>
+            <a:endParaRPr lang="en-US"/>
+          </a:p>
+        </p:txBody>
+      </p:sp>
     </p:spTree>
     <p:extLst>
       <p:ext uri="{BB962C8B-B14F-4D97-AF65-F5344CB8AC3E}">

--- a/02-MachineLearning/02-slides.pptx
+++ b/02-MachineLearning/02-slides.pptx
@@ -3748,7 +3748,7 @@
           <a:p>
             <a:fld id="{42AE2D9A-5B89-4689-B04D-3FBBAA04CE2B}" type="slidenum">
               <a:rPr lang="en-US" smtClean="0"/>
-              <a:t>‹#›</a:t>
+              <a:t>‹N›</a:t>
             </a:fld>
             <a:endParaRPr lang="en-US"/>
           </a:p>
@@ -4006,7 +4006,7 @@
           <a:p>
             <a:fld id="{D98EE9EE-A74D-4412-94DD-33E68A97493E}" type="slidenum">
               <a:rPr lang="it-IT" smtClean="0"/>
-              <a:t>‹#›</a:t>
+              <a:t>‹N›</a:t>
             </a:fld>
             <a:endParaRPr lang="it-IT"/>
           </a:p>
@@ -4939,7 +4939,7 @@
           <a:p>
             <a:fld id="{5DD6F1BA-2510-46FC-9346-AB1F3CA1593B}" type="slidenum">
               <a:rPr lang="it-IT" smtClean="0"/>
-              <a:t>‹#›</a:t>
+              <a:t>‹N›</a:t>
             </a:fld>
             <a:endParaRPr lang="it-IT"/>
           </a:p>
@@ -5208,7 +5208,7 @@
           <a:p>
             <a:fld id="{5DD6F1BA-2510-46FC-9346-AB1F3CA1593B}" type="slidenum">
               <a:rPr lang="it-IT" smtClean="0"/>
-              <a:t>‹#›</a:t>
+              <a:t>‹N›</a:t>
             </a:fld>
             <a:endParaRPr lang="it-IT"/>
           </a:p>
@@ -5392,7 +5392,7 @@
           <a:p>
             <a:fld id="{5DD6F1BA-2510-46FC-9346-AB1F3CA1593B}" type="slidenum">
               <a:rPr lang="it-IT" smtClean="0"/>
-              <a:t>‹#›</a:t>
+              <a:t>‹N›</a:t>
             </a:fld>
             <a:endParaRPr lang="it-IT"/>
           </a:p>
@@ -5581,7 +5581,7 @@
           <a:p>
             <a:fld id="{5DD6F1BA-2510-46FC-9346-AB1F3CA1593B}" type="slidenum">
               <a:rPr lang="it-IT" smtClean="0"/>
-              <a:t>‹#›</a:t>
+              <a:t>‹N›</a:t>
             </a:fld>
             <a:endParaRPr lang="it-IT"/>
           </a:p>
@@ -5762,7 +5762,7 @@
           <a:p>
             <a:fld id="{5DD6F1BA-2510-46FC-9346-AB1F3CA1593B}" type="slidenum">
               <a:rPr lang="it-IT" smtClean="0"/>
-              <a:t>‹#›</a:t>
+              <a:t>‹N›</a:t>
             </a:fld>
             <a:endParaRPr lang="it-IT"/>
           </a:p>
@@ -5981,7 +5981,7 @@
           <a:p>
             <a:fld id="{5DD6F1BA-2510-46FC-9346-AB1F3CA1593B}" type="slidenum">
               <a:rPr lang="it-IT" smtClean="0"/>
-              <a:t>‹#›</a:t>
+              <a:t>‹N›</a:t>
             </a:fld>
             <a:endParaRPr lang="it-IT"/>
           </a:p>
@@ -6170,7 +6170,7 @@
           <a:p>
             <a:fld id="{5DD6F1BA-2510-46FC-9346-AB1F3CA1593B}" type="slidenum">
               <a:rPr lang="it-IT" smtClean="0"/>
-              <a:t>‹#›</a:t>
+              <a:t>‹N›</a:t>
             </a:fld>
             <a:endParaRPr lang="it-IT"/>
           </a:p>
@@ -6526,7 +6526,7 @@
           <a:p>
             <a:fld id="{5DD6F1BA-2510-46FC-9346-AB1F3CA1593B}" type="slidenum">
               <a:rPr lang="it-IT" smtClean="0"/>
-              <a:t>‹#›</a:t>
+              <a:t>‹N›</a:t>
             </a:fld>
             <a:endParaRPr lang="it-IT"/>
           </a:p>
@@ -6773,7 +6773,7 @@
           <a:p>
             <a:fld id="{5DD6F1BA-2510-46FC-9346-AB1F3CA1593B}" type="slidenum">
               <a:rPr lang="it-IT" smtClean="0"/>
-              <a:t>‹#›</a:t>
+              <a:t>‹N›</a:t>
             </a:fld>
             <a:endParaRPr lang="it-IT"/>
           </a:p>
@@ -7201,7 +7201,7 @@
           <a:p>
             <a:fld id="{5DD6F1BA-2510-46FC-9346-AB1F3CA1593B}" type="slidenum">
               <a:rPr lang="it-IT" smtClean="0"/>
-              <a:t>‹#›</a:t>
+              <a:t>‹N›</a:t>
             </a:fld>
             <a:endParaRPr lang="it-IT"/>
           </a:p>
@@ -7325,7 +7325,7 @@
           <a:p>
             <a:fld id="{5DD6F1BA-2510-46FC-9346-AB1F3CA1593B}" type="slidenum">
               <a:rPr lang="it-IT" smtClean="0"/>
-              <a:t>‹#›</a:t>
+              <a:t>‹N›</a:t>
             </a:fld>
             <a:endParaRPr lang="it-IT"/>
           </a:p>
@@ -7446,7 +7446,7 @@
           <a:p>
             <a:fld id="{5DD6F1BA-2510-46FC-9346-AB1F3CA1593B}" type="slidenum">
               <a:rPr lang="it-IT" smtClean="0"/>
-              <a:t>‹#›</a:t>
+              <a:t>‹N›</a:t>
             </a:fld>
             <a:endParaRPr lang="it-IT"/>
           </a:p>
@@ -7699,7 +7699,7 @@
             <a:fld id="{5DD6F1BA-2510-46FC-9346-AB1F3CA1593B}" type="slidenum">
               <a:rPr lang="en-US" smtClean="0"/>
               <a:pPr/>
-              <a:t>‹#›</a:t>
+              <a:t>‹N›</a:t>
             </a:fld>
             <a:endParaRPr lang="en-US" dirty="0"/>
           </a:p>
@@ -9858,7 +9858,7 @@
             <a:pPr lvl="1"/>
             <a:r>
               <a:rPr lang="en-US" dirty="0"/>
-              <a:t>Accuracy can be used when the class distribution is similar while F1-score is a better metric when there are imbalanced classes</a:t>
+              <a:t>Accuracy can be used when the class distribution is similar, while F1-score is a better when there are imbalanced classes</a:t>
             </a:r>
           </a:p>
         </p:txBody>
@@ -9964,7 +9964,7 @@
         </p:blipFill>
         <p:spPr>
           <a:xfrm>
-            <a:off x="2526847" y="2341111"/>
+            <a:off x="2526847" y="2440864"/>
             <a:ext cx="1809750" cy="323850"/>
           </a:xfrm>
         </p:spPr>
@@ -10035,7 +10035,7 @@
         </p:blipFill>
         <p:spPr>
           <a:xfrm>
-            <a:off x="2552763" y="3315494"/>
+            <a:off x="2552763" y="3415247"/>
             <a:ext cx="1466850" cy="333375"/>
           </a:xfrm>
           <a:prstGeom prst="rect">
@@ -10074,7 +10074,7 @@
         </p:blipFill>
         <p:spPr>
           <a:xfrm>
-            <a:off x="2662300" y="1446894"/>
+            <a:off x="2662300" y="1546647"/>
             <a:ext cx="1247775" cy="676275"/>
           </a:xfrm>
           <a:prstGeom prst="rect">
@@ -11970,23 +11970,15 @@
             <a:pPr lvl="2"/>
             <a:r>
               <a:rPr lang="en-US" dirty="0"/>
-              <a:t>Dimensionality Reduction: reduce the number of attributes in data which can be further used for </a:t>
-            </a:r>
-            <a:r>
-              <a:rPr lang="en-US" dirty="0" err="1"/>
-              <a:t>summarisation</a:t>
+              <a:t>Dimensionality Reduction: reduce the number of attributes in data which can be further used for summarization</a:t>
+            </a:r>
+            <a:r>
+              <a:rPr lang="en-US"/>
+              <a:t>, visualization </a:t>
             </a:r>
             <a:r>
               <a:rPr lang="en-US" dirty="0"/>
-              <a:t>, </a:t>
-            </a:r>
-            <a:r>
-              <a:rPr lang="en-US" dirty="0" err="1"/>
-              <a:t>visualisation</a:t>
-            </a:r>
-            <a:r>
-              <a:rPr lang="en-US" dirty="0"/>
-              <a:t> and feature selection</a:t>
+              <a:t>and feature selection</a:t>
             </a:r>
           </a:p>
           <a:p>

--- a/02-MachineLearning/02-slides.pptx
+++ b/02-MachineLearning/02-slides.pptx
@@ -5,10 +5,10 @@
     <p:sldMasterId id="2147483648" r:id="rId1"/>
   </p:sldMasterIdLst>
   <p:notesMasterIdLst>
-    <p:notesMasterId r:id="rId18"/>
+    <p:notesMasterId r:id="rId20"/>
   </p:notesMasterIdLst>
   <p:handoutMasterIdLst>
-    <p:handoutMasterId r:id="rId19"/>
+    <p:handoutMasterId r:id="rId21"/>
   </p:handoutMasterIdLst>
   <p:sldIdLst>
     <p:sldId id="479" r:id="rId2"/>
@@ -24,9 +24,11 @@
     <p:sldId id="526" r:id="rId12"/>
     <p:sldId id="529" r:id="rId13"/>
     <p:sldId id="530" r:id="rId14"/>
-    <p:sldId id="528" r:id="rId15"/>
-    <p:sldId id="512" r:id="rId16"/>
-    <p:sldId id="524" r:id="rId17"/>
+    <p:sldId id="531" r:id="rId15"/>
+    <p:sldId id="532" r:id="rId16"/>
+    <p:sldId id="528" r:id="rId17"/>
+    <p:sldId id="512" r:id="rId18"/>
+    <p:sldId id="524" r:id="rId19"/>
   </p:sldIdLst>
   <p:sldSz cx="12192000" cy="6858000"/>
   <p:notesSz cx="6858000" cy="9144000"/>
@@ -10140,19 +10142,11 @@
           <a:p>
             <a:r>
               <a:rPr lang="it-IT" dirty="0" err="1"/>
-              <a:t>Integrated</a:t>
+              <a:t>Hyper-parameter</a:t>
             </a:r>
             <a:r>
               <a:rPr lang="it-IT" dirty="0"/>
-              <a:t> </a:t>
-            </a:r>
-            <a:r>
-              <a:rPr lang="it-IT" dirty="0" err="1"/>
-              <a:t>analytics</a:t>
-            </a:r>
-            <a:r>
-              <a:rPr lang="it-IT" dirty="0"/>
-              <a:t> lab</a:t>
+              <a:t> tuning</a:t>
             </a:r>
             <a:endParaRPr lang="en-US" dirty="0"/>
           </a:p>
@@ -10185,121 +10179,86 @@
           <a:lstStyle/>
           <a:p>
             <a:r>
-              <a:rPr lang="en-US" dirty="0"/>
-              <a:t>This checklist can help you while building your projects</a:t>
-            </a:r>
-          </a:p>
-          <a:p>
-            <a:pPr lvl="1"/>
-            <a:r>
-              <a:rPr lang="en-US" dirty="0"/>
-              <a:t> Frame the problem and look at the big picture</a:t>
-            </a:r>
-          </a:p>
-          <a:p>
-            <a:pPr lvl="2"/>
-            <a:r>
-              <a:rPr lang="en-US" dirty="0"/>
-              <a:t>✔ Define the objective in business terms</a:t>
-            </a:r>
-          </a:p>
-          <a:p>
-            <a:pPr lvl="2"/>
-            <a:r>
-              <a:rPr lang="en-US" dirty="0"/>
-              <a:t>✔ How should performance be measured?</a:t>
-            </a:r>
-          </a:p>
-          <a:p>
-            <a:pPr lvl="1"/>
-            <a:r>
-              <a:rPr lang="en-US" dirty="0"/>
-              <a:t> Get the data</a:t>
-            </a:r>
-          </a:p>
-          <a:p>
-            <a:pPr lvl="2"/>
-            <a:r>
-              <a:rPr lang="en-US" dirty="0"/>
-              <a:t>✔ List the data you need and how much you need</a:t>
-            </a:r>
-          </a:p>
-          <a:p>
-            <a:pPr lvl="1"/>
-            <a:r>
-              <a:rPr lang="en-US" dirty="0"/>
-              <a:t>Explore the data to gain insights</a:t>
-            </a:r>
-          </a:p>
-          <a:p>
-            <a:pPr lvl="2"/>
-            <a:r>
-              <a:rPr lang="en-US" dirty="0"/>
-              <a:t>✔ Create an environment to keep track of your data exploration </a:t>
-            </a:r>
-          </a:p>
-          <a:p>
-            <a:pPr lvl="2"/>
-            <a:r>
-              <a:rPr lang="en-US" dirty="0"/>
-              <a:t>✔ Study each attribute and its characteristics</a:t>
-            </a:r>
-          </a:p>
-          <a:p>
-            <a:pPr lvl="1"/>
-            <a:r>
-              <a:rPr lang="en-US" dirty="0"/>
-              <a:t>Prepare the data</a:t>
-            </a:r>
-          </a:p>
-          <a:p>
-            <a:pPr lvl="2"/>
-            <a:r>
-              <a:rPr lang="en-US" dirty="0"/>
-              <a:t>✔ Fix or remove outliers (optional)</a:t>
-            </a:r>
-          </a:p>
-          <a:p>
-            <a:pPr lvl="2"/>
-            <a:r>
-              <a:rPr lang="en-US" dirty="0"/>
-              <a:t>✔ Fill in missing values (e.g., with zero, mean, median…) or drop their rows (or columns)</a:t>
-            </a:r>
-          </a:p>
-          <a:p>
-            <a:pPr lvl="2"/>
-            <a:r>
-              <a:rPr lang="en-US" dirty="0"/>
-              <a:t>✔ Feature selection (optional): drop the attributes that provide no useful information for the task</a:t>
-            </a:r>
-          </a:p>
-          <a:p>
-            <a:pPr lvl="2"/>
-            <a:r>
-              <a:rPr lang="en-US" dirty="0"/>
-              <a:t>✔ Feature engineering, where appropriate: discretize continuous features</a:t>
-            </a:r>
-          </a:p>
-          <a:p>
-            <a:pPr lvl="1"/>
-            <a:r>
               <a:rPr lang="en-US" dirty="0">
                 <a:solidFill>
-                  <a:schemeClr val="accent6"/>
+                  <a:srgbClr val="FF0000"/>
                 </a:solidFill>
               </a:rPr>
-              <a:t>Explore many different models and shortlist the best ones</a:t>
+              <a:t>Hyper-parameters:</a:t>
+            </a:r>
+            <a:r>
+              <a:rPr lang="en-US" dirty="0"/>
+              <a:t> parameters that are not directly learnt within estimators</a:t>
+            </a:r>
+          </a:p>
+          <a:p>
+            <a:pPr lvl="1"/>
+            <a:r>
+              <a:rPr lang="en-US" dirty="0"/>
+              <a:t>In scikit-learn they are passed as arguments to the constructor of the estimator classes</a:t>
+            </a:r>
+          </a:p>
+          <a:p>
+            <a:pPr lvl="1"/>
+            <a:r>
+              <a:rPr lang="en-US" dirty="0"/>
+              <a:t>Any parameter provided when constructing an estimator may be optimized</a:t>
             </a:r>
           </a:p>
           <a:p>
             <a:pPr lvl="2"/>
             <a:r>
-              <a:rPr lang="en-US" dirty="0">
-                <a:solidFill>
-                  <a:schemeClr val="accent6"/>
-                </a:solidFill>
-              </a:rPr>
-              <a:t>✔ Let's do this!</a:t>
+              <a:rPr lang="en-US" dirty="0"/>
+              <a:t>&gt;&gt;&gt; </a:t>
+            </a:r>
+            <a:r>
+              <a:rPr lang="en-US" dirty="0" err="1"/>
+              <a:t>estimator.get_params</a:t>
+            </a:r>
+            <a:r>
+              <a:rPr lang="en-US" dirty="0"/>
+              <a:t>()</a:t>
+            </a:r>
+          </a:p>
+          <a:p>
+            <a:r>
+              <a:rPr lang="en-US" dirty="0"/>
+              <a:t>A search consists of:</a:t>
+            </a:r>
+          </a:p>
+          <a:p>
+            <a:pPr lvl="1"/>
+            <a:r>
+              <a:rPr lang="en-US" dirty="0"/>
+              <a:t>    an estimator</a:t>
+            </a:r>
+          </a:p>
+          <a:p>
+            <a:pPr lvl="1"/>
+            <a:r>
+              <a:rPr lang="en-US" dirty="0"/>
+              <a:t>    a parameter space</a:t>
+            </a:r>
+          </a:p>
+          <a:p>
+            <a:pPr lvl="1"/>
+            <a:r>
+              <a:rPr lang="en-US" dirty="0"/>
+              <a:t>    a method for searching or sampling candidates</a:t>
+            </a:r>
+          </a:p>
+          <a:p>
+            <a:pPr lvl="1"/>
+            <a:r>
+              <a:rPr lang="en-US" dirty="0"/>
+              <a:t>    a cross-validation scheme</a:t>
+            </a:r>
+          </a:p>
+          <a:p>
+            <a:pPr lvl="1"/>
+            <a:r>
+              <a:rPr lang="en-US" dirty="0"/>
+              <a:t>    a score function</a:t>
             </a:r>
           </a:p>
         </p:txBody>
@@ -10374,10 +10333,10 @@
       </p:sp>
       <p:sp>
         <p:nvSpPr>
-          <p:cNvPr id="8" name="Content Placeholder 7">
-            <a:extLst>
-              <a:ext uri="{FF2B5EF4-FFF2-40B4-BE49-F238E27FC236}">
-                <a16:creationId xmlns:a16="http://schemas.microsoft.com/office/drawing/2014/main" id="{FDECB704-1D82-4D85-81B9-E4B38BD812C3}"/>
+          <p:cNvPr id="10" name="Segnaposto contenuto 9">
+            <a:extLst>
+              <a:ext uri="{FF2B5EF4-FFF2-40B4-BE49-F238E27FC236}">
+                <a16:creationId xmlns:a16="http://schemas.microsoft.com/office/drawing/2014/main" id="{C945584B-8D41-4135-8868-73556DBA5D2A}"/>
               </a:ext>
             </a:extLst>
           </p:cNvPr>
@@ -10393,14 +10352,14 @@
           <a:bodyPr/>
           <a:lstStyle/>
           <a:p>
-            <a:endParaRPr lang="en-US" dirty="0"/>
+            <a:endParaRPr lang="en-US"/>
           </a:p>
         </p:txBody>
       </p:sp>
     </p:spTree>
     <p:extLst>
       <p:ext uri="{BB962C8B-B14F-4D97-AF65-F5344CB8AC3E}">
-        <p14:creationId xmlns:p14="http://schemas.microsoft.com/office/powerpoint/2010/main" val="1286790082"/>
+        <p14:creationId xmlns:p14="http://schemas.microsoft.com/office/powerpoint/2010/main" val="3819975198"/>
       </p:ext>
     </p:extLst>
   </p:cSld>
@@ -10429,6 +10388,517 @@
       </p:grpSpPr>
       <p:sp>
         <p:nvSpPr>
+          <p:cNvPr id="14" name="Title 13">
+            <a:extLst>
+              <a:ext uri="{FF2B5EF4-FFF2-40B4-BE49-F238E27FC236}">
+                <a16:creationId xmlns:a16="http://schemas.microsoft.com/office/drawing/2014/main" id="{7FD6D1A2-CF14-45EA-AE21-B220A4E2308D}"/>
+              </a:ext>
+            </a:extLst>
+          </p:cNvPr>
+          <p:cNvSpPr>
+            <a:spLocks noGrp="1"/>
+          </p:cNvSpPr>
+          <p:nvPr>
+            <p:ph type="title"/>
+          </p:nvPr>
+        </p:nvSpPr>
+        <p:spPr>
+          <a:xfrm>
+            <a:off x="838200" y="365125"/>
+            <a:ext cx="10515600" cy="1325563"/>
+          </a:xfrm>
+        </p:spPr>
+        <p:txBody>
+          <a:bodyPr/>
+          <a:lstStyle/>
+          <a:p>
+            <a:r>
+              <a:rPr lang="it-IT" dirty="0" err="1"/>
+              <a:t>Hyper-parameter</a:t>
+            </a:r>
+            <a:r>
+              <a:rPr lang="it-IT" dirty="0"/>
+              <a:t> tuning</a:t>
+            </a:r>
+            <a:endParaRPr lang="en-US" dirty="0"/>
+          </a:p>
+        </p:txBody>
+      </p:sp>
+      <p:pic>
+        <p:nvPicPr>
+          <p:cNvPr id="3" name="Segnaposto contenuto 2">
+            <a:extLst>
+              <a:ext uri="{FF2B5EF4-FFF2-40B4-BE49-F238E27FC236}">
+                <a16:creationId xmlns:a16="http://schemas.microsoft.com/office/drawing/2014/main" id="{45A8F3FC-15F6-4525-8517-4343285113D2}"/>
+              </a:ext>
+            </a:extLst>
+          </p:cNvPr>
+          <p:cNvPicPr>
+            <a:picLocks noGrp="1" noChangeAspect="1"/>
+          </p:cNvPicPr>
+          <p:nvPr>
+            <p:ph idx="1"/>
+          </p:nvPr>
+        </p:nvPicPr>
+        <p:blipFill>
+          <a:blip r:embed="rId2">
+            <a:extLst>
+              <a:ext uri="{28A0092B-C50C-407E-A947-70E740481C1C}">
+                <a14:useLocalDpi xmlns:a14="http://schemas.microsoft.com/office/drawing/2010/main" val="0"/>
+              </a:ext>
+            </a:extLst>
+          </a:blip>
+          <a:stretch>
+            <a:fillRect/>
+          </a:stretch>
+        </p:blipFill>
+        <p:spPr>
+          <a:xfrm>
+            <a:off x="1333500" y="2437606"/>
+            <a:ext cx="9525000" cy="2876550"/>
+          </a:xfrm>
+        </p:spPr>
+      </p:pic>
+      <p:sp>
+        <p:nvSpPr>
+          <p:cNvPr id="5" name="Footer Placeholder 4">
+            <a:extLst>
+              <a:ext uri="{FF2B5EF4-FFF2-40B4-BE49-F238E27FC236}">
+                <a16:creationId xmlns:a16="http://schemas.microsoft.com/office/drawing/2014/main" id="{451A0E4F-A40E-41B8-A1C4-70246B56D124}"/>
+              </a:ext>
+            </a:extLst>
+          </p:cNvPr>
+          <p:cNvSpPr>
+            <a:spLocks noGrp="1"/>
+          </p:cNvSpPr>
+          <p:nvPr>
+            <p:ph type="ftr" sz="quarter" idx="11"/>
+          </p:nvPr>
+        </p:nvSpPr>
+        <p:spPr>
+          <a:xfrm>
+            <a:off x="-1" y="6492875"/>
+            <a:ext cx="2837793" cy="365125"/>
+          </a:xfrm>
+        </p:spPr>
+        <p:txBody>
+          <a:bodyPr/>
+          <a:lstStyle/>
+          <a:p>
+            <a:r>
+              <a:rPr lang="it-IT"/>
+              <a:t>Matteo Francia – University of Bologna</a:t>
+            </a:r>
+          </a:p>
+        </p:txBody>
+      </p:sp>
+      <p:sp>
+        <p:nvSpPr>
+          <p:cNvPr id="6" name="Slide Number Placeholder 5">
+            <a:extLst>
+              <a:ext uri="{FF2B5EF4-FFF2-40B4-BE49-F238E27FC236}">
+                <a16:creationId xmlns:a16="http://schemas.microsoft.com/office/drawing/2014/main" id="{240950CC-5227-4892-818F-1BE5F4F01CAB}"/>
+              </a:ext>
+            </a:extLst>
+          </p:cNvPr>
+          <p:cNvSpPr>
+            <a:spLocks noGrp="1"/>
+          </p:cNvSpPr>
+          <p:nvPr>
+            <p:ph type="sldNum" sz="quarter" idx="12"/>
+          </p:nvPr>
+        </p:nvSpPr>
+        <p:spPr>
+          <a:xfrm>
+            <a:off x="9448800" y="6492874"/>
+            <a:ext cx="2743200" cy="365125"/>
+          </a:xfrm>
+        </p:spPr>
+        <p:txBody>
+          <a:bodyPr/>
+          <a:lstStyle/>
+          <a:p>
+            <a:fld id="{5DD6F1BA-2510-46FC-9346-AB1F3CA1593B}" type="slidenum">
+              <a:rPr lang="it-IT" smtClean="0"/>
+              <a:pPr/>
+              <a:t>15</a:t>
+            </a:fld>
+            <a:endParaRPr lang="it-IT"/>
+          </a:p>
+        </p:txBody>
+      </p:sp>
+      <p:sp>
+        <p:nvSpPr>
+          <p:cNvPr id="10" name="Segnaposto contenuto 9">
+            <a:extLst>
+              <a:ext uri="{FF2B5EF4-FFF2-40B4-BE49-F238E27FC236}">
+                <a16:creationId xmlns:a16="http://schemas.microsoft.com/office/drawing/2014/main" id="{C945584B-8D41-4135-8868-73556DBA5D2A}"/>
+              </a:ext>
+            </a:extLst>
+          </p:cNvPr>
+          <p:cNvSpPr>
+            <a:spLocks noGrp="1"/>
+          </p:cNvSpPr>
+          <p:nvPr>
+            <p:ph idx="13"/>
+          </p:nvPr>
+        </p:nvSpPr>
+        <p:spPr/>
+        <p:txBody>
+          <a:bodyPr/>
+          <a:lstStyle/>
+          <a:p>
+            <a:endParaRPr lang="en-US"/>
+          </a:p>
+        </p:txBody>
+      </p:sp>
+    </p:spTree>
+    <p:extLst>
+      <p:ext uri="{BB962C8B-B14F-4D97-AF65-F5344CB8AC3E}">
+        <p14:creationId xmlns:p14="http://schemas.microsoft.com/office/powerpoint/2010/main" val="650704930"/>
+      </p:ext>
+    </p:extLst>
+  </p:cSld>
+  <p:clrMapOvr>
+    <a:masterClrMapping/>
+  </p:clrMapOvr>
+</p:sld>
+</file>
+
+<file path=ppt/slides/slide16.xml><?xml version="1.0" encoding="utf-8"?>
+<p:sld xmlns:a="http://schemas.openxmlformats.org/drawingml/2006/main" xmlns:r="http://schemas.openxmlformats.org/officeDocument/2006/relationships" xmlns:p="http://schemas.openxmlformats.org/presentationml/2006/main">
+  <p:cSld>
+    <p:spTree>
+      <p:nvGrpSpPr>
+        <p:cNvPr id="1" name=""/>
+        <p:cNvGrpSpPr/>
+        <p:nvPr/>
+      </p:nvGrpSpPr>
+      <p:grpSpPr>
+        <a:xfrm>
+          <a:off x="0" y="0"/>
+          <a:ext cx="0" cy="0"/>
+          <a:chOff x="0" y="0"/>
+          <a:chExt cx="0" cy="0"/>
+        </a:xfrm>
+      </p:grpSpPr>
+      <p:sp>
+        <p:nvSpPr>
+          <p:cNvPr id="14" name="Title 13">
+            <a:extLst>
+              <a:ext uri="{FF2B5EF4-FFF2-40B4-BE49-F238E27FC236}">
+                <a16:creationId xmlns:a16="http://schemas.microsoft.com/office/drawing/2014/main" id="{7FD6D1A2-CF14-45EA-AE21-B220A4E2308D}"/>
+              </a:ext>
+            </a:extLst>
+          </p:cNvPr>
+          <p:cNvSpPr>
+            <a:spLocks noGrp="1"/>
+          </p:cNvSpPr>
+          <p:nvPr>
+            <p:ph type="title"/>
+          </p:nvPr>
+        </p:nvSpPr>
+        <p:spPr>
+          <a:xfrm>
+            <a:off x="838200" y="365125"/>
+            <a:ext cx="10515600" cy="1325563"/>
+          </a:xfrm>
+        </p:spPr>
+        <p:txBody>
+          <a:bodyPr/>
+          <a:lstStyle/>
+          <a:p>
+            <a:r>
+              <a:rPr lang="it-IT" dirty="0" err="1"/>
+              <a:t>Integrated</a:t>
+            </a:r>
+            <a:r>
+              <a:rPr lang="it-IT" dirty="0"/>
+              <a:t> </a:t>
+            </a:r>
+            <a:r>
+              <a:rPr lang="it-IT" dirty="0" err="1"/>
+              <a:t>analytics</a:t>
+            </a:r>
+            <a:r>
+              <a:rPr lang="it-IT" dirty="0"/>
+              <a:t> lab</a:t>
+            </a:r>
+            <a:endParaRPr lang="en-US" dirty="0"/>
+          </a:p>
+        </p:txBody>
+      </p:sp>
+      <p:sp>
+        <p:nvSpPr>
+          <p:cNvPr id="9" name="Content Placeholder 8">
+            <a:extLst>
+              <a:ext uri="{FF2B5EF4-FFF2-40B4-BE49-F238E27FC236}">
+                <a16:creationId xmlns:a16="http://schemas.microsoft.com/office/drawing/2014/main" id="{82748BCB-58EE-4FCD-A0A3-62B6988E48A6}"/>
+              </a:ext>
+            </a:extLst>
+          </p:cNvPr>
+          <p:cNvSpPr>
+            <a:spLocks noGrp="1"/>
+          </p:cNvSpPr>
+          <p:nvPr>
+            <p:ph idx="1"/>
+          </p:nvPr>
+        </p:nvSpPr>
+        <p:spPr>
+          <a:xfrm>
+            <a:off x="838200" y="1700499"/>
+            <a:ext cx="10515600" cy="4351338"/>
+          </a:xfrm>
+        </p:spPr>
+        <p:txBody>
+          <a:bodyPr/>
+          <a:lstStyle/>
+          <a:p>
+            <a:r>
+              <a:rPr lang="en-US" dirty="0"/>
+              <a:t>This checklist can help you while building your projects</a:t>
+            </a:r>
+          </a:p>
+          <a:p>
+            <a:pPr lvl="1"/>
+            <a:r>
+              <a:rPr lang="en-US" dirty="0"/>
+              <a:t> Frame the problem and look at the big picture</a:t>
+            </a:r>
+          </a:p>
+          <a:p>
+            <a:pPr lvl="2"/>
+            <a:r>
+              <a:rPr lang="en-US" dirty="0"/>
+              <a:t>✔ Define the objective in business terms</a:t>
+            </a:r>
+          </a:p>
+          <a:p>
+            <a:pPr lvl="2"/>
+            <a:r>
+              <a:rPr lang="en-US" dirty="0"/>
+              <a:t>✔ How should performance be measured?</a:t>
+            </a:r>
+          </a:p>
+          <a:p>
+            <a:pPr lvl="1"/>
+            <a:r>
+              <a:rPr lang="en-US" dirty="0"/>
+              <a:t> Get the data</a:t>
+            </a:r>
+          </a:p>
+          <a:p>
+            <a:pPr lvl="2"/>
+            <a:r>
+              <a:rPr lang="en-US" dirty="0"/>
+              <a:t>✔ List the data you need and how much you need</a:t>
+            </a:r>
+          </a:p>
+          <a:p>
+            <a:pPr lvl="1"/>
+            <a:r>
+              <a:rPr lang="en-US" dirty="0"/>
+              <a:t>Explore the data to gain insights</a:t>
+            </a:r>
+          </a:p>
+          <a:p>
+            <a:pPr lvl="2"/>
+            <a:r>
+              <a:rPr lang="en-US" dirty="0"/>
+              <a:t>✔ Create an environment to keep track of your data exploration </a:t>
+            </a:r>
+          </a:p>
+          <a:p>
+            <a:pPr lvl="2"/>
+            <a:r>
+              <a:rPr lang="en-US" dirty="0"/>
+              <a:t>✔ Study each attribute and its characteristics</a:t>
+            </a:r>
+          </a:p>
+          <a:p>
+            <a:pPr lvl="1"/>
+            <a:r>
+              <a:rPr lang="en-US" dirty="0"/>
+              <a:t>Prepare the data</a:t>
+            </a:r>
+          </a:p>
+          <a:p>
+            <a:pPr lvl="2"/>
+            <a:r>
+              <a:rPr lang="en-US" dirty="0"/>
+              <a:t>✔ Fix or remove outliers (optional)</a:t>
+            </a:r>
+          </a:p>
+          <a:p>
+            <a:pPr lvl="2"/>
+            <a:r>
+              <a:rPr lang="en-US" dirty="0"/>
+              <a:t>✔ Fill in missing values (e.g., with zero, mean, median…) or drop their rows (or columns)</a:t>
+            </a:r>
+          </a:p>
+          <a:p>
+            <a:pPr lvl="2"/>
+            <a:r>
+              <a:rPr lang="en-US" dirty="0"/>
+              <a:t>✔ Feature selection (optional): drop the attributes that provide no useful information for the task</a:t>
+            </a:r>
+          </a:p>
+          <a:p>
+            <a:pPr lvl="2"/>
+            <a:r>
+              <a:rPr lang="en-US" dirty="0"/>
+              <a:t>✔ Feature engineering, where appropriate: discretize continuous features</a:t>
+            </a:r>
+          </a:p>
+          <a:p>
+            <a:pPr lvl="1"/>
+            <a:r>
+              <a:rPr lang="en-US" dirty="0">
+                <a:solidFill>
+                  <a:schemeClr val="accent6"/>
+                </a:solidFill>
+              </a:rPr>
+              <a:t>Explore many different models and shortlist the best ones</a:t>
+            </a:r>
+          </a:p>
+          <a:p>
+            <a:pPr lvl="2"/>
+            <a:r>
+              <a:rPr lang="en-US" dirty="0">
+                <a:solidFill>
+                  <a:schemeClr val="accent6"/>
+                </a:solidFill>
+              </a:rPr>
+              <a:t>✔ Let's do this!</a:t>
+            </a:r>
+          </a:p>
+        </p:txBody>
+      </p:sp>
+      <p:sp>
+        <p:nvSpPr>
+          <p:cNvPr id="5" name="Footer Placeholder 4">
+            <a:extLst>
+              <a:ext uri="{FF2B5EF4-FFF2-40B4-BE49-F238E27FC236}">
+                <a16:creationId xmlns:a16="http://schemas.microsoft.com/office/drawing/2014/main" id="{451A0E4F-A40E-41B8-A1C4-70246B56D124}"/>
+              </a:ext>
+            </a:extLst>
+          </p:cNvPr>
+          <p:cNvSpPr>
+            <a:spLocks noGrp="1"/>
+          </p:cNvSpPr>
+          <p:nvPr>
+            <p:ph type="ftr" sz="quarter" idx="11"/>
+          </p:nvPr>
+        </p:nvSpPr>
+        <p:spPr>
+          <a:xfrm>
+            <a:off x="-1" y="6492875"/>
+            <a:ext cx="2837793" cy="365125"/>
+          </a:xfrm>
+        </p:spPr>
+        <p:txBody>
+          <a:bodyPr/>
+          <a:lstStyle/>
+          <a:p>
+            <a:r>
+              <a:rPr lang="it-IT"/>
+              <a:t>Matteo Francia – University of Bologna</a:t>
+            </a:r>
+          </a:p>
+        </p:txBody>
+      </p:sp>
+      <p:sp>
+        <p:nvSpPr>
+          <p:cNvPr id="6" name="Slide Number Placeholder 5">
+            <a:extLst>
+              <a:ext uri="{FF2B5EF4-FFF2-40B4-BE49-F238E27FC236}">
+                <a16:creationId xmlns:a16="http://schemas.microsoft.com/office/drawing/2014/main" id="{240950CC-5227-4892-818F-1BE5F4F01CAB}"/>
+              </a:ext>
+            </a:extLst>
+          </p:cNvPr>
+          <p:cNvSpPr>
+            <a:spLocks noGrp="1"/>
+          </p:cNvSpPr>
+          <p:nvPr>
+            <p:ph type="sldNum" sz="quarter" idx="12"/>
+          </p:nvPr>
+        </p:nvSpPr>
+        <p:spPr>
+          <a:xfrm>
+            <a:off x="9448800" y="6492874"/>
+            <a:ext cx="2743200" cy="365125"/>
+          </a:xfrm>
+        </p:spPr>
+        <p:txBody>
+          <a:bodyPr/>
+          <a:lstStyle/>
+          <a:p>
+            <a:fld id="{5DD6F1BA-2510-46FC-9346-AB1F3CA1593B}" type="slidenum">
+              <a:rPr lang="it-IT" smtClean="0"/>
+              <a:pPr/>
+              <a:t>16</a:t>
+            </a:fld>
+            <a:endParaRPr lang="it-IT"/>
+          </a:p>
+        </p:txBody>
+      </p:sp>
+      <p:sp>
+        <p:nvSpPr>
+          <p:cNvPr id="8" name="Content Placeholder 7">
+            <a:extLst>
+              <a:ext uri="{FF2B5EF4-FFF2-40B4-BE49-F238E27FC236}">
+                <a16:creationId xmlns:a16="http://schemas.microsoft.com/office/drawing/2014/main" id="{FDECB704-1D82-4D85-81B9-E4B38BD812C3}"/>
+              </a:ext>
+            </a:extLst>
+          </p:cNvPr>
+          <p:cNvSpPr>
+            <a:spLocks noGrp="1"/>
+          </p:cNvSpPr>
+          <p:nvPr>
+            <p:ph idx="13"/>
+          </p:nvPr>
+        </p:nvSpPr>
+        <p:spPr/>
+        <p:txBody>
+          <a:bodyPr/>
+          <a:lstStyle/>
+          <a:p>
+            <a:endParaRPr lang="en-US" dirty="0"/>
+          </a:p>
+        </p:txBody>
+      </p:sp>
+    </p:spTree>
+    <p:extLst>
+      <p:ext uri="{BB962C8B-B14F-4D97-AF65-F5344CB8AC3E}">
+        <p14:creationId xmlns:p14="http://schemas.microsoft.com/office/powerpoint/2010/main" val="1286790082"/>
+      </p:ext>
+    </p:extLst>
+  </p:cSld>
+  <p:clrMapOvr>
+    <a:masterClrMapping/>
+  </p:clrMapOvr>
+</p:sld>
+</file>
+
+<file path=ppt/slides/slide17.xml><?xml version="1.0" encoding="utf-8"?>
+<p:sld xmlns:a="http://schemas.openxmlformats.org/drawingml/2006/main" xmlns:r="http://schemas.openxmlformats.org/officeDocument/2006/relationships" xmlns:p="http://schemas.openxmlformats.org/presentationml/2006/main">
+  <p:cSld>
+    <p:spTree>
+      <p:nvGrpSpPr>
+        <p:cNvPr id="1" name=""/>
+        <p:cNvGrpSpPr/>
+        <p:nvPr/>
+      </p:nvGrpSpPr>
+      <p:grpSpPr>
+        <a:xfrm>
+          <a:off x="0" y="0"/>
+          <a:ext cx="0" cy="0"/>
+          <a:chOff x="0" y="0"/>
+          <a:chExt cx="0" cy="0"/>
+        </a:xfrm>
+      </p:grpSpPr>
+      <p:sp>
+        <p:nvSpPr>
           <p:cNvPr id="2" name="Title 1">
             <a:extLst>
               <a:ext uri="{FF2B5EF4-FFF2-40B4-BE49-F238E27FC236}">
@@ -10578,7 +11048,7 @@
           <a:p>
             <a:fld id="{5DD6F1BA-2510-46FC-9346-AB1F3CA1593B}" type="slidenum">
               <a:rPr lang="it-IT" smtClean="0"/>
-              <a:t>15</a:t>
+              <a:t>17</a:t>
             </a:fld>
             <a:endParaRPr lang="it-IT"/>
           </a:p>
@@ -10774,7 +11244,7 @@
 </p:sld>
 </file>
 
-<file path=ppt/slides/slide16.xml><?xml version="1.0" encoding="utf-8"?>
+<file path=ppt/slides/slide18.xml><?xml version="1.0" encoding="utf-8"?>
 <p:sld xmlns:a="http://schemas.openxmlformats.org/drawingml/2006/main" xmlns:r="http://schemas.openxmlformats.org/officeDocument/2006/relationships" xmlns:p="http://schemas.openxmlformats.org/presentationml/2006/main">
   <p:cSld>
     <p:spTree>
@@ -10927,7 +11397,7 @@
             <a:pPr lvl="1"/>
             <a:r>
               <a:rPr lang="en-US" sz="1400" dirty="0"/>
-              <a:t>Fine-tune your models and combine them into a great solution</a:t>
+              <a:t>✔ Fine-tune your models and combine them into a great solution</a:t>
             </a:r>
           </a:p>
           <a:p>
@@ -11008,7 +11478,7 @@
             <a:fld id="{5DD6F1BA-2510-46FC-9346-AB1F3CA1593B}" type="slidenum">
               <a:rPr lang="it-IT" smtClean="0"/>
               <a:pPr/>
-              <a:t>16</a:t>
+              <a:t>18</a:t>
             </a:fld>
             <a:endParaRPr lang="it-IT"/>
           </a:p>
@@ -11970,15 +12440,7 @@
             <a:pPr lvl="2"/>
             <a:r>
               <a:rPr lang="en-US" dirty="0"/>
-              <a:t>Dimensionality Reduction: reduce the number of attributes in data which can be further used for summarization</a:t>
-            </a:r>
-            <a:r>
-              <a:rPr lang="en-US"/>
-              <a:t>, visualization </a:t>
-            </a:r>
-            <a:r>
-              <a:rPr lang="en-US" dirty="0"/>
-              <a:t>and feature selection</a:t>
+              <a:t>Dimensionality Reduction: reduce the number of attributes in data which can be further used for summarization, visualization and feature selection</a:t>
             </a:r>
           </a:p>
           <a:p>

--- a/02-MachineLearning/02-slides.pptx
+++ b/02-MachineLearning/02-slides.pptx
@@ -5,10 +5,10 @@
     <p:sldMasterId id="2147483648" r:id="rId1"/>
   </p:sldMasterIdLst>
   <p:notesMasterIdLst>
-    <p:notesMasterId r:id="rId20"/>
+    <p:notesMasterId r:id="rId21"/>
   </p:notesMasterIdLst>
   <p:handoutMasterIdLst>
-    <p:handoutMasterId r:id="rId21"/>
+    <p:handoutMasterId r:id="rId22"/>
   </p:handoutMasterIdLst>
   <p:sldIdLst>
     <p:sldId id="479" r:id="rId2"/>
@@ -16,19 +16,20 @@
     <p:sldId id="516" r:id="rId4"/>
     <p:sldId id="517" r:id="rId5"/>
     <p:sldId id="518" r:id="rId6"/>
-    <p:sldId id="519" r:id="rId7"/>
-    <p:sldId id="520" r:id="rId8"/>
-    <p:sldId id="521" r:id="rId9"/>
-    <p:sldId id="522" r:id="rId10"/>
-    <p:sldId id="527" r:id="rId11"/>
-    <p:sldId id="526" r:id="rId12"/>
-    <p:sldId id="529" r:id="rId13"/>
-    <p:sldId id="530" r:id="rId14"/>
-    <p:sldId id="531" r:id="rId15"/>
-    <p:sldId id="532" r:id="rId16"/>
-    <p:sldId id="528" r:id="rId17"/>
-    <p:sldId id="512" r:id="rId18"/>
-    <p:sldId id="524" r:id="rId19"/>
+    <p:sldId id="533" r:id="rId7"/>
+    <p:sldId id="519" r:id="rId8"/>
+    <p:sldId id="520" r:id="rId9"/>
+    <p:sldId id="521" r:id="rId10"/>
+    <p:sldId id="522" r:id="rId11"/>
+    <p:sldId id="527" r:id="rId12"/>
+    <p:sldId id="526" r:id="rId13"/>
+    <p:sldId id="529" r:id="rId14"/>
+    <p:sldId id="530" r:id="rId15"/>
+    <p:sldId id="531" r:id="rId16"/>
+    <p:sldId id="532" r:id="rId17"/>
+    <p:sldId id="528" r:id="rId18"/>
+    <p:sldId id="512" r:id="rId19"/>
+    <p:sldId id="524" r:id="rId20"/>
   </p:sldIdLst>
   <p:sldSz cx="12192000" cy="6858000"/>
   <p:notesSz cx="6858000" cy="9144000"/>
@@ -3672,7 +3673,7 @@
           <a:p>
             <a:fld id="{02297A90-1AFB-4FA1-ADF2-69FD2D1230BA}" type="datetimeFigureOut">
               <a:rPr lang="en-US" smtClean="0"/>
-              <a:t>7/12/2021</a:t>
+              <a:t>7/13/2021</a:t>
             </a:fld>
             <a:endParaRPr lang="en-US"/>
           </a:p>
@@ -3750,7 +3751,7 @@
           <a:p>
             <a:fld id="{42AE2D9A-5B89-4689-B04D-3FBBAA04CE2B}" type="slidenum">
               <a:rPr lang="en-US" smtClean="0"/>
-              <a:t>‹N›</a:t>
+              <a:t>‹#›</a:t>
             </a:fld>
             <a:endParaRPr lang="en-US"/>
           </a:p>
@@ -3850,7 +3851,7 @@
           <a:p>
             <a:fld id="{2D15495C-7C85-4DFE-8C2B-354A7A489EB6}" type="datetimeFigureOut">
               <a:rPr lang="it-IT" smtClean="0"/>
-              <a:t>12/07/2021</a:t>
+              <a:t>13/07/2021</a:t>
             </a:fld>
             <a:endParaRPr lang="it-IT"/>
           </a:p>
@@ -4008,7 +4009,7 @@
           <a:p>
             <a:fld id="{D98EE9EE-A74D-4412-94DD-33E68A97493E}" type="slidenum">
               <a:rPr lang="it-IT" smtClean="0"/>
-              <a:t>‹N›</a:t>
+              <a:t>‹#›</a:t>
             </a:fld>
             <a:endParaRPr lang="it-IT"/>
           </a:p>
@@ -4290,7 +4291,7 @@
           <a:p>
             <a:fld id="{D98EE9EE-A74D-4412-94DD-33E68A97493E}" type="slidenum">
               <a:rPr lang="it-IT" smtClean="0"/>
-              <a:t>6</a:t>
+              <a:t>7</a:t>
             </a:fld>
             <a:endParaRPr lang="it-IT"/>
           </a:p>
@@ -4374,7 +4375,7 @@
           <a:p>
             <a:fld id="{D98EE9EE-A74D-4412-94DD-33E68A97493E}" type="slidenum">
               <a:rPr lang="it-IT" smtClean="0"/>
-              <a:t>12</a:t>
+              <a:t>13</a:t>
             </a:fld>
             <a:endParaRPr lang="it-IT"/>
           </a:p>
@@ -4458,7 +4459,7 @@
           <a:p>
             <a:fld id="{D98EE9EE-A74D-4412-94DD-33E68A97493E}" type="slidenum">
               <a:rPr lang="it-IT" smtClean="0"/>
-              <a:t>13</a:t>
+              <a:t>14</a:t>
             </a:fld>
             <a:endParaRPr lang="it-IT"/>
           </a:p>
@@ -4941,7 +4942,7 @@
           <a:p>
             <a:fld id="{5DD6F1BA-2510-46FC-9346-AB1F3CA1593B}" type="slidenum">
               <a:rPr lang="it-IT" smtClean="0"/>
-              <a:t>‹N›</a:t>
+              <a:t>‹#›</a:t>
             </a:fld>
             <a:endParaRPr lang="it-IT"/>
           </a:p>
@@ -5210,7 +5211,7 @@
           <a:p>
             <a:fld id="{5DD6F1BA-2510-46FC-9346-AB1F3CA1593B}" type="slidenum">
               <a:rPr lang="it-IT" smtClean="0"/>
-              <a:t>‹N›</a:t>
+              <a:t>‹#›</a:t>
             </a:fld>
             <a:endParaRPr lang="it-IT"/>
           </a:p>
@@ -5394,7 +5395,7 @@
           <a:p>
             <a:fld id="{5DD6F1BA-2510-46FC-9346-AB1F3CA1593B}" type="slidenum">
               <a:rPr lang="it-IT" smtClean="0"/>
-              <a:t>‹N›</a:t>
+              <a:t>‹#›</a:t>
             </a:fld>
             <a:endParaRPr lang="it-IT"/>
           </a:p>
@@ -5583,7 +5584,7 @@
           <a:p>
             <a:fld id="{5DD6F1BA-2510-46FC-9346-AB1F3CA1593B}" type="slidenum">
               <a:rPr lang="it-IT" smtClean="0"/>
-              <a:t>‹N›</a:t>
+              <a:t>‹#›</a:t>
             </a:fld>
             <a:endParaRPr lang="it-IT"/>
           </a:p>
@@ -5764,7 +5765,7 @@
           <a:p>
             <a:fld id="{5DD6F1BA-2510-46FC-9346-AB1F3CA1593B}" type="slidenum">
               <a:rPr lang="it-IT" smtClean="0"/>
-              <a:t>‹N›</a:t>
+              <a:t>‹#›</a:t>
             </a:fld>
             <a:endParaRPr lang="it-IT"/>
           </a:p>
@@ -5983,7 +5984,7 @@
           <a:p>
             <a:fld id="{5DD6F1BA-2510-46FC-9346-AB1F3CA1593B}" type="slidenum">
               <a:rPr lang="it-IT" smtClean="0"/>
-              <a:t>‹N›</a:t>
+              <a:t>‹#›</a:t>
             </a:fld>
             <a:endParaRPr lang="it-IT"/>
           </a:p>
@@ -6172,7 +6173,7 @@
           <a:p>
             <a:fld id="{5DD6F1BA-2510-46FC-9346-AB1F3CA1593B}" type="slidenum">
               <a:rPr lang="it-IT" smtClean="0"/>
-              <a:t>‹N›</a:t>
+              <a:t>‹#›</a:t>
             </a:fld>
             <a:endParaRPr lang="it-IT"/>
           </a:p>
@@ -6528,7 +6529,7 @@
           <a:p>
             <a:fld id="{5DD6F1BA-2510-46FC-9346-AB1F3CA1593B}" type="slidenum">
               <a:rPr lang="it-IT" smtClean="0"/>
-              <a:t>‹N›</a:t>
+              <a:t>‹#›</a:t>
             </a:fld>
             <a:endParaRPr lang="it-IT"/>
           </a:p>
@@ -6775,7 +6776,7 @@
           <a:p>
             <a:fld id="{5DD6F1BA-2510-46FC-9346-AB1F3CA1593B}" type="slidenum">
               <a:rPr lang="it-IT" smtClean="0"/>
-              <a:t>‹N›</a:t>
+              <a:t>‹#›</a:t>
             </a:fld>
             <a:endParaRPr lang="it-IT"/>
           </a:p>
@@ -7203,7 +7204,7 @@
           <a:p>
             <a:fld id="{5DD6F1BA-2510-46FC-9346-AB1F3CA1593B}" type="slidenum">
               <a:rPr lang="it-IT" smtClean="0"/>
-              <a:t>‹N›</a:t>
+              <a:t>‹#›</a:t>
             </a:fld>
             <a:endParaRPr lang="it-IT"/>
           </a:p>
@@ -7327,7 +7328,7 @@
           <a:p>
             <a:fld id="{5DD6F1BA-2510-46FC-9346-AB1F3CA1593B}" type="slidenum">
               <a:rPr lang="it-IT" smtClean="0"/>
-              <a:t>‹N›</a:t>
+              <a:t>‹#›</a:t>
             </a:fld>
             <a:endParaRPr lang="it-IT"/>
           </a:p>
@@ -7448,7 +7449,7 @@
           <a:p>
             <a:fld id="{5DD6F1BA-2510-46FC-9346-AB1F3CA1593B}" type="slidenum">
               <a:rPr lang="it-IT" smtClean="0"/>
-              <a:t>‹N›</a:t>
+              <a:t>‹#›</a:t>
             </a:fld>
             <a:endParaRPr lang="it-IT"/>
           </a:p>
@@ -7701,7 +7702,7 @@
             <a:fld id="{5DD6F1BA-2510-46FC-9346-AB1F3CA1593B}" type="slidenum">
               <a:rPr lang="en-US" smtClean="0"/>
               <a:pPr/>
-              <a:t>‹N›</a:t>
+              <a:t>‹#›</a:t>
             </a:fld>
             <a:endParaRPr lang="en-US" dirty="0"/>
           </a:p>
@@ -8384,10 +8385,10 @@
       </p:grpSpPr>
       <p:sp>
         <p:nvSpPr>
-          <p:cNvPr id="14" name="Title 13">
-            <a:extLst>
-              <a:ext uri="{FF2B5EF4-FFF2-40B4-BE49-F238E27FC236}">
-                <a16:creationId xmlns:a16="http://schemas.microsoft.com/office/drawing/2014/main" id="{7FD6D1A2-CF14-45EA-AE21-B220A4E2308D}"/>
+          <p:cNvPr id="2" name="Title 1">
+            <a:extLst>
+              <a:ext uri="{FF2B5EF4-FFF2-40B4-BE49-F238E27FC236}">
+                <a16:creationId xmlns:a16="http://schemas.microsoft.com/office/drawing/2014/main" id="{ADAB29AE-5AC4-4D81-91A5-6C30671F2555}"/>
               </a:ext>
             </a:extLst>
           </p:cNvPr>
@@ -8404,20 +8405,8 @@
           <a:lstStyle/>
           <a:p>
             <a:r>
-              <a:rPr lang="it-IT" dirty="0" err="1"/>
-              <a:t>Integrated</a:t>
-            </a:r>
-            <a:r>
               <a:rPr lang="it-IT" dirty="0"/>
-              <a:t> </a:t>
-            </a:r>
-            <a:r>
-              <a:rPr lang="it-IT" dirty="0" err="1"/>
-              <a:t>analytics</a:t>
-            </a:r>
-            <a:r>
-              <a:rPr lang="it-IT" dirty="0"/>
-              <a:t> lab</a:t>
+              <a:t>Estimator</a:t>
             </a:r>
             <a:endParaRPr lang="en-US" dirty="0"/>
           </a:p>
@@ -8425,10 +8414,10 @@
       </p:sp>
       <p:sp>
         <p:nvSpPr>
-          <p:cNvPr id="9" name="Content Placeholder 8">
-            <a:extLst>
-              <a:ext uri="{FF2B5EF4-FFF2-40B4-BE49-F238E27FC236}">
-                <a16:creationId xmlns:a16="http://schemas.microsoft.com/office/drawing/2014/main" id="{82748BCB-58EE-4FCD-A0A3-62B6988E48A6}"/>
+          <p:cNvPr id="3" name="Content Placeholder 2">
+            <a:extLst>
+              <a:ext uri="{FF2B5EF4-FFF2-40B4-BE49-F238E27FC236}">
+                <a16:creationId xmlns:a16="http://schemas.microsoft.com/office/drawing/2014/main" id="{00EEF161-E14E-4D96-859A-F3FD8D8B92B8}"/>
               </a:ext>
             </a:extLst>
           </p:cNvPr>
@@ -8444,44 +8433,159 @@
           <a:bodyPr/>
           <a:lstStyle/>
           <a:p>
+            <a:pPr marL="457200" indent="-457200">
+              <a:buFont typeface="+mj-lt"/>
+              <a:buAutoNum type="arabicPeriod"/>
+            </a:pPr>
             <a:r>
               <a:rPr lang="en-US" dirty="0"/>
-              <a:t>This checklist can help you while building your projects</a:t>
-            </a:r>
-          </a:p>
-          <a:p>
-            <a:pPr lvl="1"/>
+              <a:t>Choose a class of model</a:t>
+            </a:r>
+          </a:p>
+          <a:p>
+            <a:pPr marL="1200150" lvl="1" indent="-457200"/>
             <a:r>
               <a:rPr lang="en-US" dirty="0"/>
-              <a:t>Frame the problem and look at the big picture</a:t>
-            </a:r>
-          </a:p>
-          <a:p>
-            <a:pPr lvl="2"/>
+              <a:t>&gt;&gt;&gt; from </a:t>
+            </a:r>
+            <a:r>
+              <a:rPr lang="en-US" dirty="0" err="1"/>
+              <a:t>sklearn.linear_model</a:t>
+            </a:r>
             <a:r>
               <a:rPr lang="en-US" dirty="0"/>
-              <a:t>✔Define the objective in business terms</a:t>
-            </a:r>
-          </a:p>
-          <a:p>
-            <a:pPr lvl="2"/>
+              <a:t> import </a:t>
+            </a:r>
+            <a:r>
+              <a:rPr lang="en-US" dirty="0" err="1"/>
+              <a:t>LinearRegression</a:t>
+            </a:r>
+            <a:endParaRPr lang="en-US" dirty="0"/>
+          </a:p>
+          <a:p>
+            <a:pPr marL="457200" indent="-457200">
+              <a:buFont typeface="+mj-lt"/>
+              <a:buAutoNum type="arabicPeriod"/>
+            </a:pPr>
             <a:r>
               <a:rPr lang="en-US" dirty="0"/>
-              <a:t>✖ How should performance be measured? (let's do this!)</a:t>
-            </a:r>
-          </a:p>
-          <a:p>
-            <a:pPr lvl="2"/>
-            <a:endParaRPr lang="en-US" dirty="0"/>
-          </a:p>
-        </p:txBody>
-      </p:sp>
-      <p:sp>
-        <p:nvSpPr>
-          <p:cNvPr id="5" name="Footer Placeholder 4">
-            <a:extLst>
-              <a:ext uri="{FF2B5EF4-FFF2-40B4-BE49-F238E27FC236}">
-                <a16:creationId xmlns:a16="http://schemas.microsoft.com/office/drawing/2014/main" id="{451A0E4F-A40E-41B8-A1C4-70246B56D124}"/>
+              <a:t>Choose model hyperparameters</a:t>
+            </a:r>
+          </a:p>
+          <a:p>
+            <a:pPr marL="1200150" lvl="1" indent="-457200"/>
+            <a:r>
+              <a:rPr lang="en-US" dirty="0"/>
+              <a:t>&gt;&gt;&gt; model = </a:t>
+            </a:r>
+            <a:r>
+              <a:rPr lang="en-US" dirty="0" err="1"/>
+              <a:t>LinearRegression</a:t>
+            </a:r>
+            <a:r>
+              <a:rPr lang="en-US" dirty="0"/>
+              <a:t>(</a:t>
+            </a:r>
+            <a:r>
+              <a:rPr lang="en-US" dirty="0" err="1"/>
+              <a:t>fit_intercept</a:t>
+            </a:r>
+            <a:r>
+              <a:rPr lang="en-US" dirty="0"/>
+              <a:t> = True)</a:t>
+            </a:r>
+          </a:p>
+          <a:p>
+            <a:pPr marL="457200" indent="-457200">
+              <a:buFont typeface="+mj-lt"/>
+              <a:buAutoNum type="arabicPeriod"/>
+            </a:pPr>
+            <a:r>
+              <a:rPr lang="en-US" dirty="0"/>
+              <a:t>Arranging the data</a:t>
+            </a:r>
+          </a:p>
+          <a:p>
+            <a:pPr marL="457200" indent="-457200">
+              <a:buFont typeface="+mj-lt"/>
+              <a:buAutoNum type="arabicPeriod"/>
+            </a:pPr>
+            <a:r>
+              <a:rPr lang="en-US" dirty="0"/>
+              <a:t>Model fitting</a:t>
+            </a:r>
+          </a:p>
+          <a:p>
+            <a:pPr marL="1200150" lvl="1" indent="-457200"/>
+            <a:r>
+              <a:rPr lang="en-US" dirty="0"/>
+              <a:t>&gt;&gt;&gt; </a:t>
+            </a:r>
+            <a:r>
+              <a:rPr lang="en-US" dirty="0" err="1"/>
+              <a:t>model.fit</a:t>
+            </a:r>
+            <a:r>
+              <a:rPr lang="en-US" dirty="0"/>
+              <a:t>(X, y)</a:t>
+            </a:r>
+          </a:p>
+          <a:p>
+            <a:pPr marL="1200150" lvl="1" indent="-457200"/>
+            <a:r>
+              <a:rPr lang="en-US" dirty="0"/>
+              <a:t>&gt;&gt;&gt; </a:t>
+            </a:r>
+            <a:r>
+              <a:rPr lang="en-US" dirty="0" err="1"/>
+              <a:t>model.coef</a:t>
+            </a:r>
+            <a:r>
+              <a:rPr lang="en-US" dirty="0"/>
+              <a:t>_</a:t>
+            </a:r>
+          </a:p>
+          <a:p>
+            <a:pPr marL="457200" indent="-457200">
+              <a:buFont typeface="+mj-lt"/>
+              <a:buAutoNum type="arabicPeriod"/>
+            </a:pPr>
+            <a:r>
+              <a:rPr lang="en-US" dirty="0"/>
+              <a:t>Applying the model to new data</a:t>
+            </a:r>
+          </a:p>
+          <a:p>
+            <a:pPr marL="1200150" lvl="1" indent="-457200"/>
+            <a:r>
+              <a:rPr lang="en-US" dirty="0"/>
+              <a:t>&gt;&gt;&gt; </a:t>
+            </a:r>
+            <a:r>
+              <a:rPr lang="en-US" dirty="0" err="1"/>
+              <a:t>model.predict</a:t>
+            </a:r>
+            <a:r>
+              <a:rPr lang="en-US" dirty="0"/>
+              <a:t>(</a:t>
+            </a:r>
+            <a:r>
+              <a:rPr lang="en-US" dirty="0" err="1"/>
+              <a:t>new_X</a:t>
+            </a:r>
+            <a:r>
+              <a:rPr lang="en-US" dirty="0"/>
+              <a:t>)</a:t>
+            </a:r>
+          </a:p>
+        </p:txBody>
+      </p:sp>
+      <p:sp>
+        <p:nvSpPr>
+          <p:cNvPr id="4" name="Footer Placeholder 3">
+            <a:extLst>
+              <a:ext uri="{FF2B5EF4-FFF2-40B4-BE49-F238E27FC236}">
+                <a16:creationId xmlns:a16="http://schemas.microsoft.com/office/drawing/2014/main" id="{06356005-E3C2-46DF-B7F7-BB55E5F37FA6}"/>
               </a:ext>
             </a:extLst>
           </p:cNvPr>
@@ -8497,19 +8601,21 @@
           <a:bodyPr/>
           <a:lstStyle/>
           <a:p>
+            <a:pPr algn="l"/>
             <a:r>
               <a:rPr lang="it-IT"/>
               <a:t>Matteo Francia – University of Bologna</a:t>
             </a:r>
-          </a:p>
-        </p:txBody>
-      </p:sp>
-      <p:sp>
-        <p:nvSpPr>
-          <p:cNvPr id="6" name="Slide Number Placeholder 5">
-            <a:extLst>
-              <a:ext uri="{FF2B5EF4-FFF2-40B4-BE49-F238E27FC236}">
-                <a16:creationId xmlns:a16="http://schemas.microsoft.com/office/drawing/2014/main" id="{240950CC-5227-4892-818F-1BE5F4F01CAB}"/>
+            <a:endParaRPr lang="it-IT" dirty="0"/>
+          </a:p>
+        </p:txBody>
+      </p:sp>
+      <p:sp>
+        <p:nvSpPr>
+          <p:cNvPr id="5" name="Slide Number Placeholder 4">
+            <a:extLst>
+              <a:ext uri="{FF2B5EF4-FFF2-40B4-BE49-F238E27FC236}">
+                <a16:creationId xmlns:a16="http://schemas.microsoft.com/office/drawing/2014/main" id="{4C9A76B1-0F88-4183-A9A7-428690FF2833}"/>
               </a:ext>
             </a:extLst>
           </p:cNvPr>
@@ -8527,42 +8633,51 @@
           <a:p>
             <a:fld id="{5DD6F1BA-2510-46FC-9346-AB1F3CA1593B}" type="slidenum">
               <a:rPr lang="it-IT" smtClean="0"/>
-              <a:pPr/>
               <a:t>10</a:t>
             </a:fld>
             <a:endParaRPr lang="it-IT"/>
           </a:p>
         </p:txBody>
       </p:sp>
-      <p:sp>
-        <p:nvSpPr>
-          <p:cNvPr id="4" name="Content Placeholder 3">
-            <a:extLst>
-              <a:ext uri="{FF2B5EF4-FFF2-40B4-BE49-F238E27FC236}">
-                <a16:creationId xmlns:a16="http://schemas.microsoft.com/office/drawing/2014/main" id="{21F9CEBC-527B-49D6-B651-E4F23B2BB9AC}"/>
-              </a:ext>
-            </a:extLst>
-          </p:cNvPr>
-          <p:cNvSpPr>
-            <a:spLocks noGrp="1"/>
-          </p:cNvSpPr>
+      <p:pic>
+        <p:nvPicPr>
+          <p:cNvPr id="15" name="Content Placeholder 14" descr="Chart, scatter chart&#10;&#10;Description automatically generated">
+            <a:extLst>
+              <a:ext uri="{FF2B5EF4-FFF2-40B4-BE49-F238E27FC236}">
+                <a16:creationId xmlns:a16="http://schemas.microsoft.com/office/drawing/2014/main" id="{216B170E-26FF-4E9D-AF57-3DE86762EC45}"/>
+              </a:ext>
+            </a:extLst>
+          </p:cNvPr>
+          <p:cNvPicPr>
+            <a:picLocks noGrp="1" noChangeAspect="1"/>
+          </p:cNvPicPr>
           <p:nvPr>
             <p:ph idx="13"/>
           </p:nvPr>
-        </p:nvSpPr>
-        <p:spPr/>
-        <p:txBody>
-          <a:bodyPr/>
-          <a:lstStyle/>
-          <a:p>
-            <a:endParaRPr lang="en-US"/>
-          </a:p>
-        </p:txBody>
-      </p:sp>
+        </p:nvPicPr>
+        <p:blipFill>
+          <a:blip r:embed="rId2">
+            <a:extLst>
+              <a:ext uri="{28A0092B-C50C-407E-A947-70E740481C1C}">
+                <a14:useLocalDpi xmlns:a14="http://schemas.microsoft.com/office/drawing/2010/main" val="0"/>
+              </a:ext>
+            </a:extLst>
+          </a:blip>
+          <a:stretch>
+            <a:fillRect/>
+          </a:stretch>
+        </p:blipFill>
+        <p:spPr>
+          <a:xfrm>
+            <a:off x="6929267" y="3635808"/>
+            <a:ext cx="4234033" cy="2845667"/>
+          </a:xfrm>
+        </p:spPr>
+      </p:pic>
     </p:spTree>
     <p:extLst>
       <p:ext uri="{BB962C8B-B14F-4D97-AF65-F5344CB8AC3E}">
-        <p14:creationId xmlns:p14="http://schemas.microsoft.com/office/powerpoint/2010/main" val="113753560"/>
+        <p14:creationId xmlns:p14="http://schemas.microsoft.com/office/powerpoint/2010/main" val="1055293918"/>
       </p:ext>
     </p:extLst>
   </p:cSld>
@@ -8605,6 +8720,200 @@
             <p:ph type="title"/>
           </p:nvPr>
         </p:nvSpPr>
+        <p:spPr/>
+        <p:txBody>
+          <a:bodyPr/>
+          <a:lstStyle/>
+          <a:p>
+            <a:r>
+              <a:rPr lang="en-US"/>
+              <a:t>Integrated analytics lab</a:t>
+            </a:r>
+          </a:p>
+        </p:txBody>
+      </p:sp>
+      <p:sp>
+        <p:nvSpPr>
+          <p:cNvPr id="9" name="Content Placeholder 8">
+            <a:extLst>
+              <a:ext uri="{FF2B5EF4-FFF2-40B4-BE49-F238E27FC236}">
+                <a16:creationId xmlns:a16="http://schemas.microsoft.com/office/drawing/2014/main" id="{82748BCB-58EE-4FCD-A0A3-62B6988E48A6}"/>
+              </a:ext>
+            </a:extLst>
+          </p:cNvPr>
+          <p:cNvSpPr>
+            <a:spLocks noGrp="1"/>
+          </p:cNvSpPr>
+          <p:nvPr>
+            <p:ph idx="1"/>
+          </p:nvPr>
+        </p:nvSpPr>
+        <p:spPr/>
+        <p:txBody>
+          <a:bodyPr/>
+          <a:lstStyle/>
+          <a:p>
+            <a:r>
+              <a:rPr lang="en-US"/>
+              <a:t>This checklist can help you while building your projects</a:t>
+            </a:r>
+          </a:p>
+          <a:p>
+            <a:pPr lvl="1"/>
+            <a:r>
+              <a:rPr lang="en-US"/>
+              <a:t>Frame the problem and look at the big picture</a:t>
+            </a:r>
+          </a:p>
+          <a:p>
+            <a:pPr lvl="2"/>
+            <a:r>
+              <a:rPr lang="en-US"/>
+              <a:t>✔Define the objective in business terms</a:t>
+            </a:r>
+          </a:p>
+          <a:p>
+            <a:pPr lvl="2"/>
+            <a:r>
+              <a:rPr lang="en-US"/>
+              <a:t>✖ How should performance be measured? (let's do this!)</a:t>
+            </a:r>
+          </a:p>
+          <a:p>
+            <a:pPr lvl="2"/>
+            <a:endParaRPr lang="en-US"/>
+          </a:p>
+        </p:txBody>
+      </p:sp>
+      <p:sp>
+        <p:nvSpPr>
+          <p:cNvPr id="5" name="Footer Placeholder 4">
+            <a:extLst>
+              <a:ext uri="{FF2B5EF4-FFF2-40B4-BE49-F238E27FC236}">
+                <a16:creationId xmlns:a16="http://schemas.microsoft.com/office/drawing/2014/main" id="{451A0E4F-A40E-41B8-A1C4-70246B56D124}"/>
+              </a:ext>
+            </a:extLst>
+          </p:cNvPr>
+          <p:cNvSpPr>
+            <a:spLocks noGrp="1"/>
+          </p:cNvSpPr>
+          <p:nvPr>
+            <p:ph type="ftr" sz="quarter" idx="11"/>
+          </p:nvPr>
+        </p:nvSpPr>
+        <p:spPr/>
+        <p:txBody>
+          <a:bodyPr/>
+          <a:lstStyle/>
+          <a:p>
+            <a:r>
+              <a:rPr lang="en-US"/>
+              <a:t>Matteo Francia – University of Bologna</a:t>
+            </a:r>
+          </a:p>
+        </p:txBody>
+      </p:sp>
+      <p:sp>
+        <p:nvSpPr>
+          <p:cNvPr id="6" name="Slide Number Placeholder 5">
+            <a:extLst>
+              <a:ext uri="{FF2B5EF4-FFF2-40B4-BE49-F238E27FC236}">
+                <a16:creationId xmlns:a16="http://schemas.microsoft.com/office/drawing/2014/main" id="{240950CC-5227-4892-818F-1BE5F4F01CAB}"/>
+              </a:ext>
+            </a:extLst>
+          </p:cNvPr>
+          <p:cNvSpPr>
+            <a:spLocks noGrp="1"/>
+          </p:cNvSpPr>
+          <p:nvPr>
+            <p:ph type="sldNum" sz="quarter" idx="12"/>
+          </p:nvPr>
+        </p:nvSpPr>
+        <p:spPr/>
+        <p:txBody>
+          <a:bodyPr/>
+          <a:lstStyle/>
+          <a:p>
+            <a:fld id="{5DD6F1BA-2510-46FC-9346-AB1F3CA1593B}" type="slidenum">
+              <a:rPr lang="en-US" smtClean="0"/>
+              <a:pPr/>
+              <a:t>11</a:t>
+            </a:fld>
+            <a:endParaRPr lang="en-US"/>
+          </a:p>
+        </p:txBody>
+      </p:sp>
+      <p:sp>
+        <p:nvSpPr>
+          <p:cNvPr id="4" name="Content Placeholder 3">
+            <a:extLst>
+              <a:ext uri="{FF2B5EF4-FFF2-40B4-BE49-F238E27FC236}">
+                <a16:creationId xmlns:a16="http://schemas.microsoft.com/office/drawing/2014/main" id="{21F9CEBC-527B-49D6-B651-E4F23B2BB9AC}"/>
+              </a:ext>
+            </a:extLst>
+          </p:cNvPr>
+          <p:cNvSpPr>
+            <a:spLocks noGrp="1"/>
+          </p:cNvSpPr>
+          <p:nvPr>
+            <p:ph idx="13"/>
+          </p:nvPr>
+        </p:nvSpPr>
+        <p:spPr/>
+        <p:txBody>
+          <a:bodyPr/>
+          <a:lstStyle/>
+          <a:p>
+            <a:endParaRPr lang="en-US"/>
+          </a:p>
+        </p:txBody>
+      </p:sp>
+    </p:spTree>
+    <p:extLst>
+      <p:ext uri="{BB962C8B-B14F-4D97-AF65-F5344CB8AC3E}">
+        <p14:creationId xmlns:p14="http://schemas.microsoft.com/office/powerpoint/2010/main" val="113753560"/>
+      </p:ext>
+    </p:extLst>
+  </p:cSld>
+  <p:clrMapOvr>
+    <a:masterClrMapping/>
+  </p:clrMapOvr>
+</p:sld>
+</file>
+
+<file path=ppt/slides/slide12.xml><?xml version="1.0" encoding="utf-8"?>
+<p:sld xmlns:a="http://schemas.openxmlformats.org/drawingml/2006/main" xmlns:r="http://schemas.openxmlformats.org/officeDocument/2006/relationships" xmlns:p="http://schemas.openxmlformats.org/presentationml/2006/main">
+  <p:cSld>
+    <p:spTree>
+      <p:nvGrpSpPr>
+        <p:cNvPr id="1" name=""/>
+        <p:cNvGrpSpPr/>
+        <p:nvPr/>
+      </p:nvGrpSpPr>
+      <p:grpSpPr>
+        <a:xfrm>
+          <a:off x="0" y="0"/>
+          <a:ext cx="0" cy="0"/>
+          <a:chOff x="0" y="0"/>
+          <a:chExt cx="0" cy="0"/>
+        </a:xfrm>
+      </p:grpSpPr>
+      <p:sp>
+        <p:nvSpPr>
+          <p:cNvPr id="14" name="Title 13">
+            <a:extLst>
+              <a:ext uri="{FF2B5EF4-FFF2-40B4-BE49-F238E27FC236}">
+                <a16:creationId xmlns:a16="http://schemas.microsoft.com/office/drawing/2014/main" id="{7FD6D1A2-CF14-45EA-AE21-B220A4E2308D}"/>
+              </a:ext>
+            </a:extLst>
+          </p:cNvPr>
+          <p:cNvSpPr>
+            <a:spLocks noGrp="1"/>
+          </p:cNvSpPr>
+          <p:nvPr>
+            <p:ph type="title"/>
+          </p:nvPr>
+        </p:nvSpPr>
         <p:spPr>
           <a:xfrm>
             <a:off x="838200" y="365125"/>
@@ -8616,22 +8925,9 @@
           <a:lstStyle/>
           <a:p>
             <a:r>
-              <a:rPr lang="it-IT" dirty="0" err="1"/>
-              <a:t>Integrated</a:t>
-            </a:r>
-            <a:r>
-              <a:rPr lang="it-IT" dirty="0"/>
-              <a:t> </a:t>
-            </a:r>
-            <a:r>
-              <a:rPr lang="it-IT" dirty="0" err="1"/>
-              <a:t>analytics</a:t>
-            </a:r>
-            <a:r>
-              <a:rPr lang="it-IT" dirty="0"/>
-              <a:t> lab</a:t>
-            </a:r>
-            <a:endParaRPr lang="en-US" dirty="0"/>
+              <a:rPr lang="en-US"/>
+              <a:t>Integrated analytics lab</a:t>
+            </a:r>
           </a:p>
         </p:txBody>
       </p:sp>
@@ -8662,25 +8958,25 @@
           <a:lstStyle/>
           <a:p>
             <a:r>
-              <a:rPr lang="en-US" dirty="0"/>
+              <a:rPr lang="en-US"/>
               <a:t>We are facing a regression problem</a:t>
             </a:r>
           </a:p>
           <a:p>
             <a:pPr lvl="1"/>
             <a:r>
-              <a:rPr lang="en-US" dirty="0"/>
+              <a:rPr lang="en-US"/>
               <a:t>A typical performance measure for regression problems is the Root Mean Square Error (RMSE)</a:t>
             </a:r>
           </a:p>
           <a:p>
             <a:pPr lvl="1"/>
             <a:r>
-              <a:rPr lang="en-US" dirty="0"/>
+              <a:rPr lang="en-US"/>
               <a:t>RMSE is the standard deviation of the </a:t>
             </a:r>
             <a:r>
-              <a:rPr lang="en-US" dirty="0">
+              <a:rPr lang="en-US">
                 <a:solidFill>
                   <a:srgbClr val="FF0000"/>
                 </a:solidFill>
@@ -8688,14 +8984,14 @@
               <a:t>residuals</a:t>
             </a:r>
             <a:r>
-              <a:rPr lang="en-US" dirty="0"/>
+              <a:rPr lang="en-US"/>
               <a:t> (prediction errors)</a:t>
             </a:r>
           </a:p>
           <a:p>
             <a:pPr lvl="1"/>
             <a:r>
-              <a:rPr lang="en-US" dirty="0"/>
+              <a:rPr lang="en-US"/>
               <a:t>Residuals are a measure of how far from the regression line data points are; RMSE is a measure of how spread out these residuals are</a:t>
             </a:r>
           </a:p>
@@ -8757,7 +9053,7 @@
           <a:lstStyle/>
           <a:p>
             <a:r>
-              <a:rPr lang="it-IT"/>
+              <a:rPr lang="en-US"/>
               <a:t>Matteo Francia – University of Bologna</a:t>
             </a:r>
           </a:p>
@@ -8790,11 +9086,11 @@
           <a:lstStyle/>
           <a:p>
             <a:fld id="{5DD6F1BA-2510-46FC-9346-AB1F3CA1593B}" type="slidenum">
-              <a:rPr lang="it-IT" smtClean="0"/>
+              <a:rPr lang="en-US" smtClean="0"/>
               <a:pPr/>
-              <a:t>11</a:t>
+              <a:t>12</a:t>
             </a:fld>
-            <a:endParaRPr lang="it-IT"/>
+            <a:endParaRPr lang="en-US"/>
           </a:p>
         </p:txBody>
       </p:sp>
@@ -9054,7 +9350,7 @@
 </p:sld>
 </file>
 
-<file path=ppt/slides/slide12.xml><?xml version="1.0" encoding="utf-8"?>
+<file path=ppt/slides/slide13.xml><?xml version="1.0" encoding="utf-8"?>
 <p:sld xmlns:a="http://schemas.openxmlformats.org/drawingml/2006/main" xmlns:r="http://schemas.openxmlformats.org/officeDocument/2006/relationships" xmlns:p="http://schemas.openxmlformats.org/presentationml/2006/main">
   <p:cSld>
     <p:spTree>
@@ -9263,7 +9559,7 @@
             <a:fld id="{5DD6F1BA-2510-46FC-9346-AB1F3CA1593B}" type="slidenum">
               <a:rPr lang="it-IT" smtClean="0"/>
               <a:pPr/>
-              <a:t>12</a:t>
+              <a:t>13</a:t>
             </a:fld>
             <a:endParaRPr lang="it-IT"/>
           </a:p>
@@ -9713,7 +10009,7 @@
 </p:sld>
 </file>
 
-<file path=ppt/slides/slide13.xml><?xml version="1.0" encoding="utf-8"?>
+<file path=ppt/slides/slide14.xml><?xml version="1.0" encoding="utf-8"?>
 <p:sld xmlns:a="http://schemas.openxmlformats.org/drawingml/2006/main" xmlns:r="http://schemas.openxmlformats.org/officeDocument/2006/relationships" xmlns:p="http://schemas.openxmlformats.org/presentationml/2006/main">
   <p:cSld>
     <p:spTree>
@@ -9927,7 +10223,7 @@
             <a:fld id="{5DD6F1BA-2510-46FC-9346-AB1F3CA1593B}" type="slidenum">
               <a:rPr lang="it-IT" smtClean="0"/>
               <a:pPr/>
-              <a:t>13</a:t>
+              <a:t>14</a:t>
             </a:fld>
             <a:endParaRPr lang="it-IT"/>
           </a:p>
@@ -10097,278 +10393,6 @@
 </p:sld>
 </file>
 
-<file path=ppt/slides/slide14.xml><?xml version="1.0" encoding="utf-8"?>
-<p:sld xmlns:a="http://schemas.openxmlformats.org/drawingml/2006/main" xmlns:r="http://schemas.openxmlformats.org/officeDocument/2006/relationships" xmlns:p="http://schemas.openxmlformats.org/presentationml/2006/main">
-  <p:cSld>
-    <p:spTree>
-      <p:nvGrpSpPr>
-        <p:cNvPr id="1" name=""/>
-        <p:cNvGrpSpPr/>
-        <p:nvPr/>
-      </p:nvGrpSpPr>
-      <p:grpSpPr>
-        <a:xfrm>
-          <a:off x="0" y="0"/>
-          <a:ext cx="0" cy="0"/>
-          <a:chOff x="0" y="0"/>
-          <a:chExt cx="0" cy="0"/>
-        </a:xfrm>
-      </p:grpSpPr>
-      <p:sp>
-        <p:nvSpPr>
-          <p:cNvPr id="14" name="Title 13">
-            <a:extLst>
-              <a:ext uri="{FF2B5EF4-FFF2-40B4-BE49-F238E27FC236}">
-                <a16:creationId xmlns:a16="http://schemas.microsoft.com/office/drawing/2014/main" id="{7FD6D1A2-CF14-45EA-AE21-B220A4E2308D}"/>
-              </a:ext>
-            </a:extLst>
-          </p:cNvPr>
-          <p:cNvSpPr>
-            <a:spLocks noGrp="1"/>
-          </p:cNvSpPr>
-          <p:nvPr>
-            <p:ph type="title"/>
-          </p:nvPr>
-        </p:nvSpPr>
-        <p:spPr>
-          <a:xfrm>
-            <a:off x="838200" y="365125"/>
-            <a:ext cx="10515600" cy="1325563"/>
-          </a:xfrm>
-        </p:spPr>
-        <p:txBody>
-          <a:bodyPr/>
-          <a:lstStyle/>
-          <a:p>
-            <a:r>
-              <a:rPr lang="it-IT" dirty="0" err="1"/>
-              <a:t>Hyper-parameter</a:t>
-            </a:r>
-            <a:r>
-              <a:rPr lang="it-IT" dirty="0"/>
-              <a:t> tuning</a:t>
-            </a:r>
-            <a:endParaRPr lang="en-US" dirty="0"/>
-          </a:p>
-        </p:txBody>
-      </p:sp>
-      <p:sp>
-        <p:nvSpPr>
-          <p:cNvPr id="9" name="Content Placeholder 8">
-            <a:extLst>
-              <a:ext uri="{FF2B5EF4-FFF2-40B4-BE49-F238E27FC236}">
-                <a16:creationId xmlns:a16="http://schemas.microsoft.com/office/drawing/2014/main" id="{82748BCB-58EE-4FCD-A0A3-62B6988E48A6}"/>
-              </a:ext>
-            </a:extLst>
-          </p:cNvPr>
-          <p:cNvSpPr>
-            <a:spLocks noGrp="1"/>
-          </p:cNvSpPr>
-          <p:nvPr>
-            <p:ph idx="1"/>
-          </p:nvPr>
-        </p:nvSpPr>
-        <p:spPr>
-          <a:xfrm>
-            <a:off x="838200" y="1700499"/>
-            <a:ext cx="10515600" cy="4351338"/>
-          </a:xfrm>
-        </p:spPr>
-        <p:txBody>
-          <a:bodyPr/>
-          <a:lstStyle/>
-          <a:p>
-            <a:r>
-              <a:rPr lang="en-US" dirty="0">
-                <a:solidFill>
-                  <a:srgbClr val="FF0000"/>
-                </a:solidFill>
-              </a:rPr>
-              <a:t>Hyper-parameters:</a:t>
-            </a:r>
-            <a:r>
-              <a:rPr lang="en-US" dirty="0"/>
-              <a:t> parameters that are not directly learnt within estimators</a:t>
-            </a:r>
-          </a:p>
-          <a:p>
-            <a:pPr lvl="1"/>
-            <a:r>
-              <a:rPr lang="en-US" dirty="0"/>
-              <a:t>In scikit-learn they are passed as arguments to the constructor of the estimator classes</a:t>
-            </a:r>
-          </a:p>
-          <a:p>
-            <a:pPr lvl="1"/>
-            <a:r>
-              <a:rPr lang="en-US" dirty="0"/>
-              <a:t>Any parameter provided when constructing an estimator may be optimized</a:t>
-            </a:r>
-          </a:p>
-          <a:p>
-            <a:pPr lvl="2"/>
-            <a:r>
-              <a:rPr lang="en-US" dirty="0"/>
-              <a:t>&gt;&gt;&gt; </a:t>
-            </a:r>
-            <a:r>
-              <a:rPr lang="en-US" dirty="0" err="1"/>
-              <a:t>estimator.get_params</a:t>
-            </a:r>
-            <a:r>
-              <a:rPr lang="en-US" dirty="0"/>
-              <a:t>()</a:t>
-            </a:r>
-          </a:p>
-          <a:p>
-            <a:r>
-              <a:rPr lang="en-US" dirty="0"/>
-              <a:t>A search consists of:</a:t>
-            </a:r>
-          </a:p>
-          <a:p>
-            <a:pPr lvl="1"/>
-            <a:r>
-              <a:rPr lang="en-US" dirty="0"/>
-              <a:t>    an estimator</a:t>
-            </a:r>
-          </a:p>
-          <a:p>
-            <a:pPr lvl="1"/>
-            <a:r>
-              <a:rPr lang="en-US" dirty="0"/>
-              <a:t>    a parameter space</a:t>
-            </a:r>
-          </a:p>
-          <a:p>
-            <a:pPr lvl="1"/>
-            <a:r>
-              <a:rPr lang="en-US" dirty="0"/>
-              <a:t>    a method for searching or sampling candidates</a:t>
-            </a:r>
-          </a:p>
-          <a:p>
-            <a:pPr lvl="1"/>
-            <a:r>
-              <a:rPr lang="en-US" dirty="0"/>
-              <a:t>    a cross-validation scheme</a:t>
-            </a:r>
-          </a:p>
-          <a:p>
-            <a:pPr lvl="1"/>
-            <a:r>
-              <a:rPr lang="en-US" dirty="0"/>
-              <a:t>    a score function</a:t>
-            </a:r>
-          </a:p>
-        </p:txBody>
-      </p:sp>
-      <p:sp>
-        <p:nvSpPr>
-          <p:cNvPr id="5" name="Footer Placeholder 4">
-            <a:extLst>
-              <a:ext uri="{FF2B5EF4-FFF2-40B4-BE49-F238E27FC236}">
-                <a16:creationId xmlns:a16="http://schemas.microsoft.com/office/drawing/2014/main" id="{451A0E4F-A40E-41B8-A1C4-70246B56D124}"/>
-              </a:ext>
-            </a:extLst>
-          </p:cNvPr>
-          <p:cNvSpPr>
-            <a:spLocks noGrp="1"/>
-          </p:cNvSpPr>
-          <p:nvPr>
-            <p:ph type="ftr" sz="quarter" idx="11"/>
-          </p:nvPr>
-        </p:nvSpPr>
-        <p:spPr>
-          <a:xfrm>
-            <a:off x="-1" y="6492875"/>
-            <a:ext cx="2837793" cy="365125"/>
-          </a:xfrm>
-        </p:spPr>
-        <p:txBody>
-          <a:bodyPr/>
-          <a:lstStyle/>
-          <a:p>
-            <a:r>
-              <a:rPr lang="it-IT"/>
-              <a:t>Matteo Francia – University of Bologna</a:t>
-            </a:r>
-          </a:p>
-        </p:txBody>
-      </p:sp>
-      <p:sp>
-        <p:nvSpPr>
-          <p:cNvPr id="6" name="Slide Number Placeholder 5">
-            <a:extLst>
-              <a:ext uri="{FF2B5EF4-FFF2-40B4-BE49-F238E27FC236}">
-                <a16:creationId xmlns:a16="http://schemas.microsoft.com/office/drawing/2014/main" id="{240950CC-5227-4892-818F-1BE5F4F01CAB}"/>
-              </a:ext>
-            </a:extLst>
-          </p:cNvPr>
-          <p:cNvSpPr>
-            <a:spLocks noGrp="1"/>
-          </p:cNvSpPr>
-          <p:nvPr>
-            <p:ph type="sldNum" sz="quarter" idx="12"/>
-          </p:nvPr>
-        </p:nvSpPr>
-        <p:spPr>
-          <a:xfrm>
-            <a:off x="9448800" y="6492874"/>
-            <a:ext cx="2743200" cy="365125"/>
-          </a:xfrm>
-        </p:spPr>
-        <p:txBody>
-          <a:bodyPr/>
-          <a:lstStyle/>
-          <a:p>
-            <a:fld id="{5DD6F1BA-2510-46FC-9346-AB1F3CA1593B}" type="slidenum">
-              <a:rPr lang="it-IT" smtClean="0"/>
-              <a:pPr/>
-              <a:t>14</a:t>
-            </a:fld>
-            <a:endParaRPr lang="it-IT"/>
-          </a:p>
-        </p:txBody>
-      </p:sp>
-      <p:sp>
-        <p:nvSpPr>
-          <p:cNvPr id="10" name="Segnaposto contenuto 9">
-            <a:extLst>
-              <a:ext uri="{FF2B5EF4-FFF2-40B4-BE49-F238E27FC236}">
-                <a16:creationId xmlns:a16="http://schemas.microsoft.com/office/drawing/2014/main" id="{C945584B-8D41-4135-8868-73556DBA5D2A}"/>
-              </a:ext>
-            </a:extLst>
-          </p:cNvPr>
-          <p:cNvSpPr>
-            <a:spLocks noGrp="1"/>
-          </p:cNvSpPr>
-          <p:nvPr>
-            <p:ph idx="13"/>
-          </p:nvPr>
-        </p:nvSpPr>
-        <p:spPr/>
-        <p:txBody>
-          <a:bodyPr/>
-          <a:lstStyle/>
-          <a:p>
-            <a:endParaRPr lang="en-US"/>
-          </a:p>
-        </p:txBody>
-      </p:sp>
-    </p:spTree>
-    <p:extLst>
-      <p:ext uri="{BB962C8B-B14F-4D97-AF65-F5344CB8AC3E}">
-        <p14:creationId xmlns:p14="http://schemas.microsoft.com/office/powerpoint/2010/main" val="3819975198"/>
-      </p:ext>
-    </p:extLst>
-  </p:cSld>
-  <p:clrMapOvr>
-    <a:masterClrMapping/>
-  </p:clrMapOvr>
-</p:sld>
-</file>
-
 <file path=ppt/slides/slide15.xml><?xml version="1.0" encoding="utf-8"?>
 <p:sld xmlns:a="http://schemas.openxmlformats.org/drawingml/2006/main" xmlns:r="http://schemas.openxmlformats.org/officeDocument/2006/relationships" xmlns:p="http://schemas.openxmlformats.org/presentationml/2006/main">
   <p:cSld>
@@ -10424,41 +10448,125 @@
           </a:p>
         </p:txBody>
       </p:sp>
-      <p:pic>
-        <p:nvPicPr>
-          <p:cNvPr id="3" name="Segnaposto contenuto 2">
-            <a:extLst>
-              <a:ext uri="{FF2B5EF4-FFF2-40B4-BE49-F238E27FC236}">
-                <a16:creationId xmlns:a16="http://schemas.microsoft.com/office/drawing/2014/main" id="{45A8F3FC-15F6-4525-8517-4343285113D2}"/>
-              </a:ext>
-            </a:extLst>
-          </p:cNvPr>
-          <p:cNvPicPr>
-            <a:picLocks noGrp="1" noChangeAspect="1"/>
-          </p:cNvPicPr>
+      <p:sp>
+        <p:nvSpPr>
+          <p:cNvPr id="9" name="Content Placeholder 8">
+            <a:extLst>
+              <a:ext uri="{FF2B5EF4-FFF2-40B4-BE49-F238E27FC236}">
+                <a16:creationId xmlns:a16="http://schemas.microsoft.com/office/drawing/2014/main" id="{82748BCB-58EE-4FCD-A0A3-62B6988E48A6}"/>
+              </a:ext>
+            </a:extLst>
+          </p:cNvPr>
+          <p:cNvSpPr>
+            <a:spLocks noGrp="1"/>
+          </p:cNvSpPr>
           <p:nvPr>
             <p:ph idx="1"/>
           </p:nvPr>
-        </p:nvPicPr>
-        <p:blipFill>
-          <a:blip r:embed="rId2">
-            <a:extLst>
-              <a:ext uri="{28A0092B-C50C-407E-A947-70E740481C1C}">
-                <a14:useLocalDpi xmlns:a14="http://schemas.microsoft.com/office/drawing/2010/main" val="0"/>
-              </a:ext>
-            </a:extLst>
-          </a:blip>
-          <a:stretch>
-            <a:fillRect/>
-          </a:stretch>
-        </p:blipFill>
+        </p:nvSpPr>
         <p:spPr>
           <a:xfrm>
-            <a:off x="1333500" y="2437606"/>
-            <a:ext cx="9525000" cy="2876550"/>
+            <a:off x="838200" y="1700499"/>
+            <a:ext cx="10515600" cy="4351338"/>
           </a:xfrm>
         </p:spPr>
-      </p:pic>
+        <p:txBody>
+          <a:bodyPr/>
+          <a:lstStyle/>
+          <a:p>
+            <a:r>
+              <a:rPr lang="en-US" dirty="0">
+                <a:solidFill>
+                  <a:srgbClr val="FF0000"/>
+                </a:solidFill>
+              </a:rPr>
+              <a:t>Hyper-parameters:</a:t>
+            </a:r>
+            <a:r>
+              <a:rPr lang="en-US" dirty="0"/>
+              <a:t> parameters that are not directly learnt within estimators</a:t>
+            </a:r>
+          </a:p>
+          <a:p>
+            <a:pPr lvl="1"/>
+            <a:r>
+              <a:rPr lang="en-US" dirty="0"/>
+              <a:t>In scikit-learn they are passed as arguments to the constructor of the estimator classes</a:t>
+            </a:r>
+          </a:p>
+          <a:p>
+            <a:pPr lvl="1"/>
+            <a:r>
+              <a:rPr lang="en-US" dirty="0"/>
+              <a:t>Any parameter provided when constructing an estimator may be optimized</a:t>
+            </a:r>
+          </a:p>
+          <a:p>
+            <a:pPr lvl="2"/>
+            <a:r>
+              <a:rPr lang="en-US" dirty="0"/>
+              <a:t>&gt;&gt;&gt; </a:t>
+            </a:r>
+            <a:r>
+              <a:rPr lang="en-US" dirty="0" err="1"/>
+              <a:t>estimator.get_</a:t>
+            </a:r>
+            <a:r>
+              <a:rPr lang="en-US" dirty="0" err="1">
+                <a:solidFill>
+                  <a:srgbClr val="FF0000"/>
+                </a:solidFill>
+              </a:rPr>
+              <a:t>params</a:t>
+            </a:r>
+            <a:r>
+              <a:rPr lang="en-US" dirty="0"/>
+              <a:t>()</a:t>
+            </a:r>
+          </a:p>
+          <a:p>
+            <a:r>
+              <a:rPr lang="en-US" dirty="0"/>
+              <a:t>A search consists of:</a:t>
+            </a:r>
+          </a:p>
+          <a:p>
+            <a:pPr lvl="1"/>
+            <a:r>
+              <a:rPr lang="en-US" dirty="0"/>
+              <a:t>    an estimator</a:t>
+            </a:r>
+          </a:p>
+          <a:p>
+            <a:pPr lvl="1"/>
+            <a:r>
+              <a:rPr lang="en-US" dirty="0"/>
+              <a:t>    a parameter space</a:t>
+            </a:r>
+          </a:p>
+          <a:p>
+            <a:pPr lvl="1"/>
+            <a:r>
+              <a:rPr lang="en-US" dirty="0"/>
+              <a:t>    a method for searching or sampling candidates</a:t>
+            </a:r>
+          </a:p>
+          <a:p>
+            <a:pPr lvl="1"/>
+            <a:r>
+              <a:rPr lang="en-US" dirty="0"/>
+              <a:t>    a cross-validation scheme</a:t>
+            </a:r>
+          </a:p>
+          <a:p>
+            <a:pPr lvl="1"/>
+            <a:r>
+              <a:rPr lang="en-US" dirty="0"/>
+              <a:t>    a score function</a:t>
+            </a:r>
+          </a:p>
+        </p:txBody>
+      </p:sp>
       <p:sp>
         <p:nvSpPr>
           <p:cNvPr id="5" name="Footer Placeholder 4">
@@ -10555,7 +10663,7 @@
     </p:spTree>
     <p:extLst>
       <p:ext uri="{BB962C8B-B14F-4D97-AF65-F5344CB8AC3E}">
-        <p14:creationId xmlns:p14="http://schemas.microsoft.com/office/powerpoint/2010/main" val="650704930"/>
+        <p14:creationId xmlns:p14="http://schemas.microsoft.com/office/powerpoint/2010/main" val="3819975198"/>
       </p:ext>
     </p:extLst>
   </p:cSld>
@@ -10610,170 +10718,51 @@
           <a:p>
             <a:r>
               <a:rPr lang="it-IT" dirty="0" err="1"/>
-              <a:t>Integrated</a:t>
+              <a:t>Hyper-parameter</a:t>
             </a:r>
             <a:r>
               <a:rPr lang="it-IT" dirty="0"/>
-              <a:t> </a:t>
-            </a:r>
-            <a:r>
-              <a:rPr lang="it-IT" dirty="0" err="1"/>
-              <a:t>analytics</a:t>
-            </a:r>
-            <a:r>
-              <a:rPr lang="it-IT" dirty="0"/>
-              <a:t> lab</a:t>
+              <a:t> tuning</a:t>
             </a:r>
             <a:endParaRPr lang="en-US" dirty="0"/>
           </a:p>
         </p:txBody>
       </p:sp>
-      <p:sp>
-        <p:nvSpPr>
-          <p:cNvPr id="9" name="Content Placeholder 8">
-            <a:extLst>
-              <a:ext uri="{FF2B5EF4-FFF2-40B4-BE49-F238E27FC236}">
-                <a16:creationId xmlns:a16="http://schemas.microsoft.com/office/drawing/2014/main" id="{82748BCB-58EE-4FCD-A0A3-62B6988E48A6}"/>
-              </a:ext>
-            </a:extLst>
-          </p:cNvPr>
-          <p:cNvSpPr>
-            <a:spLocks noGrp="1"/>
-          </p:cNvSpPr>
+      <p:pic>
+        <p:nvPicPr>
+          <p:cNvPr id="3" name="Segnaposto contenuto 2">
+            <a:extLst>
+              <a:ext uri="{FF2B5EF4-FFF2-40B4-BE49-F238E27FC236}">
+                <a16:creationId xmlns:a16="http://schemas.microsoft.com/office/drawing/2014/main" id="{45A8F3FC-15F6-4525-8517-4343285113D2}"/>
+              </a:ext>
+            </a:extLst>
+          </p:cNvPr>
+          <p:cNvPicPr>
+            <a:picLocks noGrp="1" noChangeAspect="1"/>
+          </p:cNvPicPr>
           <p:nvPr>
             <p:ph idx="1"/>
           </p:nvPr>
-        </p:nvSpPr>
+        </p:nvPicPr>
+        <p:blipFill>
+          <a:blip r:embed="rId2">
+            <a:extLst>
+              <a:ext uri="{28A0092B-C50C-407E-A947-70E740481C1C}">
+                <a14:useLocalDpi xmlns:a14="http://schemas.microsoft.com/office/drawing/2010/main" val="0"/>
+              </a:ext>
+            </a:extLst>
+          </a:blip>
+          <a:stretch>
+            <a:fillRect/>
+          </a:stretch>
+        </p:blipFill>
         <p:spPr>
           <a:xfrm>
-            <a:off x="838200" y="1700499"/>
-            <a:ext cx="10515600" cy="4351338"/>
+            <a:off x="1333500" y="2437606"/>
+            <a:ext cx="9525000" cy="2876550"/>
           </a:xfrm>
         </p:spPr>
-        <p:txBody>
-          <a:bodyPr/>
-          <a:lstStyle/>
-          <a:p>
-            <a:r>
-              <a:rPr lang="en-US" dirty="0"/>
-              <a:t>This checklist can help you while building your projects</a:t>
-            </a:r>
-          </a:p>
-          <a:p>
-            <a:pPr lvl="1"/>
-            <a:r>
-              <a:rPr lang="en-US" dirty="0"/>
-              <a:t> Frame the problem and look at the big picture</a:t>
-            </a:r>
-          </a:p>
-          <a:p>
-            <a:pPr lvl="2"/>
-            <a:r>
-              <a:rPr lang="en-US" dirty="0"/>
-              <a:t>✔ Define the objective in business terms</a:t>
-            </a:r>
-          </a:p>
-          <a:p>
-            <a:pPr lvl="2"/>
-            <a:r>
-              <a:rPr lang="en-US" dirty="0"/>
-              <a:t>✔ How should performance be measured?</a:t>
-            </a:r>
-          </a:p>
-          <a:p>
-            <a:pPr lvl="1"/>
-            <a:r>
-              <a:rPr lang="en-US" dirty="0"/>
-              <a:t> Get the data</a:t>
-            </a:r>
-          </a:p>
-          <a:p>
-            <a:pPr lvl="2"/>
-            <a:r>
-              <a:rPr lang="en-US" dirty="0"/>
-              <a:t>✔ List the data you need and how much you need</a:t>
-            </a:r>
-          </a:p>
-          <a:p>
-            <a:pPr lvl="1"/>
-            <a:r>
-              <a:rPr lang="en-US" dirty="0"/>
-              <a:t>Explore the data to gain insights</a:t>
-            </a:r>
-          </a:p>
-          <a:p>
-            <a:pPr lvl="2"/>
-            <a:r>
-              <a:rPr lang="en-US" dirty="0"/>
-              <a:t>✔ Create an environment to keep track of your data exploration </a:t>
-            </a:r>
-          </a:p>
-          <a:p>
-            <a:pPr lvl="2"/>
-            <a:r>
-              <a:rPr lang="en-US" dirty="0"/>
-              <a:t>✔ Study each attribute and its characteristics</a:t>
-            </a:r>
-          </a:p>
-          <a:p>
-            <a:pPr lvl="1"/>
-            <a:r>
-              <a:rPr lang="en-US" dirty="0"/>
-              <a:t>Prepare the data</a:t>
-            </a:r>
-          </a:p>
-          <a:p>
-            <a:pPr lvl="2"/>
-            <a:r>
-              <a:rPr lang="en-US" dirty="0"/>
-              <a:t>✔ Fix or remove outliers (optional)</a:t>
-            </a:r>
-          </a:p>
-          <a:p>
-            <a:pPr lvl="2"/>
-            <a:r>
-              <a:rPr lang="en-US" dirty="0"/>
-              <a:t>✔ Fill in missing values (e.g., with zero, mean, median…) or drop their rows (or columns)</a:t>
-            </a:r>
-          </a:p>
-          <a:p>
-            <a:pPr lvl="2"/>
-            <a:r>
-              <a:rPr lang="en-US" dirty="0"/>
-              <a:t>✔ Feature selection (optional): drop the attributes that provide no useful information for the task</a:t>
-            </a:r>
-          </a:p>
-          <a:p>
-            <a:pPr lvl="2"/>
-            <a:r>
-              <a:rPr lang="en-US" dirty="0"/>
-              <a:t>✔ Feature engineering, where appropriate: discretize continuous features</a:t>
-            </a:r>
-          </a:p>
-          <a:p>
-            <a:pPr lvl="1"/>
-            <a:r>
-              <a:rPr lang="en-US" dirty="0">
-                <a:solidFill>
-                  <a:schemeClr val="accent6"/>
-                </a:solidFill>
-              </a:rPr>
-              <a:t>Explore many different models and shortlist the best ones</a:t>
-            </a:r>
-          </a:p>
-          <a:p>
-            <a:pPr lvl="2"/>
-            <a:r>
-              <a:rPr lang="en-US" dirty="0">
-                <a:solidFill>
-                  <a:schemeClr val="accent6"/>
-                </a:solidFill>
-              </a:rPr>
-              <a:t>✔ Let's do this!</a:t>
-            </a:r>
-          </a:p>
-        </p:txBody>
-      </p:sp>
+      </p:pic>
       <p:sp>
         <p:nvSpPr>
           <p:cNvPr id="5" name="Footer Placeholder 4">
@@ -10844,10 +10833,10 @@
       </p:sp>
       <p:sp>
         <p:nvSpPr>
-          <p:cNvPr id="8" name="Content Placeholder 7">
-            <a:extLst>
-              <a:ext uri="{FF2B5EF4-FFF2-40B4-BE49-F238E27FC236}">
-                <a16:creationId xmlns:a16="http://schemas.microsoft.com/office/drawing/2014/main" id="{FDECB704-1D82-4D85-81B9-E4B38BD812C3}"/>
+          <p:cNvPr id="10" name="Segnaposto contenuto 9">
+            <a:extLst>
+              <a:ext uri="{FF2B5EF4-FFF2-40B4-BE49-F238E27FC236}">
+                <a16:creationId xmlns:a16="http://schemas.microsoft.com/office/drawing/2014/main" id="{C945584B-8D41-4135-8868-73556DBA5D2A}"/>
               </a:ext>
             </a:extLst>
           </p:cNvPr>
@@ -10863,14 +10852,14 @@
           <a:bodyPr/>
           <a:lstStyle/>
           <a:p>
-            <a:endParaRPr lang="en-US" dirty="0"/>
+            <a:endParaRPr lang="en-US"/>
           </a:p>
         </p:txBody>
       </p:sp>
     </p:spTree>
     <p:extLst>
       <p:ext uri="{BB962C8B-B14F-4D97-AF65-F5344CB8AC3E}">
-        <p14:creationId xmlns:p14="http://schemas.microsoft.com/office/powerpoint/2010/main" val="1286790082"/>
+        <p14:creationId xmlns:p14="http://schemas.microsoft.com/office/powerpoint/2010/main" val="650704930"/>
       </p:ext>
     </p:extLst>
   </p:cSld>
@@ -10899,6 +10888,321 @@
       </p:grpSpPr>
       <p:sp>
         <p:nvSpPr>
+          <p:cNvPr id="14" name="Title 13">
+            <a:extLst>
+              <a:ext uri="{FF2B5EF4-FFF2-40B4-BE49-F238E27FC236}">
+                <a16:creationId xmlns:a16="http://schemas.microsoft.com/office/drawing/2014/main" id="{7FD6D1A2-CF14-45EA-AE21-B220A4E2308D}"/>
+              </a:ext>
+            </a:extLst>
+          </p:cNvPr>
+          <p:cNvSpPr>
+            <a:spLocks noGrp="1"/>
+          </p:cNvSpPr>
+          <p:nvPr>
+            <p:ph type="title"/>
+          </p:nvPr>
+        </p:nvSpPr>
+        <p:spPr>
+          <a:xfrm>
+            <a:off x="838200" y="365125"/>
+            <a:ext cx="10515600" cy="1325563"/>
+          </a:xfrm>
+        </p:spPr>
+        <p:txBody>
+          <a:bodyPr/>
+          <a:lstStyle/>
+          <a:p>
+            <a:r>
+              <a:rPr lang="it-IT" dirty="0" err="1"/>
+              <a:t>Integrated</a:t>
+            </a:r>
+            <a:r>
+              <a:rPr lang="it-IT" dirty="0"/>
+              <a:t> </a:t>
+            </a:r>
+            <a:r>
+              <a:rPr lang="it-IT" dirty="0" err="1"/>
+              <a:t>analytics</a:t>
+            </a:r>
+            <a:r>
+              <a:rPr lang="it-IT" dirty="0"/>
+              <a:t> lab</a:t>
+            </a:r>
+            <a:endParaRPr lang="en-US" dirty="0"/>
+          </a:p>
+        </p:txBody>
+      </p:sp>
+      <p:sp>
+        <p:nvSpPr>
+          <p:cNvPr id="9" name="Content Placeholder 8">
+            <a:extLst>
+              <a:ext uri="{FF2B5EF4-FFF2-40B4-BE49-F238E27FC236}">
+                <a16:creationId xmlns:a16="http://schemas.microsoft.com/office/drawing/2014/main" id="{82748BCB-58EE-4FCD-A0A3-62B6988E48A6}"/>
+              </a:ext>
+            </a:extLst>
+          </p:cNvPr>
+          <p:cNvSpPr>
+            <a:spLocks noGrp="1"/>
+          </p:cNvSpPr>
+          <p:nvPr>
+            <p:ph idx="1"/>
+          </p:nvPr>
+        </p:nvSpPr>
+        <p:spPr>
+          <a:xfrm>
+            <a:off x="838200" y="1700499"/>
+            <a:ext cx="10515600" cy="4351338"/>
+          </a:xfrm>
+        </p:spPr>
+        <p:txBody>
+          <a:bodyPr/>
+          <a:lstStyle/>
+          <a:p>
+            <a:r>
+              <a:rPr lang="en-US" dirty="0"/>
+              <a:t>This checklist can help you while building your projects</a:t>
+            </a:r>
+          </a:p>
+          <a:p>
+            <a:pPr lvl="1"/>
+            <a:r>
+              <a:rPr lang="en-US" dirty="0"/>
+              <a:t> Frame the problem and look at the big picture</a:t>
+            </a:r>
+          </a:p>
+          <a:p>
+            <a:pPr lvl="2"/>
+            <a:r>
+              <a:rPr lang="en-US" dirty="0"/>
+              <a:t>✔ Define the objective in business terms</a:t>
+            </a:r>
+          </a:p>
+          <a:p>
+            <a:pPr lvl="2"/>
+            <a:r>
+              <a:rPr lang="en-US" dirty="0"/>
+              <a:t>✔ How should performance be measured?</a:t>
+            </a:r>
+          </a:p>
+          <a:p>
+            <a:pPr lvl="1"/>
+            <a:r>
+              <a:rPr lang="en-US" dirty="0"/>
+              <a:t> Get the data</a:t>
+            </a:r>
+          </a:p>
+          <a:p>
+            <a:pPr lvl="2"/>
+            <a:r>
+              <a:rPr lang="en-US" dirty="0"/>
+              <a:t>✔ List the data you need and how much you need</a:t>
+            </a:r>
+          </a:p>
+          <a:p>
+            <a:pPr lvl="1"/>
+            <a:r>
+              <a:rPr lang="en-US" dirty="0"/>
+              <a:t>Explore the data to gain insights</a:t>
+            </a:r>
+          </a:p>
+          <a:p>
+            <a:pPr lvl="2"/>
+            <a:r>
+              <a:rPr lang="en-US" dirty="0"/>
+              <a:t>✔ Create an environment to keep track of your data exploration </a:t>
+            </a:r>
+          </a:p>
+          <a:p>
+            <a:pPr lvl="2"/>
+            <a:r>
+              <a:rPr lang="en-US" dirty="0"/>
+              <a:t>✔ Study each attribute and its characteristics</a:t>
+            </a:r>
+          </a:p>
+          <a:p>
+            <a:pPr lvl="1"/>
+            <a:r>
+              <a:rPr lang="en-US" dirty="0"/>
+              <a:t>Prepare the data</a:t>
+            </a:r>
+          </a:p>
+          <a:p>
+            <a:pPr lvl="2"/>
+            <a:r>
+              <a:rPr lang="en-US" dirty="0"/>
+              <a:t>✔ Fix or remove outliers (optional)</a:t>
+            </a:r>
+          </a:p>
+          <a:p>
+            <a:pPr lvl="2"/>
+            <a:r>
+              <a:rPr lang="en-US" dirty="0"/>
+              <a:t>✔ Fill in missing values (e.g., with zero, mean, median…) or drop their rows (or columns)</a:t>
+            </a:r>
+          </a:p>
+          <a:p>
+            <a:pPr lvl="2"/>
+            <a:r>
+              <a:rPr lang="en-US" dirty="0"/>
+              <a:t>✔ Feature selection (optional): drop the attributes that provide no useful information for the task</a:t>
+            </a:r>
+          </a:p>
+          <a:p>
+            <a:pPr lvl="2"/>
+            <a:r>
+              <a:rPr lang="en-US" dirty="0"/>
+              <a:t>✔ Feature engineering, where appropriate: discretize continuous features</a:t>
+            </a:r>
+          </a:p>
+          <a:p>
+            <a:pPr lvl="1"/>
+            <a:r>
+              <a:rPr lang="en-US" dirty="0">
+                <a:solidFill>
+                  <a:schemeClr val="accent6"/>
+                </a:solidFill>
+              </a:rPr>
+              <a:t>Explore many different models and shortlist the best ones</a:t>
+            </a:r>
+          </a:p>
+          <a:p>
+            <a:pPr lvl="2"/>
+            <a:r>
+              <a:rPr lang="en-US" dirty="0">
+                <a:solidFill>
+                  <a:schemeClr val="accent6"/>
+                </a:solidFill>
+              </a:rPr>
+              <a:t>✔ Let's do this!</a:t>
+            </a:r>
+          </a:p>
+        </p:txBody>
+      </p:sp>
+      <p:sp>
+        <p:nvSpPr>
+          <p:cNvPr id="5" name="Footer Placeholder 4">
+            <a:extLst>
+              <a:ext uri="{FF2B5EF4-FFF2-40B4-BE49-F238E27FC236}">
+                <a16:creationId xmlns:a16="http://schemas.microsoft.com/office/drawing/2014/main" id="{451A0E4F-A40E-41B8-A1C4-70246B56D124}"/>
+              </a:ext>
+            </a:extLst>
+          </p:cNvPr>
+          <p:cNvSpPr>
+            <a:spLocks noGrp="1"/>
+          </p:cNvSpPr>
+          <p:nvPr>
+            <p:ph type="ftr" sz="quarter" idx="11"/>
+          </p:nvPr>
+        </p:nvSpPr>
+        <p:spPr>
+          <a:xfrm>
+            <a:off x="-1" y="6492875"/>
+            <a:ext cx="2837793" cy="365125"/>
+          </a:xfrm>
+        </p:spPr>
+        <p:txBody>
+          <a:bodyPr/>
+          <a:lstStyle/>
+          <a:p>
+            <a:r>
+              <a:rPr lang="it-IT"/>
+              <a:t>Matteo Francia – University of Bologna</a:t>
+            </a:r>
+          </a:p>
+        </p:txBody>
+      </p:sp>
+      <p:sp>
+        <p:nvSpPr>
+          <p:cNvPr id="6" name="Slide Number Placeholder 5">
+            <a:extLst>
+              <a:ext uri="{FF2B5EF4-FFF2-40B4-BE49-F238E27FC236}">
+                <a16:creationId xmlns:a16="http://schemas.microsoft.com/office/drawing/2014/main" id="{240950CC-5227-4892-818F-1BE5F4F01CAB}"/>
+              </a:ext>
+            </a:extLst>
+          </p:cNvPr>
+          <p:cNvSpPr>
+            <a:spLocks noGrp="1"/>
+          </p:cNvSpPr>
+          <p:nvPr>
+            <p:ph type="sldNum" sz="quarter" idx="12"/>
+          </p:nvPr>
+        </p:nvSpPr>
+        <p:spPr>
+          <a:xfrm>
+            <a:off x="9448800" y="6492874"/>
+            <a:ext cx="2743200" cy="365125"/>
+          </a:xfrm>
+        </p:spPr>
+        <p:txBody>
+          <a:bodyPr/>
+          <a:lstStyle/>
+          <a:p>
+            <a:fld id="{5DD6F1BA-2510-46FC-9346-AB1F3CA1593B}" type="slidenum">
+              <a:rPr lang="it-IT" smtClean="0"/>
+              <a:pPr/>
+              <a:t>17</a:t>
+            </a:fld>
+            <a:endParaRPr lang="it-IT"/>
+          </a:p>
+        </p:txBody>
+      </p:sp>
+      <p:sp>
+        <p:nvSpPr>
+          <p:cNvPr id="8" name="Content Placeholder 7">
+            <a:extLst>
+              <a:ext uri="{FF2B5EF4-FFF2-40B4-BE49-F238E27FC236}">
+                <a16:creationId xmlns:a16="http://schemas.microsoft.com/office/drawing/2014/main" id="{FDECB704-1D82-4D85-81B9-E4B38BD812C3}"/>
+              </a:ext>
+            </a:extLst>
+          </p:cNvPr>
+          <p:cNvSpPr>
+            <a:spLocks noGrp="1"/>
+          </p:cNvSpPr>
+          <p:nvPr>
+            <p:ph idx="13"/>
+          </p:nvPr>
+        </p:nvSpPr>
+        <p:spPr/>
+        <p:txBody>
+          <a:bodyPr/>
+          <a:lstStyle/>
+          <a:p>
+            <a:endParaRPr lang="en-US" dirty="0"/>
+          </a:p>
+        </p:txBody>
+      </p:sp>
+    </p:spTree>
+    <p:extLst>
+      <p:ext uri="{BB962C8B-B14F-4D97-AF65-F5344CB8AC3E}">
+        <p14:creationId xmlns:p14="http://schemas.microsoft.com/office/powerpoint/2010/main" val="1286790082"/>
+      </p:ext>
+    </p:extLst>
+  </p:cSld>
+  <p:clrMapOvr>
+    <a:masterClrMapping/>
+  </p:clrMapOvr>
+</p:sld>
+</file>
+
+<file path=ppt/slides/slide18.xml><?xml version="1.0" encoding="utf-8"?>
+<p:sld xmlns:a="http://schemas.openxmlformats.org/drawingml/2006/main" xmlns:r="http://schemas.openxmlformats.org/officeDocument/2006/relationships" xmlns:p="http://schemas.openxmlformats.org/presentationml/2006/main">
+  <p:cSld>
+    <p:spTree>
+      <p:nvGrpSpPr>
+        <p:cNvPr id="1" name=""/>
+        <p:cNvGrpSpPr/>
+        <p:nvPr/>
+      </p:nvGrpSpPr>
+      <p:grpSpPr>
+        <a:xfrm>
+          <a:off x="0" y="0"/>
+          <a:ext cx="0" cy="0"/>
+          <a:chOff x="0" y="0"/>
+          <a:chExt cx="0" cy="0"/>
+        </a:xfrm>
+      </p:grpSpPr>
+      <p:sp>
+        <p:nvSpPr>
           <p:cNvPr id="2" name="Title 1">
             <a:extLst>
               <a:ext uri="{FF2B5EF4-FFF2-40B4-BE49-F238E27FC236}">
@@ -11048,7 +11352,7 @@
           <a:p>
             <a:fld id="{5DD6F1BA-2510-46FC-9346-AB1F3CA1593B}" type="slidenum">
               <a:rPr lang="it-IT" smtClean="0"/>
-              <a:t>17</a:t>
+              <a:t>18</a:t>
             </a:fld>
             <a:endParaRPr lang="it-IT"/>
           </a:p>
@@ -11244,7 +11548,7 @@
 </p:sld>
 </file>
 
-<file path=ppt/slides/slide18.xml><?xml version="1.0" encoding="utf-8"?>
+<file path=ppt/slides/slide19.xml><?xml version="1.0" encoding="utf-8"?>
 <p:sld xmlns:a="http://schemas.openxmlformats.org/drawingml/2006/main" xmlns:r="http://schemas.openxmlformats.org/officeDocument/2006/relationships" xmlns:p="http://schemas.openxmlformats.org/presentationml/2006/main">
   <p:cSld>
     <p:spTree>
@@ -11478,7 +11782,7 @@
             <a:fld id="{5DD6F1BA-2510-46FC-9346-AB1F3CA1593B}" type="slidenum">
               <a:rPr lang="it-IT" smtClean="0"/>
               <a:pPr/>
-              <a:t>18</a:t>
+              <a:t>19</a:t>
             </a:fld>
             <a:endParaRPr lang="it-IT"/>
           </a:p>
@@ -11616,14 +11920,14 @@
             <a:pPr lvl="1"/>
             <a:r>
               <a:rPr lang="en-US" dirty="0"/>
-              <a:t>[Machine Learning is the] field of study that gives computers the ability to learn without being explicitly programmed. — Arthur Samuel, 1959</a:t>
+              <a:t>Machine Learning is the field of study that gives computers the ability to learn without being explicitly programmed — Arthur Samuel, 1959</a:t>
             </a:r>
           </a:p>
           <a:p>
             <a:pPr lvl="1"/>
             <a:r>
               <a:rPr lang="en-US" dirty="0"/>
-              <a:t>A computer program is said to learn from experience E with respect to some task T and some performance measure P, if its performance on T, as measured by P, improves with experience E. — Tom Mitchell, 1997</a:t>
+              <a:t>A computer program is said to learn from experience E with respect to some task T and some performance measure P, if its performance on T, as measured by P, improves with experience E — Tom Mitchell, 1997</a:t>
             </a:r>
           </a:p>
         </p:txBody>
@@ -12585,7 +12889,7 @@
           <p:cNvPr id="2" name="Title 1">
             <a:extLst>
               <a:ext uri="{FF2B5EF4-FFF2-40B4-BE49-F238E27FC236}">
-                <a16:creationId xmlns:a16="http://schemas.microsoft.com/office/drawing/2014/main" id="{C28457C1-880C-4480-841A-8B12A6AB6A84}"/>
+                <a16:creationId xmlns:a16="http://schemas.microsoft.com/office/drawing/2014/main" id="{3BD4555D-9370-4412-A6C1-0E8BB1EA8A6C}"/>
               </a:ext>
             </a:extLst>
           </p:cNvPr>
@@ -12596,20 +12900,11 @@
             <p:ph type="title"/>
           </p:nvPr>
         </p:nvSpPr>
-        <p:spPr>
-          <a:xfrm>
-            <a:off x="838200" y="365125"/>
-            <a:ext cx="10515600" cy="1325563"/>
-          </a:xfrm>
-        </p:spPr>
+        <p:spPr/>
         <p:txBody>
           <a:bodyPr/>
           <a:lstStyle/>
           <a:p>
-            <a:r>
-              <a:rPr lang="it-IT" dirty="0" err="1"/>
-              <a:t>Sklearn</a:t>
-            </a:r>
             <a:endParaRPr lang="en-US" dirty="0"/>
           </a:p>
         </p:txBody>
@@ -12619,7 +12914,7 @@
           <p:cNvPr id="3" name="Content Placeholder 2">
             <a:extLst>
               <a:ext uri="{FF2B5EF4-FFF2-40B4-BE49-F238E27FC236}">
-                <a16:creationId xmlns:a16="http://schemas.microsoft.com/office/drawing/2014/main" id="{DFD564C2-6783-47CE-A3DD-12D2DBCAA3B0}"/>
+                <a16:creationId xmlns:a16="http://schemas.microsoft.com/office/drawing/2014/main" id="{959C1D99-EB99-43A8-8D50-71BCB14CBB40}"/>
               </a:ext>
             </a:extLst>
           </p:cNvPr>
@@ -12630,121 +12925,13 @@
             <p:ph idx="1"/>
           </p:nvPr>
         </p:nvSpPr>
-        <p:spPr>
-          <a:xfrm>
-            <a:off x="838200" y="1700499"/>
-            <a:ext cx="10515600" cy="4351338"/>
-          </a:xfrm>
-        </p:spPr>
+        <p:spPr/>
         <p:txBody>
           <a:bodyPr/>
           <a:lstStyle/>
           <a:p>
-            <a:r>
-              <a:rPr lang="en-US" dirty="0"/>
-              <a:t>Scikit-learn uses data in the form of N-dimensional matrix</a:t>
-            </a:r>
-          </a:p>
-          <a:p>
-            <a:pPr lvl="1"/>
-            <a:r>
-              <a:rPr lang="en-US" dirty="0"/>
-              <a:t>Data as a </a:t>
-            </a:r>
-            <a:r>
-              <a:rPr lang="en-US" dirty="0">
-                <a:solidFill>
-                  <a:srgbClr val="FF0000"/>
-                </a:solidFill>
-              </a:rPr>
-              <a:t>feature matrix</a:t>
-            </a:r>
-          </a:p>
-          <a:p>
-            <a:pPr lvl="2"/>
-            <a:r>
-              <a:rPr lang="en-US" dirty="0"/>
-              <a:t>The samples represent the individual objects described by the dataset and the features represents the distinct observations that describe each sample in a quantitative manner</a:t>
-            </a:r>
-          </a:p>
-          <a:p>
-            <a:pPr lvl="2"/>
-            <a:r>
-              <a:rPr lang="en-US" dirty="0"/>
-              <a:t>It is usually denoted by </a:t>
-            </a:r>
-            <a:r>
-              <a:rPr lang="en-US" dirty="0">
-                <a:solidFill>
-                  <a:srgbClr val="FF0000"/>
-                </a:solidFill>
-              </a:rPr>
-              <a:t>X</a:t>
-            </a:r>
-          </a:p>
-          <a:p>
-            <a:pPr lvl="2"/>
-            <a:r>
-              <a:rPr lang="en-US" dirty="0"/>
-              <a:t>E.g., a Pandas </a:t>
-            </a:r>
-            <a:r>
-              <a:rPr lang="en-US" dirty="0" err="1"/>
-              <a:t>DataFrame</a:t>
-            </a:r>
             <a:endParaRPr lang="en-US" dirty="0"/>
           </a:p>
-          <a:p>
-            <a:pPr lvl="1"/>
-            <a:r>
-              <a:rPr lang="en-US" dirty="0"/>
-              <a:t>Data as </a:t>
-            </a:r>
-            <a:r>
-              <a:rPr lang="en-US" dirty="0">
-                <a:solidFill>
-                  <a:srgbClr val="FF0000"/>
-                </a:solidFill>
-              </a:rPr>
-              <a:t>target array</a:t>
-            </a:r>
-          </a:p>
-          <a:p>
-            <a:pPr lvl="2"/>
-            <a:r>
-              <a:rPr lang="en-US" dirty="0"/>
-              <a:t>Along with features matrix, we also have target array (e.g., or label)</a:t>
-            </a:r>
-          </a:p>
-          <a:p>
-            <a:pPr lvl="2"/>
-            <a:r>
-              <a:rPr lang="en-US" dirty="0"/>
-              <a:t>It is usually denoted by </a:t>
-            </a:r>
-            <a:r>
-              <a:rPr lang="en-US" dirty="0">
-                <a:solidFill>
-                  <a:srgbClr val="FF0000"/>
-                </a:solidFill>
-              </a:rPr>
-              <a:t>y</a:t>
-            </a:r>
-          </a:p>
-          <a:p>
-            <a:pPr lvl="2"/>
-            <a:r>
-              <a:rPr lang="en-US" dirty="0"/>
-              <a:t>E.g., a Pandas Series</a:t>
-            </a:r>
-          </a:p>
-          <a:p>
-            <a:pPr lvl="1"/>
-            <a:r>
-              <a:rPr lang="en-US" dirty="0"/>
-              <a:t>How do we distinguish target and feature columns?</a:t>
-            </a:r>
-          </a:p>
         </p:txBody>
       </p:sp>
       <p:sp>
@@ -12752,7 +12939,7 @@
           <p:cNvPr id="4" name="Footer Placeholder 3">
             <a:extLst>
               <a:ext uri="{FF2B5EF4-FFF2-40B4-BE49-F238E27FC236}">
-                <a16:creationId xmlns:a16="http://schemas.microsoft.com/office/drawing/2014/main" id="{8365E863-BF9C-4CEA-B3AF-D713A899E439}"/>
+                <a16:creationId xmlns:a16="http://schemas.microsoft.com/office/drawing/2014/main" id="{A49D178F-56F6-458A-A5DF-877F7D3F2039}"/>
               </a:ext>
             </a:extLst>
           </p:cNvPr>
@@ -12763,16 +12950,12 @@
             <p:ph type="ftr" sz="quarter" idx="11"/>
           </p:nvPr>
         </p:nvSpPr>
-        <p:spPr>
-          <a:xfrm>
-            <a:off x="-1" y="6492875"/>
-            <a:ext cx="2837793" cy="365125"/>
-          </a:xfrm>
-        </p:spPr>
+        <p:spPr/>
         <p:txBody>
           <a:bodyPr/>
           <a:lstStyle/>
           <a:p>
+            <a:pPr algn="l"/>
             <a:r>
               <a:rPr lang="it-IT"/>
               <a:t>Matteo Francia – University of Bologna</a:t>
@@ -12786,7 +12969,7 @@
           <p:cNvPr id="5" name="Slide Number Placeholder 4">
             <a:extLst>
               <a:ext uri="{FF2B5EF4-FFF2-40B4-BE49-F238E27FC236}">
-                <a16:creationId xmlns:a16="http://schemas.microsoft.com/office/drawing/2014/main" id="{C3D36622-2888-4222-AE1C-CE52758F2AB8}"/>
+                <a16:creationId xmlns:a16="http://schemas.microsoft.com/office/drawing/2014/main" id="{18F822E2-C49A-4544-B538-E9069302F0EF}"/>
               </a:ext>
             </a:extLst>
           </p:cNvPr>
@@ -12797,19 +12980,13 @@
             <p:ph type="sldNum" sz="quarter" idx="12"/>
           </p:nvPr>
         </p:nvSpPr>
-        <p:spPr>
-          <a:xfrm>
-            <a:off x="9448800" y="6492874"/>
-            <a:ext cx="2743200" cy="365125"/>
-          </a:xfrm>
-        </p:spPr>
+        <p:spPr/>
         <p:txBody>
           <a:bodyPr/>
           <a:lstStyle/>
           <a:p>
             <a:fld id="{5DD6F1BA-2510-46FC-9346-AB1F3CA1593B}" type="slidenum">
               <a:rPr lang="it-IT" smtClean="0"/>
-              <a:pPr/>
               <a:t>6</a:t>
             </a:fld>
             <a:endParaRPr lang="it-IT"/>
@@ -12818,10 +12995,10 @@
       </p:sp>
       <p:sp>
         <p:nvSpPr>
-          <p:cNvPr id="11" name="Content Placeholder 10">
-            <a:extLst>
-              <a:ext uri="{FF2B5EF4-FFF2-40B4-BE49-F238E27FC236}">
-                <a16:creationId xmlns:a16="http://schemas.microsoft.com/office/drawing/2014/main" id="{A8BE9DD4-D32D-424E-BEFA-C1E4811CEDD2}"/>
+          <p:cNvPr id="6" name="Content Placeholder 5">
+            <a:extLst>
+              <a:ext uri="{FF2B5EF4-FFF2-40B4-BE49-F238E27FC236}">
+                <a16:creationId xmlns:a16="http://schemas.microsoft.com/office/drawing/2014/main" id="{5DC09D8B-7C0C-4B60-AF52-CD6EEDF6AFDC}"/>
               </a:ext>
             </a:extLst>
           </p:cNvPr>
@@ -12841,10 +13018,40 @@
           </a:p>
         </p:txBody>
       </p:sp>
+      <p:pic>
+        <p:nvPicPr>
+          <p:cNvPr id="8" name="Picture 7">
+            <a:extLst>
+              <a:ext uri="{FF2B5EF4-FFF2-40B4-BE49-F238E27FC236}">
+                <a16:creationId xmlns:a16="http://schemas.microsoft.com/office/drawing/2014/main" id="{6839B9C4-34C9-462E-96F0-DC92446D73D7}"/>
+              </a:ext>
+            </a:extLst>
+          </p:cNvPr>
+          <p:cNvPicPr>
+            <a:picLocks noChangeAspect="1"/>
+          </p:cNvPicPr>
+          <p:nvPr/>
+        </p:nvPicPr>
+        <p:blipFill>
+          <a:blip r:embed="rId2"/>
+          <a:stretch>
+            <a:fillRect/>
+          </a:stretch>
+        </p:blipFill>
+        <p:spPr>
+          <a:xfrm>
+            <a:off x="2371865" y="0"/>
+            <a:ext cx="7448270" cy="6858000"/>
+          </a:xfrm>
+          <a:prstGeom prst="rect">
+            <a:avLst/>
+          </a:prstGeom>
+        </p:spPr>
+      </p:pic>
     </p:spTree>
     <p:extLst>
       <p:ext uri="{BB962C8B-B14F-4D97-AF65-F5344CB8AC3E}">
-        <p14:creationId xmlns:p14="http://schemas.microsoft.com/office/powerpoint/2010/main" val="1544202511"/>
+        <p14:creationId xmlns:p14="http://schemas.microsoft.com/office/powerpoint/2010/main" val="150328315"/>
       </p:ext>
     </p:extLst>
   </p:cSld>
@@ -12876,7 +13083,7 @@
           <p:cNvPr id="2" name="Title 1">
             <a:extLst>
               <a:ext uri="{FF2B5EF4-FFF2-40B4-BE49-F238E27FC236}">
-                <a16:creationId xmlns:a16="http://schemas.microsoft.com/office/drawing/2014/main" id="{ADAB29AE-5AC4-4D81-91A5-6C30671F2555}"/>
+                <a16:creationId xmlns:a16="http://schemas.microsoft.com/office/drawing/2014/main" id="{C28457C1-880C-4480-841A-8B12A6AB6A84}"/>
               </a:ext>
             </a:extLst>
           </p:cNvPr>
@@ -12887,14 +13094,19 @@
             <p:ph type="title"/>
           </p:nvPr>
         </p:nvSpPr>
-        <p:spPr/>
+        <p:spPr>
+          <a:xfrm>
+            <a:off x="838200" y="365125"/>
+            <a:ext cx="10515600" cy="1325563"/>
+          </a:xfrm>
+        </p:spPr>
         <p:txBody>
           <a:bodyPr/>
           <a:lstStyle/>
           <a:p>
             <a:r>
-              <a:rPr lang="it-IT" dirty="0"/>
-              <a:t>Estimator</a:t>
+              <a:rPr lang="it-IT" dirty="0" err="1"/>
+              <a:t>Sklearn</a:t>
             </a:r>
             <a:endParaRPr lang="en-US" dirty="0"/>
           </a:p>
@@ -12905,7 +13117,7 @@
           <p:cNvPr id="3" name="Content Placeholder 2">
             <a:extLst>
               <a:ext uri="{FF2B5EF4-FFF2-40B4-BE49-F238E27FC236}">
-                <a16:creationId xmlns:a16="http://schemas.microsoft.com/office/drawing/2014/main" id="{00EEF161-E14E-4D96-859A-F3FD8D8B92B8}"/>
+                <a16:creationId xmlns:a16="http://schemas.microsoft.com/office/drawing/2014/main" id="{DFD564C2-6783-47CE-A3DD-12D2DBCAA3B0}"/>
               </a:ext>
             </a:extLst>
           </p:cNvPr>
@@ -12916,77 +13128,26 @@
             <p:ph idx="1"/>
           </p:nvPr>
         </p:nvSpPr>
-        <p:spPr/>
+        <p:spPr>
+          <a:xfrm>
+            <a:off x="838200" y="1700499"/>
+            <a:ext cx="10515600" cy="4351338"/>
+          </a:xfrm>
+        </p:spPr>
         <p:txBody>
           <a:bodyPr/>
           <a:lstStyle/>
           <a:p>
             <a:r>
-              <a:rPr lang="it-IT" dirty="0">
-                <a:solidFill>
-                  <a:srgbClr val="FF0000"/>
-                </a:solidFill>
-              </a:rPr>
-              <a:t>Estimator</a:t>
+              <a:rPr lang="en-US" dirty="0"/>
+              <a:t>Scikit-learn uses data in the form of N-dimensional matrix</a:t>
             </a:r>
           </a:p>
           <a:p>
             <a:pPr lvl="1"/>
             <a:r>
               <a:rPr lang="en-US" dirty="0"/>
-              <a:t>A consistent interface for a wide range of ML applications</a:t>
-            </a:r>
-          </a:p>
-          <a:p>
-            <a:pPr lvl="1"/>
-            <a:r>
-              <a:rPr lang="en-US" dirty="0"/>
-              <a:t>The algorithm that learns from the data (fitting the data) is an estimator</a:t>
-            </a:r>
-          </a:p>
-          <a:p>
-            <a:pPr lvl="1"/>
-            <a:r>
-              <a:rPr lang="en-US" dirty="0"/>
-              <a:t>It can be used with any of the algorithms like classification, regression, and clustering</a:t>
-            </a:r>
-          </a:p>
-          <a:p>
-            <a:r>
-              <a:rPr lang="en-US" dirty="0"/>
-              <a:t>All the parameters can be set when creating the estimator</a:t>
-            </a:r>
-          </a:p>
-          <a:p>
-            <a:pPr lvl="1"/>
-            <a:r>
-              <a:rPr lang="pt-BR" dirty="0"/>
-              <a:t>	&gt;&gt;&gt; estimator = </a:t>
-            </a:r>
-            <a:r>
-              <a:rPr lang="pt-BR" dirty="0">
-                <a:solidFill>
-                  <a:srgbClr val="FF0000"/>
-                </a:solidFill>
-              </a:rPr>
-              <a:t>Estimator</a:t>
-            </a:r>
-            <a:r>
-              <a:rPr lang="pt-BR" dirty="0"/>
-              <a:t>(param1=1, param2=2)</a:t>
-            </a:r>
-          </a:p>
-          <a:p>
-            <a:pPr lvl="1"/>
-            <a:r>
-              <a:rPr lang="pt-BR" dirty="0"/>
-              <a:t>	&gt;&gt;&gt; estimator.param1</a:t>
-            </a:r>
-          </a:p>
-          <a:p>
-            <a:r>
-              <a:rPr lang="en-US" dirty="0"/>
-              <a:t>All estimator objects expose a </a:t>
+              <a:t>Data as a </a:t>
             </a:r>
             <a:r>
               <a:rPr lang="en-US" dirty="0">
@@ -12994,59 +13155,21 @@
                   <a:srgbClr val="FF0000"/>
                 </a:solidFill>
               </a:rPr>
-              <a:t>fit</a:t>
-            </a:r>
+              <a:t>feature matrix</a:t>
+            </a:r>
+          </a:p>
+          <a:p>
+            <a:pPr lvl="2"/>
             <a:r>
               <a:rPr lang="en-US" dirty="0"/>
-              <a:t> method that takes a dataset</a:t>
-            </a:r>
-          </a:p>
-          <a:p>
-            <a:pPr lvl="1"/>
+              <a:t>The samples represent the individual objects described by the dataset and the features represents the distinct observations that describe each sample in a quantitative manner</a:t>
+            </a:r>
+          </a:p>
+          <a:p>
+            <a:pPr lvl="2"/>
             <a:r>
               <a:rPr lang="en-US" dirty="0"/>
-              <a:t>	&gt;&gt;&gt; </a:t>
-            </a:r>
-            <a:r>
-              <a:rPr lang="en-US" dirty="0" err="1"/>
-              <a:t>estimator.</a:t>
-            </a:r>
-            <a:r>
-              <a:rPr lang="en-US" dirty="0" err="1">
-                <a:solidFill>
-                  <a:srgbClr val="FF0000"/>
-                </a:solidFill>
-              </a:rPr>
-              <a:t>fit</a:t>
-            </a:r>
-            <a:r>
-              <a:rPr lang="en-US" dirty="0"/>
-              <a:t>(X)</a:t>
-            </a:r>
-          </a:p>
-          <a:p>
-            <a:r>
-              <a:rPr lang="en-US" dirty="0"/>
-              <a:t>Once data is fitted with an estimator, all the estimated parameters will be the attributes of the estimator object ending by an underscore</a:t>
-            </a:r>
-          </a:p>
-          <a:p>
-            <a:pPr lvl="1"/>
-            <a:r>
-              <a:rPr lang="en-US" dirty="0"/>
-              <a:t>	&gt;&gt;&gt; </a:t>
-            </a:r>
-            <a:r>
-              <a:rPr lang="en-US" dirty="0" err="1"/>
-              <a:t>estimator.</a:t>
-            </a:r>
-            <a:r>
-              <a:rPr lang="en-US" dirty="0" err="1">
-                <a:solidFill>
-                  <a:srgbClr val="FF0000"/>
-                </a:solidFill>
-              </a:rPr>
-              <a:t>estimated_param</a:t>
+              <a:t>It is usually denoted by </a:t>
             </a:r>
             <a:r>
               <a:rPr lang="en-US" dirty="0">
@@ -13054,7 +13177,70 @@
                   <a:srgbClr val="FF0000"/>
                 </a:solidFill>
               </a:rPr>
-              <a:t>_</a:t>
+              <a:t>X</a:t>
+            </a:r>
+          </a:p>
+          <a:p>
+            <a:pPr lvl="2"/>
+            <a:r>
+              <a:rPr lang="en-US" dirty="0"/>
+              <a:t>E.g., a Pandas </a:t>
+            </a:r>
+            <a:r>
+              <a:rPr lang="en-US" dirty="0" err="1"/>
+              <a:t>DataFrame</a:t>
+            </a:r>
+            <a:endParaRPr lang="en-US" dirty="0"/>
+          </a:p>
+          <a:p>
+            <a:pPr lvl="1"/>
+            <a:r>
+              <a:rPr lang="en-US" dirty="0"/>
+              <a:t>Data as </a:t>
+            </a:r>
+            <a:r>
+              <a:rPr lang="en-US" dirty="0">
+                <a:solidFill>
+                  <a:srgbClr val="FF0000"/>
+                </a:solidFill>
+              </a:rPr>
+              <a:t>target array</a:t>
+            </a:r>
+          </a:p>
+          <a:p>
+            <a:pPr lvl="2"/>
+            <a:r>
+              <a:rPr lang="en-US" dirty="0"/>
+              <a:t>Along with features matrix, we also have target array (e.g., or label)</a:t>
+            </a:r>
+          </a:p>
+          <a:p>
+            <a:pPr lvl="2"/>
+            <a:r>
+              <a:rPr lang="en-US" dirty="0"/>
+              <a:t>It is usually denoted by </a:t>
+            </a:r>
+            <a:r>
+              <a:rPr lang="en-US" dirty="0">
+                <a:solidFill>
+                  <a:srgbClr val="FF0000"/>
+                </a:solidFill>
+              </a:rPr>
+              <a:t>y</a:t>
+            </a:r>
+          </a:p>
+          <a:p>
+            <a:pPr lvl="2"/>
+            <a:r>
+              <a:rPr lang="en-US" dirty="0"/>
+              <a:t>E.g., a Pandas Series</a:t>
+            </a:r>
+          </a:p>
+          <a:p>
+            <a:pPr lvl="1"/>
+            <a:r>
+              <a:rPr lang="en-US" dirty="0"/>
+              <a:t>How do we distinguish target and feature columns?</a:t>
             </a:r>
           </a:p>
         </p:txBody>
@@ -13064,7 +13250,7 @@
           <p:cNvPr id="4" name="Footer Placeholder 3">
             <a:extLst>
               <a:ext uri="{FF2B5EF4-FFF2-40B4-BE49-F238E27FC236}">
-                <a16:creationId xmlns:a16="http://schemas.microsoft.com/office/drawing/2014/main" id="{06356005-E3C2-46DF-B7F7-BB55E5F37FA6}"/>
+                <a16:creationId xmlns:a16="http://schemas.microsoft.com/office/drawing/2014/main" id="{8365E863-BF9C-4CEA-B3AF-D713A899E439}"/>
               </a:ext>
             </a:extLst>
           </p:cNvPr>
@@ -13075,12 +13261,16 @@
             <p:ph type="ftr" sz="quarter" idx="11"/>
           </p:nvPr>
         </p:nvSpPr>
-        <p:spPr/>
+        <p:spPr>
+          <a:xfrm>
+            <a:off x="-1" y="6492875"/>
+            <a:ext cx="2837793" cy="365125"/>
+          </a:xfrm>
+        </p:spPr>
         <p:txBody>
           <a:bodyPr/>
           <a:lstStyle/>
           <a:p>
-            <a:pPr algn="l"/>
             <a:r>
               <a:rPr lang="it-IT"/>
               <a:t>Matteo Francia – University of Bologna</a:t>
@@ -13094,7 +13284,7 @@
           <p:cNvPr id="5" name="Slide Number Placeholder 4">
             <a:extLst>
               <a:ext uri="{FF2B5EF4-FFF2-40B4-BE49-F238E27FC236}">
-                <a16:creationId xmlns:a16="http://schemas.microsoft.com/office/drawing/2014/main" id="{4C9A76B1-0F88-4183-A9A7-428690FF2833}"/>
+                <a16:creationId xmlns:a16="http://schemas.microsoft.com/office/drawing/2014/main" id="{C3D36622-2888-4222-AE1C-CE52758F2AB8}"/>
               </a:ext>
             </a:extLst>
           </p:cNvPr>
@@ -13105,13 +13295,19 @@
             <p:ph type="sldNum" sz="quarter" idx="12"/>
           </p:nvPr>
         </p:nvSpPr>
-        <p:spPr/>
+        <p:spPr>
+          <a:xfrm>
+            <a:off x="9448800" y="6492874"/>
+            <a:ext cx="2743200" cy="365125"/>
+          </a:xfrm>
+        </p:spPr>
         <p:txBody>
           <a:bodyPr/>
           <a:lstStyle/>
           <a:p>
             <a:fld id="{5DD6F1BA-2510-46FC-9346-AB1F3CA1593B}" type="slidenum">
               <a:rPr lang="it-IT" smtClean="0"/>
+              <a:pPr/>
               <a:t>7</a:t>
             </a:fld>
             <a:endParaRPr lang="it-IT"/>
@@ -13120,10 +13316,10 @@
       </p:sp>
       <p:sp>
         <p:nvSpPr>
-          <p:cNvPr id="6" name="Content Placeholder 5">
-            <a:extLst>
-              <a:ext uri="{FF2B5EF4-FFF2-40B4-BE49-F238E27FC236}">
-                <a16:creationId xmlns:a16="http://schemas.microsoft.com/office/drawing/2014/main" id="{68806D82-486A-4891-A0F5-B020616E7AD8}"/>
+          <p:cNvPr id="11" name="Content Placeholder 10">
+            <a:extLst>
+              <a:ext uri="{FF2B5EF4-FFF2-40B4-BE49-F238E27FC236}">
+                <a16:creationId xmlns:a16="http://schemas.microsoft.com/office/drawing/2014/main" id="{A8BE9DD4-D32D-424E-BEFA-C1E4811CEDD2}"/>
               </a:ext>
             </a:extLst>
           </p:cNvPr>
@@ -13146,7 +13342,7 @@
     </p:spTree>
     <p:extLst>
       <p:ext uri="{BB962C8B-B14F-4D97-AF65-F5344CB8AC3E}">
-        <p14:creationId xmlns:p14="http://schemas.microsoft.com/office/powerpoint/2010/main" val="3658922031"/>
+        <p14:creationId xmlns:p14="http://schemas.microsoft.com/office/powerpoint/2010/main" val="1544202511"/>
       </p:ext>
     </p:extLst>
   </p:cSld>
@@ -13223,88 +13419,140 @@
           <a:bodyPr/>
           <a:lstStyle/>
           <a:p>
-            <a:pPr marL="457200" indent="-457200">
-              <a:buFont typeface="+mj-lt"/>
-              <a:buAutoNum type="arabicPeriod"/>
-            </a:pPr>
+            <a:r>
+              <a:rPr lang="it-IT" dirty="0">
+                <a:solidFill>
+                  <a:srgbClr val="FF0000"/>
+                </a:solidFill>
+              </a:rPr>
+              <a:t>Estimator</a:t>
+            </a:r>
+          </a:p>
+          <a:p>
+            <a:pPr lvl="1"/>
             <a:r>
               <a:rPr lang="en-US" dirty="0"/>
-              <a:t>Choose a class of model</a:t>
-            </a:r>
-          </a:p>
-          <a:p>
-            <a:pPr marL="1200150" lvl="1" indent="-457200"/>
+              <a:t>A consistent interface for a wide range of ML applications</a:t>
+            </a:r>
+          </a:p>
+          <a:p>
+            <a:pPr lvl="1"/>
             <a:r>
               <a:rPr lang="en-US" dirty="0"/>
-              <a:t>Import the appropriate Estimator class from Scikit-learn (e.g., a decision tree)</a:t>
-            </a:r>
-          </a:p>
-          <a:p>
-            <a:pPr marL="457200" indent="-457200">
-              <a:buFont typeface="+mj-lt"/>
-              <a:buAutoNum type="arabicPeriod"/>
-            </a:pPr>
+              <a:t>The algorithm that learns from the data (fitting the data) is an estimator</a:t>
+            </a:r>
+          </a:p>
+          <a:p>
+            <a:pPr lvl="1"/>
             <a:r>
               <a:rPr lang="en-US" dirty="0"/>
-              <a:t>Choose model hyperparameters</a:t>
-            </a:r>
-          </a:p>
-          <a:p>
-            <a:pPr marL="457200" indent="-457200">
-              <a:buFont typeface="+mj-lt"/>
-              <a:buAutoNum type="arabicPeriod"/>
-            </a:pPr>
+              <a:t>It can be used with any of the algorithms like classification, regression, and clustering</a:t>
+            </a:r>
+          </a:p>
+          <a:p>
             <a:r>
               <a:rPr lang="en-US" dirty="0"/>
-              <a:t>Arranging the data</a:t>
-            </a:r>
-          </a:p>
-          <a:p>
-            <a:pPr marL="1200150" lvl="1" indent="-457200"/>
+              <a:t>All the parameters can be set when creating the estimator</a:t>
+            </a:r>
+          </a:p>
+          <a:p>
+            <a:pPr lvl="1"/>
+            <a:r>
+              <a:rPr lang="pt-BR" dirty="0"/>
+              <a:t>	&gt;&gt;&gt; estimator = </a:t>
+            </a:r>
+            <a:r>
+              <a:rPr lang="pt-BR" dirty="0">
+                <a:solidFill>
+                  <a:srgbClr val="FF0000"/>
+                </a:solidFill>
+              </a:rPr>
+              <a:t>Estimator</a:t>
+            </a:r>
+            <a:r>
+              <a:rPr lang="pt-BR" dirty="0"/>
+              <a:t>(param1=1, param2=2)</a:t>
+            </a:r>
+          </a:p>
+          <a:p>
+            <a:pPr lvl="1"/>
+            <a:r>
+              <a:rPr lang="pt-BR" dirty="0"/>
+              <a:t>	&gt;&gt;&gt; estimator.param1</a:t>
+            </a:r>
+          </a:p>
+          <a:p>
             <a:r>
               <a:rPr lang="en-US" dirty="0"/>
-              <a:t>Arrange the data into features matrix X and target vector y</a:t>
-            </a:r>
-          </a:p>
-          <a:p>
-            <a:pPr marL="457200" indent="-457200">
-              <a:buFont typeface="+mj-lt"/>
-              <a:buAutoNum type="arabicPeriod"/>
-            </a:pPr>
+              <a:t>All estimator objects expose a </a:t>
+            </a:r>
+            <a:r>
+              <a:rPr lang="en-US" dirty="0">
+                <a:solidFill>
+                  <a:srgbClr val="FF0000"/>
+                </a:solidFill>
+              </a:rPr>
+              <a:t>fit</a:t>
+            </a:r>
             <a:r>
               <a:rPr lang="en-US" dirty="0"/>
-              <a:t>Model Fitting</a:t>
-            </a:r>
-          </a:p>
-          <a:p>
-            <a:pPr marL="1200150" lvl="1" indent="-457200"/>
+              <a:t> method that takes a dataset</a:t>
+            </a:r>
+          </a:p>
+          <a:p>
+            <a:pPr lvl="1"/>
             <a:r>
               <a:rPr lang="en-US" dirty="0"/>
-              <a:t>Fit the model by calling fit() method of the model instance</a:t>
-            </a:r>
-          </a:p>
-          <a:p>
-            <a:pPr marL="457200" indent="-457200">
-              <a:buFont typeface="+mj-lt"/>
-              <a:buAutoNum type="arabicPeriod"/>
-            </a:pPr>
+              <a:t>	&gt;&gt;&gt; </a:t>
+            </a:r>
+            <a:r>
+              <a:rPr lang="en-US" dirty="0" err="1"/>
+              <a:t>estimator.</a:t>
+            </a:r>
+            <a:r>
+              <a:rPr lang="en-US" dirty="0" err="1">
+                <a:solidFill>
+                  <a:srgbClr val="FF0000"/>
+                </a:solidFill>
+              </a:rPr>
+              <a:t>fit</a:t>
+            </a:r>
             <a:r>
               <a:rPr lang="en-US" dirty="0"/>
-              <a:t>Applying the model to new data</a:t>
-            </a:r>
-          </a:p>
-          <a:p>
-            <a:pPr marL="1200150" lvl="1" indent="-457200"/>
+              <a:t>(X)</a:t>
+            </a:r>
+          </a:p>
+          <a:p>
             <a:r>
               <a:rPr lang="en-US" dirty="0"/>
-              <a:t>For supervised learning, use predict() method to predict the labels for unknown data. </a:t>
-            </a:r>
-          </a:p>
-          <a:p>
-            <a:pPr marL="1200150" lvl="1" indent="-457200"/>
+              <a:t>Once data is fitted with an estimator, all the estimated parameters will be the attributes of the estimator object ending by an underscore</a:t>
+            </a:r>
+          </a:p>
+          <a:p>
+            <a:pPr lvl="1"/>
             <a:r>
               <a:rPr lang="en-US" dirty="0"/>
-              <a:t>For unsupervised learning, use predict() or transform() to infer properties of the data.</a:t>
+              <a:t>	&gt;&gt;&gt; </a:t>
+            </a:r>
+            <a:r>
+              <a:rPr lang="en-US" dirty="0" err="1"/>
+              <a:t>estimator.</a:t>
+            </a:r>
+            <a:r>
+              <a:rPr lang="en-US" dirty="0" err="1">
+                <a:solidFill>
+                  <a:srgbClr val="FF0000"/>
+                </a:solidFill>
+              </a:rPr>
+              <a:t>estimated_param</a:t>
+            </a:r>
+            <a:r>
+              <a:rPr lang="en-US" dirty="0">
+                <a:solidFill>
+                  <a:srgbClr val="FF0000"/>
+                </a:solidFill>
+              </a:rPr>
+              <a:t>_</a:t>
             </a:r>
           </a:p>
         </p:txBody>
@@ -13396,7 +13644,7 @@
     </p:spTree>
     <p:extLst>
       <p:ext uri="{BB962C8B-B14F-4D97-AF65-F5344CB8AC3E}">
-        <p14:creationId xmlns:p14="http://schemas.microsoft.com/office/powerpoint/2010/main" val="300271610"/>
+        <p14:creationId xmlns:p14="http://schemas.microsoft.com/office/powerpoint/2010/main" val="3658922031"/>
       </p:ext>
     </p:extLst>
   </p:cSld>
@@ -13486,21 +13734,8 @@
             <a:pPr marL="1200150" lvl="1" indent="-457200"/>
             <a:r>
               <a:rPr lang="en-US" dirty="0"/>
-              <a:t>&gt;&gt;&gt; from </a:t>
-            </a:r>
-            <a:r>
-              <a:rPr lang="en-US" dirty="0" err="1"/>
-              <a:t>sklearn.linear_model</a:t>
-            </a:r>
-            <a:r>
-              <a:rPr lang="en-US" dirty="0"/>
-              <a:t> import </a:t>
-            </a:r>
-            <a:r>
-              <a:rPr lang="en-US" dirty="0" err="1"/>
-              <a:t>LinearRegression</a:t>
-            </a:r>
-            <a:endParaRPr lang="en-US" dirty="0"/>
+              <a:t>Import the appropriate Estimator class from Scikit-learn (e.g., a decision tree)</a:t>
+            </a:r>
           </a:p>
           <a:p>
             <a:pPr marL="457200" indent="-457200">
@@ -13513,29 +13748,6 @@
             </a:r>
           </a:p>
           <a:p>
-            <a:pPr marL="1200150" lvl="1" indent="-457200"/>
-            <a:r>
-              <a:rPr lang="en-US" dirty="0"/>
-              <a:t>&gt;&gt;&gt; model = </a:t>
-            </a:r>
-            <a:r>
-              <a:rPr lang="en-US" dirty="0" err="1"/>
-              <a:t>LinearRegression</a:t>
-            </a:r>
-            <a:r>
-              <a:rPr lang="en-US" dirty="0"/>
-              <a:t>(</a:t>
-            </a:r>
-            <a:r>
-              <a:rPr lang="en-US" dirty="0" err="1"/>
-              <a:t>fit_intercept</a:t>
-            </a:r>
-            <a:r>
-              <a:rPr lang="en-US" dirty="0"/>
-              <a:t> = True)</a:t>
-            </a:r>
-          </a:p>
-          <a:p>
             <a:pPr marL="457200" indent="-457200">
               <a:buFont typeface="+mj-lt"/>
               <a:buAutoNum type="arabicPeriod"/>
@@ -13546,43 +13758,27 @@
             </a:r>
           </a:p>
           <a:p>
+            <a:pPr marL="1200150" lvl="1" indent="-457200"/>
+            <a:r>
+              <a:rPr lang="en-US" dirty="0"/>
+              <a:t>Arrange the data into features matrix X and target vector y</a:t>
+            </a:r>
+          </a:p>
+          <a:p>
             <a:pPr marL="457200" indent="-457200">
               <a:buFont typeface="+mj-lt"/>
               <a:buAutoNum type="arabicPeriod"/>
             </a:pPr>
             <a:r>
               <a:rPr lang="en-US" dirty="0"/>
-              <a:t>Model fitting</a:t>
+              <a:t>Model Fitting</a:t>
             </a:r>
           </a:p>
           <a:p>
             <a:pPr marL="1200150" lvl="1" indent="-457200"/>
             <a:r>
               <a:rPr lang="en-US" dirty="0"/>
-              <a:t>&gt;&gt;&gt; </a:t>
-            </a:r>
-            <a:r>
-              <a:rPr lang="en-US" dirty="0" err="1"/>
-              <a:t>model.fit</a:t>
-            </a:r>
-            <a:r>
-              <a:rPr lang="en-US" dirty="0"/>
-              <a:t>(X, y)</a:t>
-            </a:r>
-          </a:p>
-          <a:p>
-            <a:pPr marL="1200150" lvl="1" indent="-457200"/>
-            <a:r>
-              <a:rPr lang="en-US" dirty="0"/>
-              <a:t>&gt;&gt;&gt; </a:t>
-            </a:r>
-            <a:r>
-              <a:rPr lang="en-US" dirty="0" err="1"/>
-              <a:t>model.coef</a:t>
-            </a:r>
-            <a:r>
-              <a:rPr lang="en-US" dirty="0"/>
-              <a:t>_</a:t>
+              <a:t>Fit the model by calling fit() method of the model instance</a:t>
             </a:r>
           </a:p>
           <a:p>
@@ -13599,23 +13795,14 @@
             <a:pPr marL="1200150" lvl="1" indent="-457200"/>
             <a:r>
               <a:rPr lang="en-US" dirty="0"/>
-              <a:t>&gt;&gt;&gt; </a:t>
-            </a:r>
-            <a:r>
-              <a:rPr lang="en-US" dirty="0" err="1"/>
-              <a:t>model.predict</a:t>
-            </a:r>
+              <a:t>For supervised learning, use predict() method to predict the labels for unknown data. </a:t>
+            </a:r>
+          </a:p>
+          <a:p>
+            <a:pPr marL="1200150" lvl="1" indent="-457200"/>
             <a:r>
               <a:rPr lang="en-US" dirty="0"/>
-              <a:t>(</a:t>
-            </a:r>
-            <a:r>
-              <a:rPr lang="en-US" dirty="0" err="1"/>
-              <a:t>new_X</a:t>
-            </a:r>
-            <a:r>
-              <a:rPr lang="en-US" dirty="0"/>
-              <a:t>)</a:t>
+              <a:t>For unsupervised learning, use predict() or transform() to infer properties of the data.</a:t>
             </a:r>
           </a:p>
         </p:txBody>
@@ -13679,45 +13866,35 @@
           </a:p>
         </p:txBody>
       </p:sp>
-      <p:pic>
-        <p:nvPicPr>
-          <p:cNvPr id="15" name="Content Placeholder 14" descr="Chart, scatter chart&#10;&#10;Description automatically generated">
-            <a:extLst>
-              <a:ext uri="{FF2B5EF4-FFF2-40B4-BE49-F238E27FC236}">
-                <a16:creationId xmlns:a16="http://schemas.microsoft.com/office/drawing/2014/main" id="{216B170E-26FF-4E9D-AF57-3DE86762EC45}"/>
-              </a:ext>
-            </a:extLst>
-          </p:cNvPr>
-          <p:cNvPicPr>
-            <a:picLocks noGrp="1" noChangeAspect="1"/>
-          </p:cNvPicPr>
+      <p:sp>
+        <p:nvSpPr>
+          <p:cNvPr id="6" name="Content Placeholder 5">
+            <a:extLst>
+              <a:ext uri="{FF2B5EF4-FFF2-40B4-BE49-F238E27FC236}">
+                <a16:creationId xmlns:a16="http://schemas.microsoft.com/office/drawing/2014/main" id="{68806D82-486A-4891-A0F5-B020616E7AD8}"/>
+              </a:ext>
+            </a:extLst>
+          </p:cNvPr>
+          <p:cNvSpPr>
+            <a:spLocks noGrp="1"/>
+          </p:cNvSpPr>
           <p:nvPr>
             <p:ph idx="13"/>
           </p:nvPr>
-        </p:nvPicPr>
-        <p:blipFill>
-          <a:blip r:embed="rId2">
-            <a:extLst>
-              <a:ext uri="{28A0092B-C50C-407E-A947-70E740481C1C}">
-                <a14:useLocalDpi xmlns:a14="http://schemas.microsoft.com/office/drawing/2010/main" val="0"/>
-              </a:ext>
-            </a:extLst>
-          </a:blip>
-          <a:stretch>
-            <a:fillRect/>
-          </a:stretch>
-        </p:blipFill>
-        <p:spPr>
-          <a:xfrm>
-            <a:off x="6929267" y="3635808"/>
-            <a:ext cx="4234033" cy="2845667"/>
-          </a:xfrm>
-        </p:spPr>
-      </p:pic>
+        </p:nvSpPr>
+        <p:spPr/>
+        <p:txBody>
+          <a:bodyPr/>
+          <a:lstStyle/>
+          <a:p>
+            <a:endParaRPr lang="en-US"/>
+          </a:p>
+        </p:txBody>
+      </p:sp>
     </p:spTree>
     <p:extLst>
       <p:ext uri="{BB962C8B-B14F-4D97-AF65-F5344CB8AC3E}">
-        <p14:creationId xmlns:p14="http://schemas.microsoft.com/office/powerpoint/2010/main" val="1055293918"/>
+        <p14:creationId xmlns:p14="http://schemas.microsoft.com/office/powerpoint/2010/main" val="300271610"/>
       </p:ext>
     </p:extLst>
   </p:cSld>

--- a/02-MachineLearning/02-slides.pptx
+++ b/02-MachineLearning/02-slides.pptx
@@ -5,10 +5,10 @@
     <p:sldMasterId id="2147483648" r:id="rId1"/>
   </p:sldMasterIdLst>
   <p:notesMasterIdLst>
-    <p:notesMasterId r:id="rId21"/>
+    <p:notesMasterId r:id="rId22"/>
   </p:notesMasterIdLst>
   <p:handoutMasterIdLst>
-    <p:handoutMasterId r:id="rId22"/>
+    <p:handoutMasterId r:id="rId23"/>
   </p:handoutMasterIdLst>
   <p:sldIdLst>
     <p:sldId id="479" r:id="rId2"/>
@@ -27,9 +27,10 @@
     <p:sldId id="530" r:id="rId15"/>
     <p:sldId id="531" r:id="rId16"/>
     <p:sldId id="532" r:id="rId17"/>
-    <p:sldId id="528" r:id="rId18"/>
-    <p:sldId id="512" r:id="rId19"/>
-    <p:sldId id="524" r:id="rId20"/>
+    <p:sldId id="534" r:id="rId18"/>
+    <p:sldId id="528" r:id="rId19"/>
+    <p:sldId id="512" r:id="rId20"/>
+    <p:sldId id="524" r:id="rId21"/>
   </p:sldIdLst>
   <p:sldSz cx="12192000" cy="6858000"/>
   <p:notesSz cx="6858000" cy="9144000"/>
@@ -3673,7 +3674,7 @@
           <a:p>
             <a:fld id="{02297A90-1AFB-4FA1-ADF2-69FD2D1230BA}" type="datetimeFigureOut">
               <a:rPr lang="en-US" smtClean="0"/>
-              <a:t>7/13/2021</a:t>
+              <a:t>7/16/2021</a:t>
             </a:fld>
             <a:endParaRPr lang="en-US"/>
           </a:p>
@@ -3751,7 +3752,7 @@
           <a:p>
             <a:fld id="{42AE2D9A-5B89-4689-B04D-3FBBAA04CE2B}" type="slidenum">
               <a:rPr lang="en-US" smtClean="0"/>
-              <a:t>‹#›</a:t>
+              <a:t>‹N›</a:t>
             </a:fld>
             <a:endParaRPr lang="en-US"/>
           </a:p>
@@ -3851,7 +3852,7 @@
           <a:p>
             <a:fld id="{2D15495C-7C85-4DFE-8C2B-354A7A489EB6}" type="datetimeFigureOut">
               <a:rPr lang="it-IT" smtClean="0"/>
-              <a:t>13/07/2021</a:t>
+              <a:t>16/07/2021</a:t>
             </a:fld>
             <a:endParaRPr lang="it-IT"/>
           </a:p>
@@ -4009,7 +4010,7 @@
           <a:p>
             <a:fld id="{D98EE9EE-A74D-4412-94DD-33E68A97493E}" type="slidenum">
               <a:rPr lang="it-IT" smtClean="0"/>
-              <a:t>‹#›</a:t>
+              <a:t>‹N›</a:t>
             </a:fld>
             <a:endParaRPr lang="it-IT"/>
           </a:p>
@@ -4942,7 +4943,7 @@
           <a:p>
             <a:fld id="{5DD6F1BA-2510-46FC-9346-AB1F3CA1593B}" type="slidenum">
               <a:rPr lang="it-IT" smtClean="0"/>
-              <a:t>‹#›</a:t>
+              <a:t>‹N›</a:t>
             </a:fld>
             <a:endParaRPr lang="it-IT"/>
           </a:p>
@@ -5211,7 +5212,7 @@
           <a:p>
             <a:fld id="{5DD6F1BA-2510-46FC-9346-AB1F3CA1593B}" type="slidenum">
               <a:rPr lang="it-IT" smtClean="0"/>
-              <a:t>‹#›</a:t>
+              <a:t>‹N›</a:t>
             </a:fld>
             <a:endParaRPr lang="it-IT"/>
           </a:p>
@@ -5395,7 +5396,7 @@
           <a:p>
             <a:fld id="{5DD6F1BA-2510-46FC-9346-AB1F3CA1593B}" type="slidenum">
               <a:rPr lang="it-IT" smtClean="0"/>
-              <a:t>‹#›</a:t>
+              <a:t>‹N›</a:t>
             </a:fld>
             <a:endParaRPr lang="it-IT"/>
           </a:p>
@@ -5584,7 +5585,7 @@
           <a:p>
             <a:fld id="{5DD6F1BA-2510-46FC-9346-AB1F3CA1593B}" type="slidenum">
               <a:rPr lang="it-IT" smtClean="0"/>
-              <a:t>‹#›</a:t>
+              <a:t>‹N›</a:t>
             </a:fld>
             <a:endParaRPr lang="it-IT"/>
           </a:p>
@@ -5765,7 +5766,7 @@
           <a:p>
             <a:fld id="{5DD6F1BA-2510-46FC-9346-AB1F3CA1593B}" type="slidenum">
               <a:rPr lang="it-IT" smtClean="0"/>
-              <a:t>‹#›</a:t>
+              <a:t>‹N›</a:t>
             </a:fld>
             <a:endParaRPr lang="it-IT"/>
           </a:p>
@@ -5984,7 +5985,7 @@
           <a:p>
             <a:fld id="{5DD6F1BA-2510-46FC-9346-AB1F3CA1593B}" type="slidenum">
               <a:rPr lang="it-IT" smtClean="0"/>
-              <a:t>‹#›</a:t>
+              <a:t>‹N›</a:t>
             </a:fld>
             <a:endParaRPr lang="it-IT"/>
           </a:p>
@@ -6173,7 +6174,7 @@
           <a:p>
             <a:fld id="{5DD6F1BA-2510-46FC-9346-AB1F3CA1593B}" type="slidenum">
               <a:rPr lang="it-IT" smtClean="0"/>
-              <a:t>‹#›</a:t>
+              <a:t>‹N›</a:t>
             </a:fld>
             <a:endParaRPr lang="it-IT"/>
           </a:p>
@@ -6529,7 +6530,7 @@
           <a:p>
             <a:fld id="{5DD6F1BA-2510-46FC-9346-AB1F3CA1593B}" type="slidenum">
               <a:rPr lang="it-IT" smtClean="0"/>
-              <a:t>‹#›</a:t>
+              <a:t>‹N›</a:t>
             </a:fld>
             <a:endParaRPr lang="it-IT"/>
           </a:p>
@@ -6776,7 +6777,7 @@
           <a:p>
             <a:fld id="{5DD6F1BA-2510-46FC-9346-AB1F3CA1593B}" type="slidenum">
               <a:rPr lang="it-IT" smtClean="0"/>
-              <a:t>‹#›</a:t>
+              <a:t>‹N›</a:t>
             </a:fld>
             <a:endParaRPr lang="it-IT"/>
           </a:p>
@@ -7204,7 +7205,7 @@
           <a:p>
             <a:fld id="{5DD6F1BA-2510-46FC-9346-AB1F3CA1593B}" type="slidenum">
               <a:rPr lang="it-IT" smtClean="0"/>
-              <a:t>‹#›</a:t>
+              <a:t>‹N›</a:t>
             </a:fld>
             <a:endParaRPr lang="it-IT"/>
           </a:p>
@@ -7328,7 +7329,7 @@
           <a:p>
             <a:fld id="{5DD6F1BA-2510-46FC-9346-AB1F3CA1593B}" type="slidenum">
               <a:rPr lang="it-IT" smtClean="0"/>
-              <a:t>‹#›</a:t>
+              <a:t>‹N›</a:t>
             </a:fld>
             <a:endParaRPr lang="it-IT"/>
           </a:p>
@@ -7449,7 +7450,7 @@
           <a:p>
             <a:fld id="{5DD6F1BA-2510-46FC-9346-AB1F3CA1593B}" type="slidenum">
               <a:rPr lang="it-IT" smtClean="0"/>
-              <a:t>‹#›</a:t>
+              <a:t>‹N›</a:t>
             </a:fld>
             <a:endParaRPr lang="it-IT"/>
           </a:p>
@@ -7702,7 +7703,7 @@
             <a:fld id="{5DD6F1BA-2510-46FC-9346-AB1F3CA1593B}" type="slidenum">
               <a:rPr lang="en-US" smtClean="0"/>
               <a:pPr/>
-              <a:t>‹#›</a:t>
+              <a:t>‹N›</a:t>
             </a:fld>
             <a:endParaRPr lang="en-US" dirty="0"/>
           </a:p>
@@ -8527,7 +8528,21 @@
             </a:r>
             <a:r>
               <a:rPr lang="en-US" dirty="0"/>
-              <a:t>(X, y)</a:t>
+              <a:t>(</a:t>
+            </a:r>
+            <a:r>
+              <a:rPr lang="en-US" dirty="0">
+                <a:solidFill>
+                  <a:schemeClr val="accent1">
+                    <a:lumMod val="75000"/>
+                  </a:schemeClr>
+                </a:solidFill>
+              </a:rPr>
+              <a:t>X</a:t>
+            </a:r>
+            <a:r>
+              <a:rPr lang="en-US" dirty="0"/>
+              <a:t>, y)</a:t>
             </a:r>
           </a:p>
           <a:p>
@@ -8570,7 +8585,11 @@
               <a:t>(</a:t>
             </a:r>
             <a:r>
-              <a:rPr lang="en-US" dirty="0" err="1"/>
+              <a:rPr lang="en-US" dirty="0" err="1">
+                <a:solidFill>
+                  <a:schemeClr val="accent6"/>
+                </a:solidFill>
+              </a:rPr>
               <a:t>new_X</a:t>
             </a:r>
             <a:r>
@@ -8674,6 +8693,398 @@
           </a:xfrm>
         </p:spPr>
       </p:pic>
+      <p:sp>
+        <p:nvSpPr>
+          <p:cNvPr id="7" name="Oval 23">
+            <a:extLst>
+              <a:ext uri="{FF2B5EF4-FFF2-40B4-BE49-F238E27FC236}">
+                <a16:creationId xmlns:a16="http://schemas.microsoft.com/office/drawing/2014/main" id="{A2145551-8B05-450C-A3D2-F43339A19B80}"/>
+              </a:ext>
+            </a:extLst>
+          </p:cNvPr>
+          <p:cNvSpPr/>
+          <p:nvPr/>
+        </p:nvSpPr>
+        <p:spPr>
+          <a:xfrm>
+            <a:off x="9000563" y="4263431"/>
+            <a:ext cx="91440" cy="91440"/>
+          </a:xfrm>
+          <a:prstGeom prst="ellipse">
+            <a:avLst/>
+          </a:prstGeom>
+          <a:solidFill>
+            <a:schemeClr val="accent6"/>
+          </a:solidFill>
+        </p:spPr>
+        <p:style>
+          <a:lnRef idx="2">
+            <a:schemeClr val="accent1">
+              <a:shade val="50000"/>
+            </a:schemeClr>
+          </a:lnRef>
+          <a:fillRef idx="1">
+            <a:schemeClr val="accent1"/>
+          </a:fillRef>
+          <a:effectRef idx="0">
+            <a:schemeClr val="accent1"/>
+          </a:effectRef>
+          <a:fontRef idx="minor">
+            <a:schemeClr val="lt1"/>
+          </a:fontRef>
+        </p:style>
+        <p:txBody>
+          <a:bodyPr rtlCol="0" anchor="ctr"/>
+          <a:lstStyle/>
+          <a:p>
+            <a:pPr algn="ctr"/>
+            <a:endParaRPr lang="en-US"/>
+          </a:p>
+        </p:txBody>
+      </p:sp>
+      <p:sp>
+        <p:nvSpPr>
+          <p:cNvPr id="8" name="Oval 23">
+            <a:extLst>
+              <a:ext uri="{FF2B5EF4-FFF2-40B4-BE49-F238E27FC236}">
+                <a16:creationId xmlns:a16="http://schemas.microsoft.com/office/drawing/2014/main" id="{64997010-57D1-4E2F-8784-17C94AC7152D}"/>
+              </a:ext>
+            </a:extLst>
+          </p:cNvPr>
+          <p:cNvSpPr/>
+          <p:nvPr/>
+        </p:nvSpPr>
+        <p:spPr>
+          <a:xfrm>
+            <a:off x="8602161" y="4617392"/>
+            <a:ext cx="91440" cy="91440"/>
+          </a:xfrm>
+          <a:prstGeom prst="ellipse">
+            <a:avLst/>
+          </a:prstGeom>
+          <a:solidFill>
+            <a:schemeClr val="accent6"/>
+          </a:solidFill>
+        </p:spPr>
+        <p:style>
+          <a:lnRef idx="2">
+            <a:schemeClr val="accent1">
+              <a:shade val="50000"/>
+            </a:schemeClr>
+          </a:lnRef>
+          <a:fillRef idx="1">
+            <a:schemeClr val="accent1"/>
+          </a:fillRef>
+          <a:effectRef idx="0">
+            <a:schemeClr val="accent1"/>
+          </a:effectRef>
+          <a:fontRef idx="minor">
+            <a:schemeClr val="lt1"/>
+          </a:fontRef>
+        </p:style>
+        <p:txBody>
+          <a:bodyPr rtlCol="0" anchor="ctr"/>
+          <a:lstStyle/>
+          <a:p>
+            <a:pPr algn="ctr"/>
+            <a:endParaRPr lang="en-US"/>
+          </a:p>
+        </p:txBody>
+      </p:sp>
+      <p:sp>
+        <p:nvSpPr>
+          <p:cNvPr id="9" name="Oval 23">
+            <a:extLst>
+              <a:ext uri="{FF2B5EF4-FFF2-40B4-BE49-F238E27FC236}">
+                <a16:creationId xmlns:a16="http://schemas.microsoft.com/office/drawing/2014/main" id="{AD6744FA-E4A4-4FC8-804D-1FFB55315BC0}"/>
+              </a:ext>
+            </a:extLst>
+          </p:cNvPr>
+          <p:cNvSpPr/>
+          <p:nvPr/>
+        </p:nvSpPr>
+        <p:spPr>
+          <a:xfrm>
+            <a:off x="8961840" y="4708832"/>
+            <a:ext cx="91440" cy="91440"/>
+          </a:xfrm>
+          <a:prstGeom prst="ellipse">
+            <a:avLst/>
+          </a:prstGeom>
+          <a:solidFill>
+            <a:schemeClr val="accent6"/>
+          </a:solidFill>
+        </p:spPr>
+        <p:style>
+          <a:lnRef idx="2">
+            <a:schemeClr val="accent1">
+              <a:shade val="50000"/>
+            </a:schemeClr>
+          </a:lnRef>
+          <a:fillRef idx="1">
+            <a:schemeClr val="accent1"/>
+          </a:fillRef>
+          <a:effectRef idx="0">
+            <a:schemeClr val="accent1"/>
+          </a:effectRef>
+          <a:fontRef idx="minor">
+            <a:schemeClr val="lt1"/>
+          </a:fontRef>
+        </p:style>
+        <p:txBody>
+          <a:bodyPr rtlCol="0" anchor="ctr"/>
+          <a:lstStyle/>
+          <a:p>
+            <a:pPr algn="ctr"/>
+            <a:endParaRPr lang="en-US"/>
+          </a:p>
+        </p:txBody>
+      </p:sp>
+      <p:sp>
+        <p:nvSpPr>
+          <p:cNvPr id="10" name="Oval 23">
+            <a:extLst>
+              <a:ext uri="{FF2B5EF4-FFF2-40B4-BE49-F238E27FC236}">
+                <a16:creationId xmlns:a16="http://schemas.microsoft.com/office/drawing/2014/main" id="{CE43CCB1-0D80-4237-97E6-2DCEF93291A1}"/>
+              </a:ext>
+            </a:extLst>
+          </p:cNvPr>
+          <p:cNvSpPr/>
+          <p:nvPr/>
+        </p:nvSpPr>
+        <p:spPr>
+          <a:xfrm>
+            <a:off x="10016850" y="4800272"/>
+            <a:ext cx="91440" cy="91440"/>
+          </a:xfrm>
+          <a:prstGeom prst="ellipse">
+            <a:avLst/>
+          </a:prstGeom>
+          <a:solidFill>
+            <a:schemeClr val="accent6"/>
+          </a:solidFill>
+        </p:spPr>
+        <p:style>
+          <a:lnRef idx="2">
+            <a:schemeClr val="accent1">
+              <a:shade val="50000"/>
+            </a:schemeClr>
+          </a:lnRef>
+          <a:fillRef idx="1">
+            <a:schemeClr val="accent1"/>
+          </a:fillRef>
+          <a:effectRef idx="0">
+            <a:schemeClr val="accent1"/>
+          </a:effectRef>
+          <a:fontRef idx="minor">
+            <a:schemeClr val="lt1"/>
+          </a:fontRef>
+        </p:style>
+        <p:txBody>
+          <a:bodyPr rtlCol="0" anchor="ctr"/>
+          <a:lstStyle/>
+          <a:p>
+            <a:pPr algn="ctr"/>
+            <a:endParaRPr lang="en-US"/>
+          </a:p>
+        </p:txBody>
+      </p:sp>
+      <p:sp>
+        <p:nvSpPr>
+          <p:cNvPr id="11" name="Oval 23">
+            <a:extLst>
+              <a:ext uri="{FF2B5EF4-FFF2-40B4-BE49-F238E27FC236}">
+                <a16:creationId xmlns:a16="http://schemas.microsoft.com/office/drawing/2014/main" id="{6EC4E1F4-1CDB-4289-9654-6BB865AC4FA7}"/>
+              </a:ext>
+            </a:extLst>
+          </p:cNvPr>
+          <p:cNvSpPr/>
+          <p:nvPr/>
+        </p:nvSpPr>
+        <p:spPr>
+          <a:xfrm>
+            <a:off x="9251090" y="4967201"/>
+            <a:ext cx="91440" cy="91440"/>
+          </a:xfrm>
+          <a:prstGeom prst="ellipse">
+            <a:avLst/>
+          </a:prstGeom>
+          <a:solidFill>
+            <a:schemeClr val="accent6"/>
+          </a:solidFill>
+        </p:spPr>
+        <p:style>
+          <a:lnRef idx="2">
+            <a:schemeClr val="accent1">
+              <a:shade val="50000"/>
+            </a:schemeClr>
+          </a:lnRef>
+          <a:fillRef idx="1">
+            <a:schemeClr val="accent1"/>
+          </a:fillRef>
+          <a:effectRef idx="0">
+            <a:schemeClr val="accent1"/>
+          </a:effectRef>
+          <a:fontRef idx="minor">
+            <a:schemeClr val="lt1"/>
+          </a:fontRef>
+        </p:style>
+        <p:txBody>
+          <a:bodyPr rtlCol="0" anchor="ctr"/>
+          <a:lstStyle/>
+          <a:p>
+            <a:pPr algn="ctr"/>
+            <a:endParaRPr lang="en-US"/>
+          </a:p>
+        </p:txBody>
+      </p:sp>
+      <p:sp>
+        <p:nvSpPr>
+          <p:cNvPr id="12" name="Oval 23">
+            <a:extLst>
+              <a:ext uri="{FF2B5EF4-FFF2-40B4-BE49-F238E27FC236}">
+                <a16:creationId xmlns:a16="http://schemas.microsoft.com/office/drawing/2014/main" id="{4816394A-6002-4118-8C8E-23B0C3A7C8E4}"/>
+              </a:ext>
+            </a:extLst>
+          </p:cNvPr>
+          <p:cNvSpPr/>
+          <p:nvPr/>
+        </p:nvSpPr>
+        <p:spPr>
+          <a:xfrm>
+            <a:off x="8870400" y="5380334"/>
+            <a:ext cx="91440" cy="91440"/>
+          </a:xfrm>
+          <a:prstGeom prst="ellipse">
+            <a:avLst/>
+          </a:prstGeom>
+          <a:solidFill>
+            <a:schemeClr val="accent6"/>
+          </a:solidFill>
+        </p:spPr>
+        <p:style>
+          <a:lnRef idx="2">
+            <a:schemeClr val="accent1">
+              <a:shade val="50000"/>
+            </a:schemeClr>
+          </a:lnRef>
+          <a:fillRef idx="1">
+            <a:schemeClr val="accent1"/>
+          </a:fillRef>
+          <a:effectRef idx="0">
+            <a:schemeClr val="accent1"/>
+          </a:effectRef>
+          <a:fontRef idx="minor">
+            <a:schemeClr val="lt1"/>
+          </a:fontRef>
+        </p:style>
+        <p:txBody>
+          <a:bodyPr rtlCol="0" anchor="ctr"/>
+          <a:lstStyle/>
+          <a:p>
+            <a:pPr algn="ctr"/>
+            <a:endParaRPr lang="en-US"/>
+          </a:p>
+        </p:txBody>
+      </p:sp>
+      <p:sp>
+        <p:nvSpPr>
+          <p:cNvPr id="13" name="Oval 23">
+            <a:extLst>
+              <a:ext uri="{FF2B5EF4-FFF2-40B4-BE49-F238E27FC236}">
+                <a16:creationId xmlns:a16="http://schemas.microsoft.com/office/drawing/2014/main" id="{584B3428-0CF2-40DB-B495-D23B4FAA2430}"/>
+              </a:ext>
+            </a:extLst>
+          </p:cNvPr>
+          <p:cNvSpPr/>
+          <p:nvPr/>
+        </p:nvSpPr>
+        <p:spPr>
+          <a:xfrm>
+            <a:off x="8031889" y="5288894"/>
+            <a:ext cx="91440" cy="91440"/>
+          </a:xfrm>
+          <a:prstGeom prst="ellipse">
+            <a:avLst/>
+          </a:prstGeom>
+          <a:solidFill>
+            <a:schemeClr val="accent6"/>
+          </a:solidFill>
+        </p:spPr>
+        <p:style>
+          <a:lnRef idx="2">
+            <a:schemeClr val="accent1">
+              <a:shade val="50000"/>
+            </a:schemeClr>
+          </a:lnRef>
+          <a:fillRef idx="1">
+            <a:schemeClr val="accent1"/>
+          </a:fillRef>
+          <a:effectRef idx="0">
+            <a:schemeClr val="accent1"/>
+          </a:effectRef>
+          <a:fontRef idx="minor">
+            <a:schemeClr val="lt1"/>
+          </a:fontRef>
+        </p:style>
+        <p:txBody>
+          <a:bodyPr rtlCol="0" anchor="ctr"/>
+          <a:lstStyle/>
+          <a:p>
+            <a:pPr algn="ctr"/>
+            <a:endParaRPr lang="en-US"/>
+          </a:p>
+        </p:txBody>
+      </p:sp>
+      <p:sp>
+        <p:nvSpPr>
+          <p:cNvPr id="14" name="Oval 23">
+            <a:extLst>
+              <a:ext uri="{FF2B5EF4-FFF2-40B4-BE49-F238E27FC236}">
+                <a16:creationId xmlns:a16="http://schemas.microsoft.com/office/drawing/2014/main" id="{4E5BADBC-6FE3-46CC-9F18-C14E21BBCB11}"/>
+              </a:ext>
+            </a:extLst>
+          </p:cNvPr>
+          <p:cNvSpPr/>
+          <p:nvPr/>
+        </p:nvSpPr>
+        <p:spPr>
+          <a:xfrm>
+            <a:off x="10371967" y="4488314"/>
+            <a:ext cx="91440" cy="91440"/>
+          </a:xfrm>
+          <a:prstGeom prst="ellipse">
+            <a:avLst/>
+          </a:prstGeom>
+          <a:solidFill>
+            <a:schemeClr val="accent6"/>
+          </a:solidFill>
+        </p:spPr>
+        <p:style>
+          <a:lnRef idx="2">
+            <a:schemeClr val="accent1">
+              <a:shade val="50000"/>
+            </a:schemeClr>
+          </a:lnRef>
+          <a:fillRef idx="1">
+            <a:schemeClr val="accent1"/>
+          </a:fillRef>
+          <a:effectRef idx="0">
+            <a:schemeClr val="accent1"/>
+          </a:effectRef>
+          <a:fontRef idx="minor">
+            <a:schemeClr val="lt1"/>
+          </a:fontRef>
+        </p:style>
+        <p:txBody>
+          <a:bodyPr rtlCol="0" anchor="ctr"/>
+          <a:lstStyle/>
+          <a:p>
+            <a:pPr algn="ctr"/>
+            <a:endParaRPr lang="en-US"/>
+          </a:p>
+        </p:txBody>
+      </p:sp>
     </p:spTree>
     <p:extLst>
       <p:ext uri="{BB962C8B-B14F-4D97-AF65-F5344CB8AC3E}">
@@ -8684,6 +9095,360 @@
   <p:clrMapOvr>
     <a:masterClrMapping/>
   </p:clrMapOvr>
+  <p:timing>
+    <p:tnLst>
+      <p:par>
+        <p:cTn id="1" dur="indefinite" restart="never" nodeType="tmRoot">
+          <p:childTnLst>
+            <p:seq concurrent="1" nextAc="seek">
+              <p:cTn id="2" dur="indefinite" nodeType="mainSeq">
+                <p:childTnLst>
+                  <p:par>
+                    <p:cTn id="3" fill="hold">
+                      <p:stCondLst>
+                        <p:cond delay="indefinite"/>
+                      </p:stCondLst>
+                      <p:childTnLst>
+                        <p:par>
+                          <p:cTn id="4" fill="hold">
+                            <p:stCondLst>
+                              <p:cond delay="0"/>
+                            </p:stCondLst>
+                            <p:childTnLst>
+                              <p:par>
+                                <p:cTn id="5" presetID="1" presetClass="entr" presetSubtype="0" fill="hold" nodeType="clickEffect">
+                                  <p:stCondLst>
+                                    <p:cond delay="0"/>
+                                  </p:stCondLst>
+                                  <p:childTnLst>
+                                    <p:set>
+                                      <p:cBhvr>
+                                        <p:cTn id="6" dur="1" fill="hold">
+                                          <p:stCondLst>
+                                            <p:cond delay="0"/>
+                                          </p:stCondLst>
+                                        </p:cTn>
+                                        <p:tgtEl>
+                                          <p:spTgt spid="3">
+                                            <p:txEl>
+                                              <p:pRg st="8" end="8"/>
+                                            </p:txEl>
+                                          </p:spTgt>
+                                        </p:tgtEl>
+                                        <p:attrNameLst>
+                                          <p:attrName>style.visibility</p:attrName>
+                                        </p:attrNameLst>
+                                      </p:cBhvr>
+                                      <p:to>
+                                        <p:strVal val="visible"/>
+                                      </p:to>
+                                    </p:set>
+                                  </p:childTnLst>
+                                </p:cTn>
+                              </p:par>
+                              <p:par>
+                                <p:cTn id="7" presetID="1" presetClass="entr" presetSubtype="0" fill="hold" nodeType="withEffect">
+                                  <p:stCondLst>
+                                    <p:cond delay="0"/>
+                                  </p:stCondLst>
+                                  <p:childTnLst>
+                                    <p:set>
+                                      <p:cBhvr>
+                                        <p:cTn id="8" dur="1" fill="hold">
+                                          <p:stCondLst>
+                                            <p:cond delay="0"/>
+                                          </p:stCondLst>
+                                        </p:cTn>
+                                        <p:tgtEl>
+                                          <p:spTgt spid="3">
+                                            <p:txEl>
+                                              <p:pRg st="9" end="9"/>
+                                            </p:txEl>
+                                          </p:spTgt>
+                                        </p:tgtEl>
+                                        <p:attrNameLst>
+                                          <p:attrName>style.visibility</p:attrName>
+                                        </p:attrNameLst>
+                                      </p:cBhvr>
+                                      <p:to>
+                                        <p:strVal val="visible"/>
+                                      </p:to>
+                                    </p:set>
+                                  </p:childTnLst>
+                                </p:cTn>
+                              </p:par>
+                            </p:childTnLst>
+                          </p:cTn>
+                        </p:par>
+                      </p:childTnLst>
+                    </p:cTn>
+                  </p:par>
+                  <p:par>
+                    <p:cTn id="9" fill="hold">
+                      <p:stCondLst>
+                        <p:cond delay="indefinite"/>
+                      </p:stCondLst>
+                      <p:childTnLst>
+                        <p:par>
+                          <p:cTn id="10" fill="hold">
+                            <p:stCondLst>
+                              <p:cond delay="0"/>
+                            </p:stCondLst>
+                            <p:childTnLst>
+                              <p:par>
+                                <p:cTn id="11" presetID="1" presetClass="entr" presetSubtype="0" fill="hold" grpId="0" nodeType="clickEffect">
+                                  <p:stCondLst>
+                                    <p:cond delay="0"/>
+                                  </p:stCondLst>
+                                  <p:childTnLst>
+                                    <p:set>
+                                      <p:cBhvr>
+                                        <p:cTn id="12" dur="1" fill="hold">
+                                          <p:stCondLst>
+                                            <p:cond delay="0"/>
+                                          </p:stCondLst>
+                                        </p:cTn>
+                                        <p:tgtEl>
+                                          <p:spTgt spid="7"/>
+                                        </p:tgtEl>
+                                        <p:attrNameLst>
+                                          <p:attrName>style.visibility</p:attrName>
+                                        </p:attrNameLst>
+                                      </p:cBhvr>
+                                      <p:to>
+                                        <p:strVal val="visible"/>
+                                      </p:to>
+                                    </p:set>
+                                  </p:childTnLst>
+                                </p:cTn>
+                              </p:par>
+                              <p:par>
+                                <p:cTn id="13" presetID="1" presetClass="entr" presetSubtype="0" fill="hold" grpId="0" nodeType="withEffect">
+                                  <p:stCondLst>
+                                    <p:cond delay="0"/>
+                                  </p:stCondLst>
+                                  <p:childTnLst>
+                                    <p:set>
+                                      <p:cBhvr>
+                                        <p:cTn id="14" dur="1" fill="hold">
+                                          <p:stCondLst>
+                                            <p:cond delay="0"/>
+                                          </p:stCondLst>
+                                        </p:cTn>
+                                        <p:tgtEl>
+                                          <p:spTgt spid="8"/>
+                                        </p:tgtEl>
+                                        <p:attrNameLst>
+                                          <p:attrName>style.visibility</p:attrName>
+                                        </p:attrNameLst>
+                                      </p:cBhvr>
+                                      <p:to>
+                                        <p:strVal val="visible"/>
+                                      </p:to>
+                                    </p:set>
+                                  </p:childTnLst>
+                                </p:cTn>
+                              </p:par>
+                              <p:par>
+                                <p:cTn id="15" presetID="1" presetClass="entr" presetSubtype="0" fill="hold" grpId="0" nodeType="withEffect">
+                                  <p:stCondLst>
+                                    <p:cond delay="0"/>
+                                  </p:stCondLst>
+                                  <p:childTnLst>
+                                    <p:set>
+                                      <p:cBhvr>
+                                        <p:cTn id="16" dur="1" fill="hold">
+                                          <p:stCondLst>
+                                            <p:cond delay="0"/>
+                                          </p:stCondLst>
+                                        </p:cTn>
+                                        <p:tgtEl>
+                                          <p:spTgt spid="9"/>
+                                        </p:tgtEl>
+                                        <p:attrNameLst>
+                                          <p:attrName>style.visibility</p:attrName>
+                                        </p:attrNameLst>
+                                      </p:cBhvr>
+                                      <p:to>
+                                        <p:strVal val="visible"/>
+                                      </p:to>
+                                    </p:set>
+                                  </p:childTnLst>
+                                </p:cTn>
+                              </p:par>
+                              <p:par>
+                                <p:cTn id="17" presetID="1" presetClass="entr" presetSubtype="0" fill="hold" grpId="0" nodeType="withEffect">
+                                  <p:stCondLst>
+                                    <p:cond delay="0"/>
+                                  </p:stCondLst>
+                                  <p:childTnLst>
+                                    <p:set>
+                                      <p:cBhvr>
+                                        <p:cTn id="18" dur="1" fill="hold">
+                                          <p:stCondLst>
+                                            <p:cond delay="0"/>
+                                          </p:stCondLst>
+                                        </p:cTn>
+                                        <p:tgtEl>
+                                          <p:spTgt spid="10"/>
+                                        </p:tgtEl>
+                                        <p:attrNameLst>
+                                          <p:attrName>style.visibility</p:attrName>
+                                        </p:attrNameLst>
+                                      </p:cBhvr>
+                                      <p:to>
+                                        <p:strVal val="visible"/>
+                                      </p:to>
+                                    </p:set>
+                                  </p:childTnLst>
+                                </p:cTn>
+                              </p:par>
+                              <p:par>
+                                <p:cTn id="19" presetID="1" presetClass="entr" presetSubtype="0" fill="hold" grpId="0" nodeType="withEffect">
+                                  <p:stCondLst>
+                                    <p:cond delay="0"/>
+                                  </p:stCondLst>
+                                  <p:childTnLst>
+                                    <p:set>
+                                      <p:cBhvr>
+                                        <p:cTn id="20" dur="1" fill="hold">
+                                          <p:stCondLst>
+                                            <p:cond delay="0"/>
+                                          </p:stCondLst>
+                                        </p:cTn>
+                                        <p:tgtEl>
+                                          <p:spTgt spid="11"/>
+                                        </p:tgtEl>
+                                        <p:attrNameLst>
+                                          <p:attrName>style.visibility</p:attrName>
+                                        </p:attrNameLst>
+                                      </p:cBhvr>
+                                      <p:to>
+                                        <p:strVal val="visible"/>
+                                      </p:to>
+                                    </p:set>
+                                  </p:childTnLst>
+                                </p:cTn>
+                              </p:par>
+                              <p:par>
+                                <p:cTn id="21" presetID="1" presetClass="entr" presetSubtype="0" fill="hold" grpId="0" nodeType="withEffect">
+                                  <p:stCondLst>
+                                    <p:cond delay="0"/>
+                                  </p:stCondLst>
+                                  <p:childTnLst>
+                                    <p:set>
+                                      <p:cBhvr>
+                                        <p:cTn id="22" dur="1" fill="hold">
+                                          <p:stCondLst>
+                                            <p:cond delay="0"/>
+                                          </p:stCondLst>
+                                        </p:cTn>
+                                        <p:tgtEl>
+                                          <p:spTgt spid="12"/>
+                                        </p:tgtEl>
+                                        <p:attrNameLst>
+                                          <p:attrName>style.visibility</p:attrName>
+                                        </p:attrNameLst>
+                                      </p:cBhvr>
+                                      <p:to>
+                                        <p:strVal val="visible"/>
+                                      </p:to>
+                                    </p:set>
+                                  </p:childTnLst>
+                                </p:cTn>
+                              </p:par>
+                              <p:par>
+                                <p:cTn id="23" presetID="1" presetClass="entr" presetSubtype="0" fill="hold" grpId="0" nodeType="withEffect">
+                                  <p:stCondLst>
+                                    <p:cond delay="0"/>
+                                  </p:stCondLst>
+                                  <p:childTnLst>
+                                    <p:set>
+                                      <p:cBhvr>
+                                        <p:cTn id="24" dur="1" fill="hold">
+                                          <p:stCondLst>
+                                            <p:cond delay="0"/>
+                                          </p:stCondLst>
+                                        </p:cTn>
+                                        <p:tgtEl>
+                                          <p:spTgt spid="13"/>
+                                        </p:tgtEl>
+                                        <p:attrNameLst>
+                                          <p:attrName>style.visibility</p:attrName>
+                                        </p:attrNameLst>
+                                      </p:cBhvr>
+                                      <p:to>
+                                        <p:strVal val="visible"/>
+                                      </p:to>
+                                    </p:set>
+                                  </p:childTnLst>
+                                </p:cTn>
+                              </p:par>
+                              <p:par>
+                                <p:cTn id="25" presetID="1" presetClass="entr" presetSubtype="0" fill="hold" grpId="0" nodeType="withEffect">
+                                  <p:stCondLst>
+                                    <p:cond delay="0"/>
+                                  </p:stCondLst>
+                                  <p:childTnLst>
+                                    <p:set>
+                                      <p:cBhvr>
+                                        <p:cTn id="26" dur="1" fill="hold">
+                                          <p:stCondLst>
+                                            <p:cond delay="0"/>
+                                          </p:stCondLst>
+                                        </p:cTn>
+                                        <p:tgtEl>
+                                          <p:spTgt spid="14"/>
+                                        </p:tgtEl>
+                                        <p:attrNameLst>
+                                          <p:attrName>style.visibility</p:attrName>
+                                        </p:attrNameLst>
+                                      </p:cBhvr>
+                                      <p:to>
+                                        <p:strVal val="visible"/>
+                                      </p:to>
+                                    </p:set>
+                                  </p:childTnLst>
+                                </p:cTn>
+                              </p:par>
+                            </p:childTnLst>
+                          </p:cTn>
+                        </p:par>
+                      </p:childTnLst>
+                    </p:cTn>
+                  </p:par>
+                </p:childTnLst>
+              </p:cTn>
+              <p:prevCondLst>
+                <p:cond evt="onPrev" delay="0">
+                  <p:tgtEl>
+                    <p:sldTgt/>
+                  </p:tgtEl>
+                </p:cond>
+              </p:prevCondLst>
+              <p:nextCondLst>
+                <p:cond evt="onNext" delay="0">
+                  <p:tgtEl>
+                    <p:sldTgt/>
+                  </p:tgtEl>
+                </p:cond>
+              </p:nextCondLst>
+            </p:seq>
+          </p:childTnLst>
+        </p:cTn>
+      </p:par>
+    </p:tnLst>
+    <p:bldLst>
+      <p:bldP spid="7" grpId="0" animBg="1"/>
+      <p:bldP spid="8" grpId="0" animBg="1"/>
+      <p:bldP spid="9" grpId="0" animBg="1"/>
+      <p:bldP spid="10" grpId="0" animBg="1"/>
+      <p:bldP spid="11" grpId="0" animBg="1"/>
+      <p:bldP spid="12" grpId="0" animBg="1"/>
+      <p:bldP spid="13" grpId="0" animBg="1"/>
+      <p:bldP spid="14" grpId="0" animBg="1"/>
+    </p:bldLst>
+  </p:timing>
 </p:sld>
 </file>
 
@@ -10509,7 +11274,7 @@
             </a:r>
             <a:r>
               <a:rPr lang="en-US" dirty="0" err="1"/>
-              <a:t>estimator.get_</a:t>
+              <a:t>estimator.</a:t>
             </a:r>
             <a:r>
               <a:rPr lang="en-US" dirty="0" err="1">
@@ -10517,7 +11282,7 @@
                   <a:srgbClr val="FF0000"/>
                 </a:solidFill>
               </a:rPr>
-              <a:t>params</a:t>
+              <a:t>get_params</a:t>
             </a:r>
             <a:r>
               <a:rPr lang="en-US" dirty="0"/>
@@ -10902,31 +11667,18 @@
             <p:ph type="title"/>
           </p:nvPr>
         </p:nvSpPr>
-        <p:spPr>
-          <a:xfrm>
-            <a:off x="838200" y="365125"/>
-            <a:ext cx="10515600" cy="1325563"/>
-          </a:xfrm>
-        </p:spPr>
+        <p:spPr/>
         <p:txBody>
           <a:bodyPr/>
           <a:lstStyle/>
           <a:p>
             <a:r>
               <a:rPr lang="it-IT" dirty="0" err="1"/>
-              <a:t>Integrated</a:t>
+              <a:t>Hyper-parameter</a:t>
             </a:r>
             <a:r>
               <a:rPr lang="it-IT" dirty="0"/>
-              <a:t> </a:t>
-            </a:r>
-            <a:r>
-              <a:rPr lang="it-IT" dirty="0" err="1"/>
-              <a:t>analytics</a:t>
-            </a:r>
-            <a:r>
-              <a:rPr lang="it-IT" dirty="0"/>
-              <a:t> lab</a:t>
+              <a:t> tuning</a:t>
             </a:r>
             <a:endParaRPr lang="en-US" dirty="0"/>
           </a:p>
@@ -10934,152 +11686,6 @@
       </p:sp>
       <p:sp>
         <p:nvSpPr>
-          <p:cNvPr id="9" name="Content Placeholder 8">
-            <a:extLst>
-              <a:ext uri="{FF2B5EF4-FFF2-40B4-BE49-F238E27FC236}">
-                <a16:creationId xmlns:a16="http://schemas.microsoft.com/office/drawing/2014/main" id="{82748BCB-58EE-4FCD-A0A3-62B6988E48A6}"/>
-              </a:ext>
-            </a:extLst>
-          </p:cNvPr>
-          <p:cNvSpPr>
-            <a:spLocks noGrp="1"/>
-          </p:cNvSpPr>
-          <p:nvPr>
-            <p:ph idx="1"/>
-          </p:nvPr>
-        </p:nvSpPr>
-        <p:spPr>
-          <a:xfrm>
-            <a:off x="838200" y="1700499"/>
-            <a:ext cx="10515600" cy="4351338"/>
-          </a:xfrm>
-        </p:spPr>
-        <p:txBody>
-          <a:bodyPr/>
-          <a:lstStyle/>
-          <a:p>
-            <a:r>
-              <a:rPr lang="en-US" dirty="0"/>
-              <a:t>This checklist can help you while building your projects</a:t>
-            </a:r>
-          </a:p>
-          <a:p>
-            <a:pPr lvl="1"/>
-            <a:r>
-              <a:rPr lang="en-US" dirty="0"/>
-              <a:t> Frame the problem and look at the big picture</a:t>
-            </a:r>
-          </a:p>
-          <a:p>
-            <a:pPr lvl="2"/>
-            <a:r>
-              <a:rPr lang="en-US" dirty="0"/>
-              <a:t>✔ Define the objective in business terms</a:t>
-            </a:r>
-          </a:p>
-          <a:p>
-            <a:pPr lvl="2"/>
-            <a:r>
-              <a:rPr lang="en-US" dirty="0"/>
-              <a:t>✔ How should performance be measured?</a:t>
-            </a:r>
-          </a:p>
-          <a:p>
-            <a:pPr lvl="1"/>
-            <a:r>
-              <a:rPr lang="en-US" dirty="0"/>
-              <a:t> Get the data</a:t>
-            </a:r>
-          </a:p>
-          <a:p>
-            <a:pPr lvl="2"/>
-            <a:r>
-              <a:rPr lang="en-US" dirty="0"/>
-              <a:t>✔ List the data you need and how much you need</a:t>
-            </a:r>
-          </a:p>
-          <a:p>
-            <a:pPr lvl="1"/>
-            <a:r>
-              <a:rPr lang="en-US" dirty="0"/>
-              <a:t>Explore the data to gain insights</a:t>
-            </a:r>
-          </a:p>
-          <a:p>
-            <a:pPr lvl="2"/>
-            <a:r>
-              <a:rPr lang="en-US" dirty="0"/>
-              <a:t>✔ Create an environment to keep track of your data exploration </a:t>
-            </a:r>
-          </a:p>
-          <a:p>
-            <a:pPr lvl="2"/>
-            <a:r>
-              <a:rPr lang="en-US" dirty="0"/>
-              <a:t>✔ Study each attribute and its characteristics</a:t>
-            </a:r>
-          </a:p>
-          <a:p>
-            <a:pPr lvl="1"/>
-            <a:r>
-              <a:rPr lang="en-US" dirty="0"/>
-              <a:t>Prepare the data</a:t>
-            </a:r>
-          </a:p>
-          <a:p>
-            <a:pPr lvl="2"/>
-            <a:r>
-              <a:rPr lang="en-US" dirty="0"/>
-              <a:t>✔ Fix or remove outliers (optional)</a:t>
-            </a:r>
-          </a:p>
-          <a:p>
-            <a:pPr lvl="2"/>
-            <a:r>
-              <a:rPr lang="en-US" dirty="0"/>
-              <a:t>✔ Fill in missing values (e.g., with zero, mean, median…) or drop their rows (or columns)</a:t>
-            </a:r>
-          </a:p>
-          <a:p>
-            <a:pPr lvl="2"/>
-            <a:r>
-              <a:rPr lang="en-US" dirty="0"/>
-              <a:t>✔ Feature selection (optional): drop the attributes that provide no useful information for the task</a:t>
-            </a:r>
-          </a:p>
-          <a:p>
-            <a:pPr lvl="2"/>
-            <a:r>
-              <a:rPr lang="en-US" dirty="0"/>
-              <a:t>✔ Feature engineering, where appropriate: discretize continuous features</a:t>
-            </a:r>
-          </a:p>
-          <a:p>
-            <a:pPr lvl="1"/>
-            <a:r>
-              <a:rPr lang="en-US" dirty="0">
-                <a:solidFill>
-                  <a:schemeClr val="accent6"/>
-                </a:solidFill>
-              </a:rPr>
-              <a:t>Explore many different models and shortlist the best ones</a:t>
-            </a:r>
-          </a:p>
-          <a:p>
-            <a:pPr lvl="2"/>
-            <a:r>
-              <a:rPr lang="en-US" dirty="0">
-                <a:solidFill>
-                  <a:schemeClr val="accent6"/>
-                </a:solidFill>
-              </a:rPr>
-              <a:t>✔ Let's do this!</a:t>
-            </a:r>
-          </a:p>
-        </p:txBody>
-      </p:sp>
-      <p:sp>
-        <p:nvSpPr>
           <p:cNvPr id="5" name="Footer Placeholder 4">
             <a:extLst>
               <a:ext uri="{FF2B5EF4-FFF2-40B4-BE49-F238E27FC236}">
@@ -11094,12 +11700,7 @@
             <p:ph type="ftr" sz="quarter" idx="11"/>
           </p:nvPr>
         </p:nvSpPr>
-        <p:spPr>
-          <a:xfrm>
-            <a:off x="-1" y="6492875"/>
-            <a:ext cx="2837793" cy="365125"/>
-          </a:xfrm>
-        </p:spPr>
+        <p:spPr/>
         <p:txBody>
           <a:bodyPr/>
           <a:lstStyle/>
@@ -11127,12 +11728,7 @@
             <p:ph type="sldNum" sz="quarter" idx="12"/>
           </p:nvPr>
         </p:nvSpPr>
-        <p:spPr>
-          <a:xfrm>
-            <a:off x="9448800" y="6492874"/>
-            <a:ext cx="2743200" cy="365125"/>
-          </a:xfrm>
-        </p:spPr>
+        <p:spPr/>
         <p:txBody>
           <a:bodyPr/>
           <a:lstStyle/>
@@ -11148,10 +11744,10 @@
       </p:sp>
       <p:sp>
         <p:nvSpPr>
-          <p:cNvPr id="8" name="Content Placeholder 7">
-            <a:extLst>
-              <a:ext uri="{FF2B5EF4-FFF2-40B4-BE49-F238E27FC236}">
-                <a16:creationId xmlns:a16="http://schemas.microsoft.com/office/drawing/2014/main" id="{FDECB704-1D82-4D85-81B9-E4B38BD812C3}"/>
+          <p:cNvPr id="9" name="Segnaposto contenuto 8">
+            <a:extLst>
+              <a:ext uri="{FF2B5EF4-FFF2-40B4-BE49-F238E27FC236}">
+                <a16:creationId xmlns:a16="http://schemas.microsoft.com/office/drawing/2014/main" id="{1EC64AC1-5424-48F5-8CDD-9A2B1DBEAF34}"/>
               </a:ext>
             </a:extLst>
           </p:cNvPr>
@@ -11167,20 +11763,923 @@
           <a:bodyPr/>
           <a:lstStyle/>
           <a:p>
-            <a:endParaRPr lang="en-US" dirty="0"/>
+            <a:endParaRPr lang="en-US"/>
+          </a:p>
+        </p:txBody>
+      </p:sp>
+      <p:pic>
+        <p:nvPicPr>
+          <p:cNvPr id="12" name="Content Placeholder 14" descr="Chart, scatter chart&#10;&#10;Description automatically generated">
+            <a:extLst>
+              <a:ext uri="{FF2B5EF4-FFF2-40B4-BE49-F238E27FC236}">
+                <a16:creationId xmlns:a16="http://schemas.microsoft.com/office/drawing/2014/main" id="{EE08656E-FF63-4412-A27D-4721A67C7C5E}"/>
+              </a:ext>
+            </a:extLst>
+          </p:cNvPr>
+          <p:cNvPicPr>
+            <a:picLocks noGrp="1" noChangeAspect="1"/>
+          </p:cNvPicPr>
+          <p:nvPr>
+            <p:ph sz="half" idx="1"/>
+          </p:nvPr>
+        </p:nvPicPr>
+        <p:blipFill>
+          <a:blip r:embed="rId2">
+            <a:extLst>
+              <a:ext uri="{28A0092B-C50C-407E-A947-70E740481C1C}">
+                <a14:useLocalDpi xmlns:a14="http://schemas.microsoft.com/office/drawing/2010/main" val="0"/>
+              </a:ext>
+            </a:extLst>
+          </a:blip>
+          <a:stretch>
+            <a:fillRect/>
+          </a:stretch>
+        </p:blipFill>
+        <p:spPr>
+          <a:xfrm>
+            <a:off x="1381125" y="2624931"/>
+            <a:ext cx="4095750" cy="2752725"/>
+          </a:xfrm>
+        </p:spPr>
+      </p:pic>
+      <p:pic>
+        <p:nvPicPr>
+          <p:cNvPr id="13" name="Content Placeholder 14" descr="Chart, scatter chart&#10;&#10;Description automatically generated">
+            <a:extLst>
+              <a:ext uri="{FF2B5EF4-FFF2-40B4-BE49-F238E27FC236}">
+                <a16:creationId xmlns:a16="http://schemas.microsoft.com/office/drawing/2014/main" id="{503E12ED-040B-4835-93E0-64039A4350B2}"/>
+              </a:ext>
+            </a:extLst>
+          </p:cNvPr>
+          <p:cNvPicPr>
+            <a:picLocks noGrp="1" noChangeAspect="1"/>
+          </p:cNvPicPr>
+          <p:nvPr>
+            <p:ph sz="half" idx="2"/>
+          </p:nvPr>
+        </p:nvPicPr>
+        <p:blipFill>
+          <a:blip r:embed="rId2">
+            <a:extLst>
+              <a:ext uri="{28A0092B-C50C-407E-A947-70E740481C1C}">
+                <a14:useLocalDpi xmlns:a14="http://schemas.microsoft.com/office/drawing/2010/main" val="0"/>
+              </a:ext>
+            </a:extLst>
+          </a:blip>
+          <a:stretch>
+            <a:fillRect/>
+          </a:stretch>
+        </p:blipFill>
+        <p:spPr>
+          <a:xfrm>
+            <a:off x="6715125" y="2624931"/>
+            <a:ext cx="4095750" cy="2752725"/>
+          </a:xfrm>
+        </p:spPr>
+      </p:pic>
+      <p:sp>
+        <p:nvSpPr>
+          <p:cNvPr id="15" name="Oval 23">
+            <a:extLst>
+              <a:ext uri="{FF2B5EF4-FFF2-40B4-BE49-F238E27FC236}">
+                <a16:creationId xmlns:a16="http://schemas.microsoft.com/office/drawing/2014/main" id="{D11B75DF-9840-4170-BB06-A1A5A366E313}"/>
+              </a:ext>
+            </a:extLst>
+          </p:cNvPr>
+          <p:cNvSpPr/>
+          <p:nvPr/>
+        </p:nvSpPr>
+        <p:spPr>
+          <a:xfrm>
+            <a:off x="4354625" y="3373448"/>
+            <a:ext cx="91440" cy="91440"/>
+          </a:xfrm>
+          <a:prstGeom prst="ellipse">
+            <a:avLst/>
+          </a:prstGeom>
+          <a:solidFill>
+            <a:schemeClr val="accent2"/>
+          </a:solidFill>
+        </p:spPr>
+        <p:style>
+          <a:lnRef idx="2">
+            <a:schemeClr val="accent1">
+              <a:shade val="50000"/>
+            </a:schemeClr>
+          </a:lnRef>
+          <a:fillRef idx="1">
+            <a:schemeClr val="accent1"/>
+          </a:fillRef>
+          <a:effectRef idx="0">
+            <a:schemeClr val="accent1"/>
+          </a:effectRef>
+          <a:fontRef idx="minor">
+            <a:schemeClr val="lt1"/>
+          </a:fontRef>
+        </p:style>
+        <p:txBody>
+          <a:bodyPr rtlCol="0" anchor="ctr"/>
+          <a:lstStyle/>
+          <a:p>
+            <a:pPr algn="ctr"/>
+            <a:endParaRPr lang="en-US"/>
+          </a:p>
+        </p:txBody>
+      </p:sp>
+      <p:sp>
+        <p:nvSpPr>
+          <p:cNvPr id="16" name="Oval 23">
+            <a:extLst>
+              <a:ext uri="{FF2B5EF4-FFF2-40B4-BE49-F238E27FC236}">
+                <a16:creationId xmlns:a16="http://schemas.microsoft.com/office/drawing/2014/main" id="{A7EE172E-4CD8-4D88-920C-2AA48F6182CE}"/>
+              </a:ext>
+            </a:extLst>
+          </p:cNvPr>
+          <p:cNvSpPr/>
+          <p:nvPr/>
+        </p:nvSpPr>
+        <p:spPr>
+          <a:xfrm>
+            <a:off x="4787245" y="2915997"/>
+            <a:ext cx="91440" cy="91440"/>
+          </a:xfrm>
+          <a:prstGeom prst="ellipse">
+            <a:avLst/>
+          </a:prstGeom>
+          <a:solidFill>
+            <a:schemeClr val="accent2"/>
+          </a:solidFill>
+        </p:spPr>
+        <p:style>
+          <a:lnRef idx="2">
+            <a:schemeClr val="accent1">
+              <a:shade val="50000"/>
+            </a:schemeClr>
+          </a:lnRef>
+          <a:fillRef idx="1">
+            <a:schemeClr val="accent1"/>
+          </a:fillRef>
+          <a:effectRef idx="0">
+            <a:schemeClr val="accent1"/>
+          </a:effectRef>
+          <a:fontRef idx="minor">
+            <a:schemeClr val="lt1"/>
+          </a:fontRef>
+        </p:style>
+        <p:txBody>
+          <a:bodyPr rtlCol="0" anchor="ctr"/>
+          <a:lstStyle/>
+          <a:p>
+            <a:pPr algn="ctr"/>
+            <a:endParaRPr lang="en-US"/>
+          </a:p>
+        </p:txBody>
+      </p:sp>
+      <p:sp>
+        <p:nvSpPr>
+          <p:cNvPr id="17" name="Oval 23">
+            <a:extLst>
+              <a:ext uri="{FF2B5EF4-FFF2-40B4-BE49-F238E27FC236}">
+                <a16:creationId xmlns:a16="http://schemas.microsoft.com/office/drawing/2014/main" id="{87301D85-5623-45A1-A564-9FCEB1DBEE46}"/>
+              </a:ext>
+            </a:extLst>
+          </p:cNvPr>
+          <p:cNvSpPr/>
+          <p:nvPr/>
+        </p:nvSpPr>
+        <p:spPr>
+          <a:xfrm>
+            <a:off x="2921570" y="4161625"/>
+            <a:ext cx="91440" cy="91440"/>
+          </a:xfrm>
+          <a:prstGeom prst="ellipse">
+            <a:avLst/>
+          </a:prstGeom>
+          <a:solidFill>
+            <a:schemeClr val="accent2"/>
+          </a:solidFill>
+        </p:spPr>
+        <p:style>
+          <a:lnRef idx="2">
+            <a:schemeClr val="accent1">
+              <a:shade val="50000"/>
+            </a:schemeClr>
+          </a:lnRef>
+          <a:fillRef idx="1">
+            <a:schemeClr val="accent1"/>
+          </a:fillRef>
+          <a:effectRef idx="0">
+            <a:schemeClr val="accent1"/>
+          </a:effectRef>
+          <a:fontRef idx="minor">
+            <a:schemeClr val="lt1"/>
+          </a:fontRef>
+        </p:style>
+        <p:txBody>
+          <a:bodyPr rtlCol="0" anchor="ctr"/>
+          <a:lstStyle/>
+          <a:p>
+            <a:pPr algn="ctr"/>
+            <a:endParaRPr lang="en-US"/>
+          </a:p>
+        </p:txBody>
+      </p:sp>
+      <p:sp>
+        <p:nvSpPr>
+          <p:cNvPr id="18" name="Oval 23">
+            <a:extLst>
+              <a:ext uri="{FF2B5EF4-FFF2-40B4-BE49-F238E27FC236}">
+                <a16:creationId xmlns:a16="http://schemas.microsoft.com/office/drawing/2014/main" id="{758B3534-4CA0-4EAC-82B2-AD3ED281B4D6}"/>
+              </a:ext>
+            </a:extLst>
+          </p:cNvPr>
+          <p:cNvSpPr/>
+          <p:nvPr/>
+        </p:nvSpPr>
+        <p:spPr>
+          <a:xfrm>
+            <a:off x="2863150" y="4461276"/>
+            <a:ext cx="91440" cy="91440"/>
+          </a:xfrm>
+          <a:prstGeom prst="ellipse">
+            <a:avLst/>
+          </a:prstGeom>
+          <a:solidFill>
+            <a:schemeClr val="accent2"/>
+          </a:solidFill>
+        </p:spPr>
+        <p:style>
+          <a:lnRef idx="2">
+            <a:schemeClr val="accent1">
+              <a:shade val="50000"/>
+            </a:schemeClr>
+          </a:lnRef>
+          <a:fillRef idx="1">
+            <a:schemeClr val="accent1"/>
+          </a:fillRef>
+          <a:effectRef idx="0">
+            <a:schemeClr val="accent1"/>
+          </a:effectRef>
+          <a:fontRef idx="minor">
+            <a:schemeClr val="lt1"/>
+          </a:fontRef>
+        </p:style>
+        <p:txBody>
+          <a:bodyPr rtlCol="0" anchor="ctr"/>
+          <a:lstStyle/>
+          <a:p>
+            <a:pPr algn="ctr"/>
+            <a:endParaRPr lang="en-US"/>
+          </a:p>
+        </p:txBody>
+      </p:sp>
+      <p:sp>
+        <p:nvSpPr>
+          <p:cNvPr id="19" name="Oval 23">
+            <a:extLst>
+              <a:ext uri="{FF2B5EF4-FFF2-40B4-BE49-F238E27FC236}">
+                <a16:creationId xmlns:a16="http://schemas.microsoft.com/office/drawing/2014/main" id="{71982769-1B0A-4E05-80C3-8ABF20CE1496}"/>
+              </a:ext>
+            </a:extLst>
+          </p:cNvPr>
+          <p:cNvSpPr/>
+          <p:nvPr/>
+        </p:nvSpPr>
+        <p:spPr>
+          <a:xfrm>
+            <a:off x="3815080" y="3566160"/>
+            <a:ext cx="91440" cy="91440"/>
+          </a:xfrm>
+          <a:prstGeom prst="ellipse">
+            <a:avLst/>
+          </a:prstGeom>
+          <a:solidFill>
+            <a:schemeClr val="accent2"/>
+          </a:solidFill>
+        </p:spPr>
+        <p:style>
+          <a:lnRef idx="2">
+            <a:schemeClr val="accent1">
+              <a:shade val="50000"/>
+            </a:schemeClr>
+          </a:lnRef>
+          <a:fillRef idx="1">
+            <a:schemeClr val="accent1"/>
+          </a:fillRef>
+          <a:effectRef idx="0">
+            <a:schemeClr val="accent1"/>
+          </a:effectRef>
+          <a:fontRef idx="minor">
+            <a:schemeClr val="lt1"/>
+          </a:fontRef>
+        </p:style>
+        <p:txBody>
+          <a:bodyPr rtlCol="0" anchor="ctr"/>
+          <a:lstStyle/>
+          <a:p>
+            <a:pPr algn="ctr"/>
+            <a:endParaRPr lang="en-US"/>
+          </a:p>
+        </p:txBody>
+      </p:sp>
+      <p:sp>
+        <p:nvSpPr>
+          <p:cNvPr id="20" name="Oval 23">
+            <a:extLst>
+              <a:ext uri="{FF2B5EF4-FFF2-40B4-BE49-F238E27FC236}">
+                <a16:creationId xmlns:a16="http://schemas.microsoft.com/office/drawing/2014/main" id="{BC08DBB2-5EDE-4360-B312-B7141A6D21E1}"/>
+              </a:ext>
+            </a:extLst>
+          </p:cNvPr>
+          <p:cNvSpPr/>
+          <p:nvPr/>
+        </p:nvSpPr>
+        <p:spPr>
+          <a:xfrm>
+            <a:off x="2322830" y="4506996"/>
+            <a:ext cx="91440" cy="91440"/>
+          </a:xfrm>
+          <a:prstGeom prst="ellipse">
+            <a:avLst/>
+          </a:prstGeom>
+          <a:solidFill>
+            <a:schemeClr val="accent2"/>
+          </a:solidFill>
+        </p:spPr>
+        <p:style>
+          <a:lnRef idx="2">
+            <a:schemeClr val="accent1">
+              <a:shade val="50000"/>
+            </a:schemeClr>
+          </a:lnRef>
+          <a:fillRef idx="1">
+            <a:schemeClr val="accent1"/>
+          </a:fillRef>
+          <a:effectRef idx="0">
+            <a:schemeClr val="accent1"/>
+          </a:effectRef>
+          <a:fontRef idx="minor">
+            <a:schemeClr val="lt1"/>
+          </a:fontRef>
+        </p:style>
+        <p:txBody>
+          <a:bodyPr rtlCol="0" anchor="ctr"/>
+          <a:lstStyle/>
+          <a:p>
+            <a:pPr algn="ctr"/>
+            <a:endParaRPr lang="en-US"/>
+          </a:p>
+        </p:txBody>
+      </p:sp>
+      <p:sp>
+        <p:nvSpPr>
+          <p:cNvPr id="21" name="Oval 23">
+            <a:extLst>
+              <a:ext uri="{FF2B5EF4-FFF2-40B4-BE49-F238E27FC236}">
+                <a16:creationId xmlns:a16="http://schemas.microsoft.com/office/drawing/2014/main" id="{6D724693-5D26-4316-A3FF-A63AF3934ECA}"/>
+              </a:ext>
+            </a:extLst>
+          </p:cNvPr>
+          <p:cNvSpPr/>
+          <p:nvPr/>
+        </p:nvSpPr>
+        <p:spPr>
+          <a:xfrm>
+            <a:off x="9602290" y="3340389"/>
+            <a:ext cx="91440" cy="91440"/>
+          </a:xfrm>
+          <a:prstGeom prst="ellipse">
+            <a:avLst/>
+          </a:prstGeom>
+          <a:solidFill>
+            <a:schemeClr val="accent2"/>
+          </a:solidFill>
+        </p:spPr>
+        <p:style>
+          <a:lnRef idx="2">
+            <a:schemeClr val="accent1">
+              <a:shade val="50000"/>
+            </a:schemeClr>
+          </a:lnRef>
+          <a:fillRef idx="1">
+            <a:schemeClr val="accent1"/>
+          </a:fillRef>
+          <a:effectRef idx="0">
+            <a:schemeClr val="accent1"/>
+          </a:effectRef>
+          <a:fontRef idx="minor">
+            <a:schemeClr val="lt1"/>
+          </a:fontRef>
+        </p:style>
+        <p:txBody>
+          <a:bodyPr rtlCol="0" anchor="ctr"/>
+          <a:lstStyle/>
+          <a:p>
+            <a:pPr algn="ctr"/>
+            <a:endParaRPr lang="en-US"/>
+          </a:p>
+        </p:txBody>
+      </p:sp>
+      <p:sp>
+        <p:nvSpPr>
+          <p:cNvPr id="22" name="Oval 23">
+            <a:extLst>
+              <a:ext uri="{FF2B5EF4-FFF2-40B4-BE49-F238E27FC236}">
+                <a16:creationId xmlns:a16="http://schemas.microsoft.com/office/drawing/2014/main" id="{5D899559-5965-484B-8386-2D93FAF8EDFB}"/>
+              </a:ext>
+            </a:extLst>
+          </p:cNvPr>
+          <p:cNvSpPr/>
+          <p:nvPr/>
+        </p:nvSpPr>
+        <p:spPr>
+          <a:xfrm>
+            <a:off x="10117460" y="3174838"/>
+            <a:ext cx="91440" cy="91440"/>
+          </a:xfrm>
+          <a:prstGeom prst="ellipse">
+            <a:avLst/>
+          </a:prstGeom>
+          <a:solidFill>
+            <a:schemeClr val="accent2"/>
+          </a:solidFill>
+        </p:spPr>
+        <p:style>
+          <a:lnRef idx="2">
+            <a:schemeClr val="accent1">
+              <a:shade val="50000"/>
+            </a:schemeClr>
+          </a:lnRef>
+          <a:fillRef idx="1">
+            <a:schemeClr val="accent1"/>
+          </a:fillRef>
+          <a:effectRef idx="0">
+            <a:schemeClr val="accent1"/>
+          </a:effectRef>
+          <a:fontRef idx="minor">
+            <a:schemeClr val="lt1"/>
+          </a:fontRef>
+        </p:style>
+        <p:txBody>
+          <a:bodyPr rtlCol="0" anchor="ctr"/>
+          <a:lstStyle/>
+          <a:p>
+            <a:pPr algn="ctr"/>
+            <a:endParaRPr lang="en-US"/>
+          </a:p>
+        </p:txBody>
+      </p:sp>
+      <p:sp>
+        <p:nvSpPr>
+          <p:cNvPr id="23" name="Oval 23">
+            <a:extLst>
+              <a:ext uri="{FF2B5EF4-FFF2-40B4-BE49-F238E27FC236}">
+                <a16:creationId xmlns:a16="http://schemas.microsoft.com/office/drawing/2014/main" id="{627F5294-A7F9-4509-BCE3-D27EA2AA637C}"/>
+              </a:ext>
+            </a:extLst>
+          </p:cNvPr>
+          <p:cNvSpPr/>
+          <p:nvPr/>
+        </p:nvSpPr>
+        <p:spPr>
+          <a:xfrm>
+            <a:off x="8518485" y="4198416"/>
+            <a:ext cx="91440" cy="91440"/>
+          </a:xfrm>
+          <a:prstGeom prst="ellipse">
+            <a:avLst/>
+          </a:prstGeom>
+          <a:solidFill>
+            <a:schemeClr val="accent2"/>
+          </a:solidFill>
+        </p:spPr>
+        <p:style>
+          <a:lnRef idx="2">
+            <a:schemeClr val="accent1">
+              <a:shade val="50000"/>
+            </a:schemeClr>
+          </a:lnRef>
+          <a:fillRef idx="1">
+            <a:schemeClr val="accent1"/>
+          </a:fillRef>
+          <a:effectRef idx="0">
+            <a:schemeClr val="accent1"/>
+          </a:effectRef>
+          <a:fontRef idx="minor">
+            <a:schemeClr val="lt1"/>
+          </a:fontRef>
+        </p:style>
+        <p:txBody>
+          <a:bodyPr rtlCol="0" anchor="ctr"/>
+          <a:lstStyle/>
+          <a:p>
+            <a:pPr algn="ctr"/>
+            <a:endParaRPr lang="en-US"/>
+          </a:p>
+        </p:txBody>
+      </p:sp>
+      <p:sp>
+        <p:nvSpPr>
+          <p:cNvPr id="24" name="Oval 23">
+            <a:extLst>
+              <a:ext uri="{FF2B5EF4-FFF2-40B4-BE49-F238E27FC236}">
+                <a16:creationId xmlns:a16="http://schemas.microsoft.com/office/drawing/2014/main" id="{0B47AC97-06E9-4CE6-B55F-798A4E5B8704}"/>
+              </a:ext>
+            </a:extLst>
+          </p:cNvPr>
+          <p:cNvSpPr/>
+          <p:nvPr/>
+        </p:nvSpPr>
+        <p:spPr>
+          <a:xfrm>
+            <a:off x="8021915" y="4466317"/>
+            <a:ext cx="91440" cy="91440"/>
+          </a:xfrm>
+          <a:prstGeom prst="ellipse">
+            <a:avLst/>
+          </a:prstGeom>
+          <a:solidFill>
+            <a:schemeClr val="accent2"/>
+          </a:solidFill>
+        </p:spPr>
+        <p:style>
+          <a:lnRef idx="2">
+            <a:schemeClr val="accent1">
+              <a:shade val="50000"/>
+            </a:schemeClr>
+          </a:lnRef>
+          <a:fillRef idx="1">
+            <a:schemeClr val="accent1"/>
+          </a:fillRef>
+          <a:effectRef idx="0">
+            <a:schemeClr val="accent1"/>
+          </a:effectRef>
+          <a:fontRef idx="minor">
+            <a:schemeClr val="lt1"/>
+          </a:fontRef>
+        </p:style>
+        <p:txBody>
+          <a:bodyPr rtlCol="0" anchor="ctr"/>
+          <a:lstStyle/>
+          <a:p>
+            <a:pPr algn="ctr"/>
+            <a:endParaRPr lang="en-US"/>
+          </a:p>
+        </p:txBody>
+      </p:sp>
+      <p:sp>
+        <p:nvSpPr>
+          <p:cNvPr id="25" name="Oval 23">
+            <a:extLst>
+              <a:ext uri="{FF2B5EF4-FFF2-40B4-BE49-F238E27FC236}">
+                <a16:creationId xmlns:a16="http://schemas.microsoft.com/office/drawing/2014/main" id="{75704E9B-64C7-486E-8EBF-559306D3E6E0}"/>
+              </a:ext>
+            </a:extLst>
+          </p:cNvPr>
+          <p:cNvSpPr/>
+          <p:nvPr/>
+        </p:nvSpPr>
+        <p:spPr>
+          <a:xfrm>
+            <a:off x="9297695" y="3666451"/>
+            <a:ext cx="91440" cy="91440"/>
+          </a:xfrm>
+          <a:prstGeom prst="ellipse">
+            <a:avLst/>
+          </a:prstGeom>
+          <a:solidFill>
+            <a:schemeClr val="accent2"/>
+          </a:solidFill>
+        </p:spPr>
+        <p:style>
+          <a:lnRef idx="2">
+            <a:schemeClr val="accent1">
+              <a:shade val="50000"/>
+            </a:schemeClr>
+          </a:lnRef>
+          <a:fillRef idx="1">
+            <a:schemeClr val="accent1"/>
+          </a:fillRef>
+          <a:effectRef idx="0">
+            <a:schemeClr val="accent1"/>
+          </a:effectRef>
+          <a:fontRef idx="minor">
+            <a:schemeClr val="lt1"/>
+          </a:fontRef>
+        </p:style>
+        <p:txBody>
+          <a:bodyPr rtlCol="0" anchor="ctr"/>
+          <a:lstStyle/>
+          <a:p>
+            <a:pPr algn="ctr"/>
+            <a:endParaRPr lang="en-US"/>
+          </a:p>
+        </p:txBody>
+      </p:sp>
+      <p:sp>
+        <p:nvSpPr>
+          <p:cNvPr id="26" name="Oval 23">
+            <a:extLst>
+              <a:ext uri="{FF2B5EF4-FFF2-40B4-BE49-F238E27FC236}">
+                <a16:creationId xmlns:a16="http://schemas.microsoft.com/office/drawing/2014/main" id="{4EF0C81C-27C9-4E3A-BAA7-22443097E62F}"/>
+              </a:ext>
+            </a:extLst>
+          </p:cNvPr>
+          <p:cNvSpPr/>
+          <p:nvPr/>
+        </p:nvSpPr>
+        <p:spPr>
+          <a:xfrm>
+            <a:off x="7443495" y="4715237"/>
+            <a:ext cx="91440" cy="91440"/>
+          </a:xfrm>
+          <a:prstGeom prst="ellipse">
+            <a:avLst/>
+          </a:prstGeom>
+          <a:solidFill>
+            <a:schemeClr val="accent2"/>
+          </a:solidFill>
+        </p:spPr>
+        <p:style>
+          <a:lnRef idx="2">
+            <a:schemeClr val="accent1">
+              <a:shade val="50000"/>
+            </a:schemeClr>
+          </a:lnRef>
+          <a:fillRef idx="1">
+            <a:schemeClr val="accent1"/>
+          </a:fillRef>
+          <a:effectRef idx="0">
+            <a:schemeClr val="accent1"/>
+          </a:effectRef>
+          <a:fontRef idx="minor">
+            <a:schemeClr val="lt1"/>
+          </a:fontRef>
+        </p:style>
+        <p:txBody>
+          <a:bodyPr rtlCol="0" anchor="ctr"/>
+          <a:lstStyle/>
+          <a:p>
+            <a:pPr algn="ctr"/>
+            <a:endParaRPr lang="en-US"/>
           </a:p>
         </p:txBody>
       </p:sp>
     </p:spTree>
     <p:extLst>
       <p:ext uri="{BB962C8B-B14F-4D97-AF65-F5344CB8AC3E}">
-        <p14:creationId xmlns:p14="http://schemas.microsoft.com/office/powerpoint/2010/main" val="1286790082"/>
+        <p14:creationId xmlns:p14="http://schemas.microsoft.com/office/powerpoint/2010/main" val="724716107"/>
       </p:ext>
     </p:extLst>
   </p:cSld>
   <p:clrMapOvr>
     <a:masterClrMapping/>
   </p:clrMapOvr>
+  <p:timing>
+    <p:tnLst>
+      <p:par>
+        <p:cTn id="1" dur="indefinite" restart="never" nodeType="tmRoot">
+          <p:childTnLst>
+            <p:seq concurrent="1" nextAc="seek">
+              <p:cTn id="2" dur="indefinite" nodeType="mainSeq">
+                <p:childTnLst>
+                  <p:par>
+                    <p:cTn id="3" fill="hold">
+                      <p:stCondLst>
+                        <p:cond delay="indefinite"/>
+                      </p:stCondLst>
+                      <p:childTnLst>
+                        <p:par>
+                          <p:cTn id="4" fill="hold">
+                            <p:stCondLst>
+                              <p:cond delay="0"/>
+                            </p:stCondLst>
+                            <p:childTnLst>
+                              <p:par>
+                                <p:cTn id="5" presetID="1" presetClass="entr" presetSubtype="0" fill="hold" nodeType="clickEffect">
+                                  <p:stCondLst>
+                                    <p:cond delay="0"/>
+                                  </p:stCondLst>
+                                  <p:childTnLst>
+                                    <p:set>
+                                      <p:cBhvr>
+                                        <p:cTn id="6" dur="1" fill="hold">
+                                          <p:stCondLst>
+                                            <p:cond delay="0"/>
+                                          </p:stCondLst>
+                                        </p:cTn>
+                                        <p:tgtEl>
+                                          <p:spTgt spid="13"/>
+                                        </p:tgtEl>
+                                        <p:attrNameLst>
+                                          <p:attrName>style.visibility</p:attrName>
+                                        </p:attrNameLst>
+                                      </p:cBhvr>
+                                      <p:to>
+                                        <p:strVal val="visible"/>
+                                      </p:to>
+                                    </p:set>
+                                  </p:childTnLst>
+                                </p:cTn>
+                              </p:par>
+                              <p:par>
+                                <p:cTn id="7" presetID="1" presetClass="entr" presetSubtype="0" fill="hold" grpId="0" nodeType="withEffect">
+                                  <p:stCondLst>
+                                    <p:cond delay="0"/>
+                                  </p:stCondLst>
+                                  <p:childTnLst>
+                                    <p:set>
+                                      <p:cBhvr>
+                                        <p:cTn id="8" dur="1" fill="hold">
+                                          <p:stCondLst>
+                                            <p:cond delay="0"/>
+                                          </p:stCondLst>
+                                        </p:cTn>
+                                        <p:tgtEl>
+                                          <p:spTgt spid="21"/>
+                                        </p:tgtEl>
+                                        <p:attrNameLst>
+                                          <p:attrName>style.visibility</p:attrName>
+                                        </p:attrNameLst>
+                                      </p:cBhvr>
+                                      <p:to>
+                                        <p:strVal val="visible"/>
+                                      </p:to>
+                                    </p:set>
+                                  </p:childTnLst>
+                                </p:cTn>
+                              </p:par>
+                              <p:par>
+                                <p:cTn id="9" presetID="1" presetClass="entr" presetSubtype="0" fill="hold" grpId="0" nodeType="withEffect">
+                                  <p:stCondLst>
+                                    <p:cond delay="0"/>
+                                  </p:stCondLst>
+                                  <p:childTnLst>
+                                    <p:set>
+                                      <p:cBhvr>
+                                        <p:cTn id="10" dur="1" fill="hold">
+                                          <p:stCondLst>
+                                            <p:cond delay="0"/>
+                                          </p:stCondLst>
+                                        </p:cTn>
+                                        <p:tgtEl>
+                                          <p:spTgt spid="22"/>
+                                        </p:tgtEl>
+                                        <p:attrNameLst>
+                                          <p:attrName>style.visibility</p:attrName>
+                                        </p:attrNameLst>
+                                      </p:cBhvr>
+                                      <p:to>
+                                        <p:strVal val="visible"/>
+                                      </p:to>
+                                    </p:set>
+                                  </p:childTnLst>
+                                </p:cTn>
+                              </p:par>
+                              <p:par>
+                                <p:cTn id="11" presetID="1" presetClass="entr" presetSubtype="0" fill="hold" grpId="0" nodeType="withEffect">
+                                  <p:stCondLst>
+                                    <p:cond delay="0"/>
+                                  </p:stCondLst>
+                                  <p:childTnLst>
+                                    <p:set>
+                                      <p:cBhvr>
+                                        <p:cTn id="12" dur="1" fill="hold">
+                                          <p:stCondLst>
+                                            <p:cond delay="0"/>
+                                          </p:stCondLst>
+                                        </p:cTn>
+                                        <p:tgtEl>
+                                          <p:spTgt spid="23"/>
+                                        </p:tgtEl>
+                                        <p:attrNameLst>
+                                          <p:attrName>style.visibility</p:attrName>
+                                        </p:attrNameLst>
+                                      </p:cBhvr>
+                                      <p:to>
+                                        <p:strVal val="visible"/>
+                                      </p:to>
+                                    </p:set>
+                                  </p:childTnLst>
+                                </p:cTn>
+                              </p:par>
+                              <p:par>
+                                <p:cTn id="13" presetID="1" presetClass="entr" presetSubtype="0" fill="hold" grpId="0" nodeType="withEffect">
+                                  <p:stCondLst>
+                                    <p:cond delay="0"/>
+                                  </p:stCondLst>
+                                  <p:childTnLst>
+                                    <p:set>
+                                      <p:cBhvr>
+                                        <p:cTn id="14" dur="1" fill="hold">
+                                          <p:stCondLst>
+                                            <p:cond delay="0"/>
+                                          </p:stCondLst>
+                                        </p:cTn>
+                                        <p:tgtEl>
+                                          <p:spTgt spid="24"/>
+                                        </p:tgtEl>
+                                        <p:attrNameLst>
+                                          <p:attrName>style.visibility</p:attrName>
+                                        </p:attrNameLst>
+                                      </p:cBhvr>
+                                      <p:to>
+                                        <p:strVal val="visible"/>
+                                      </p:to>
+                                    </p:set>
+                                  </p:childTnLst>
+                                </p:cTn>
+                              </p:par>
+                              <p:par>
+                                <p:cTn id="15" presetID="1" presetClass="entr" presetSubtype="0" fill="hold" grpId="0" nodeType="withEffect">
+                                  <p:stCondLst>
+                                    <p:cond delay="0"/>
+                                  </p:stCondLst>
+                                  <p:childTnLst>
+                                    <p:set>
+                                      <p:cBhvr>
+                                        <p:cTn id="16" dur="1" fill="hold">
+                                          <p:stCondLst>
+                                            <p:cond delay="0"/>
+                                          </p:stCondLst>
+                                        </p:cTn>
+                                        <p:tgtEl>
+                                          <p:spTgt spid="25"/>
+                                        </p:tgtEl>
+                                        <p:attrNameLst>
+                                          <p:attrName>style.visibility</p:attrName>
+                                        </p:attrNameLst>
+                                      </p:cBhvr>
+                                      <p:to>
+                                        <p:strVal val="visible"/>
+                                      </p:to>
+                                    </p:set>
+                                  </p:childTnLst>
+                                </p:cTn>
+                              </p:par>
+                              <p:par>
+                                <p:cTn id="17" presetID="1" presetClass="entr" presetSubtype="0" fill="hold" grpId="0" nodeType="withEffect">
+                                  <p:stCondLst>
+                                    <p:cond delay="0"/>
+                                  </p:stCondLst>
+                                  <p:childTnLst>
+                                    <p:set>
+                                      <p:cBhvr>
+                                        <p:cTn id="18" dur="1" fill="hold">
+                                          <p:stCondLst>
+                                            <p:cond delay="0"/>
+                                          </p:stCondLst>
+                                        </p:cTn>
+                                        <p:tgtEl>
+                                          <p:spTgt spid="26"/>
+                                        </p:tgtEl>
+                                        <p:attrNameLst>
+                                          <p:attrName>style.visibility</p:attrName>
+                                        </p:attrNameLst>
+                                      </p:cBhvr>
+                                      <p:to>
+                                        <p:strVal val="visible"/>
+                                      </p:to>
+                                    </p:set>
+                                  </p:childTnLst>
+                                </p:cTn>
+                              </p:par>
+                            </p:childTnLst>
+                          </p:cTn>
+                        </p:par>
+                      </p:childTnLst>
+                    </p:cTn>
+                  </p:par>
+                </p:childTnLst>
+              </p:cTn>
+              <p:prevCondLst>
+                <p:cond evt="onPrev" delay="0">
+                  <p:tgtEl>
+                    <p:sldTgt/>
+                  </p:tgtEl>
+                </p:cond>
+              </p:prevCondLst>
+              <p:nextCondLst>
+                <p:cond evt="onNext" delay="0">
+                  <p:tgtEl>
+                    <p:sldTgt/>
+                  </p:tgtEl>
+                </p:cond>
+              </p:nextCondLst>
+            </p:seq>
+          </p:childTnLst>
+        </p:cTn>
+      </p:par>
+    </p:tnLst>
+    <p:bldLst>
+      <p:bldP spid="21" grpId="0" animBg="1"/>
+      <p:bldP spid="22" grpId="0" animBg="1"/>
+      <p:bldP spid="23" grpId="0" animBg="1"/>
+      <p:bldP spid="24" grpId="0" animBg="1"/>
+      <p:bldP spid="25" grpId="0" animBg="1"/>
+      <p:bldP spid="26" grpId="0" animBg="1"/>
+    </p:bldLst>
+  </p:timing>
 </p:sld>
 </file>
 
@@ -11203,6 +12702,321 @@
       </p:grpSpPr>
       <p:sp>
         <p:nvSpPr>
+          <p:cNvPr id="14" name="Title 13">
+            <a:extLst>
+              <a:ext uri="{FF2B5EF4-FFF2-40B4-BE49-F238E27FC236}">
+                <a16:creationId xmlns:a16="http://schemas.microsoft.com/office/drawing/2014/main" id="{7FD6D1A2-CF14-45EA-AE21-B220A4E2308D}"/>
+              </a:ext>
+            </a:extLst>
+          </p:cNvPr>
+          <p:cNvSpPr>
+            <a:spLocks noGrp="1"/>
+          </p:cNvSpPr>
+          <p:nvPr>
+            <p:ph type="title"/>
+          </p:nvPr>
+        </p:nvSpPr>
+        <p:spPr>
+          <a:xfrm>
+            <a:off x="838200" y="365125"/>
+            <a:ext cx="10515600" cy="1325563"/>
+          </a:xfrm>
+        </p:spPr>
+        <p:txBody>
+          <a:bodyPr/>
+          <a:lstStyle/>
+          <a:p>
+            <a:r>
+              <a:rPr lang="it-IT" dirty="0" err="1"/>
+              <a:t>Integrated</a:t>
+            </a:r>
+            <a:r>
+              <a:rPr lang="it-IT" dirty="0"/>
+              <a:t> </a:t>
+            </a:r>
+            <a:r>
+              <a:rPr lang="it-IT" dirty="0" err="1"/>
+              <a:t>analytics</a:t>
+            </a:r>
+            <a:r>
+              <a:rPr lang="it-IT" dirty="0"/>
+              <a:t> lab</a:t>
+            </a:r>
+            <a:endParaRPr lang="en-US" dirty="0"/>
+          </a:p>
+        </p:txBody>
+      </p:sp>
+      <p:sp>
+        <p:nvSpPr>
+          <p:cNvPr id="9" name="Content Placeholder 8">
+            <a:extLst>
+              <a:ext uri="{FF2B5EF4-FFF2-40B4-BE49-F238E27FC236}">
+                <a16:creationId xmlns:a16="http://schemas.microsoft.com/office/drawing/2014/main" id="{82748BCB-58EE-4FCD-A0A3-62B6988E48A6}"/>
+              </a:ext>
+            </a:extLst>
+          </p:cNvPr>
+          <p:cNvSpPr>
+            <a:spLocks noGrp="1"/>
+          </p:cNvSpPr>
+          <p:nvPr>
+            <p:ph idx="1"/>
+          </p:nvPr>
+        </p:nvSpPr>
+        <p:spPr>
+          <a:xfrm>
+            <a:off x="838200" y="1700499"/>
+            <a:ext cx="10515600" cy="4351338"/>
+          </a:xfrm>
+        </p:spPr>
+        <p:txBody>
+          <a:bodyPr/>
+          <a:lstStyle/>
+          <a:p>
+            <a:r>
+              <a:rPr lang="en-US" dirty="0"/>
+              <a:t>This checklist can help you while building your projects</a:t>
+            </a:r>
+          </a:p>
+          <a:p>
+            <a:pPr lvl="1"/>
+            <a:r>
+              <a:rPr lang="en-US" dirty="0"/>
+              <a:t> Frame the problem and look at the big picture</a:t>
+            </a:r>
+          </a:p>
+          <a:p>
+            <a:pPr lvl="2"/>
+            <a:r>
+              <a:rPr lang="en-US" dirty="0"/>
+              <a:t>✔ Define the objective in business terms</a:t>
+            </a:r>
+          </a:p>
+          <a:p>
+            <a:pPr lvl="2"/>
+            <a:r>
+              <a:rPr lang="en-US" dirty="0"/>
+              <a:t>✔ How should performance be measured?</a:t>
+            </a:r>
+          </a:p>
+          <a:p>
+            <a:pPr lvl="1"/>
+            <a:r>
+              <a:rPr lang="en-US" dirty="0"/>
+              <a:t> Get the data</a:t>
+            </a:r>
+          </a:p>
+          <a:p>
+            <a:pPr lvl="2"/>
+            <a:r>
+              <a:rPr lang="en-US" dirty="0"/>
+              <a:t>✔ List the data you need and how much you need</a:t>
+            </a:r>
+          </a:p>
+          <a:p>
+            <a:pPr lvl="1"/>
+            <a:r>
+              <a:rPr lang="en-US" dirty="0"/>
+              <a:t>Explore the data to gain insights</a:t>
+            </a:r>
+          </a:p>
+          <a:p>
+            <a:pPr lvl="2"/>
+            <a:r>
+              <a:rPr lang="en-US" dirty="0"/>
+              <a:t>✔ Create an environment to keep track of your data exploration </a:t>
+            </a:r>
+          </a:p>
+          <a:p>
+            <a:pPr lvl="2"/>
+            <a:r>
+              <a:rPr lang="en-US" dirty="0"/>
+              <a:t>✔ Study each attribute and its characteristics</a:t>
+            </a:r>
+          </a:p>
+          <a:p>
+            <a:pPr lvl="1"/>
+            <a:r>
+              <a:rPr lang="en-US" dirty="0"/>
+              <a:t>Prepare the data</a:t>
+            </a:r>
+          </a:p>
+          <a:p>
+            <a:pPr lvl="2"/>
+            <a:r>
+              <a:rPr lang="en-US" dirty="0"/>
+              <a:t>✔ Fix or remove outliers (optional)</a:t>
+            </a:r>
+          </a:p>
+          <a:p>
+            <a:pPr lvl="2"/>
+            <a:r>
+              <a:rPr lang="en-US" dirty="0"/>
+              <a:t>✔ Fill in missing values (e.g., with zero, mean, median…) or drop their rows (or columns)</a:t>
+            </a:r>
+          </a:p>
+          <a:p>
+            <a:pPr lvl="2"/>
+            <a:r>
+              <a:rPr lang="en-US" dirty="0"/>
+              <a:t>✔ Feature selection (optional): drop the attributes that provide no useful information for the task</a:t>
+            </a:r>
+          </a:p>
+          <a:p>
+            <a:pPr lvl="2"/>
+            <a:r>
+              <a:rPr lang="en-US" dirty="0"/>
+              <a:t>✔ Feature engineering, where appropriate: discretize continuous features</a:t>
+            </a:r>
+          </a:p>
+          <a:p>
+            <a:pPr lvl="1"/>
+            <a:r>
+              <a:rPr lang="en-US" dirty="0">
+                <a:solidFill>
+                  <a:schemeClr val="accent6"/>
+                </a:solidFill>
+              </a:rPr>
+              <a:t>Explore many different models and shortlist the best ones</a:t>
+            </a:r>
+          </a:p>
+          <a:p>
+            <a:pPr lvl="2"/>
+            <a:r>
+              <a:rPr lang="en-US" dirty="0">
+                <a:solidFill>
+                  <a:schemeClr val="accent6"/>
+                </a:solidFill>
+              </a:rPr>
+              <a:t>✔ Let's do this!</a:t>
+            </a:r>
+          </a:p>
+        </p:txBody>
+      </p:sp>
+      <p:sp>
+        <p:nvSpPr>
+          <p:cNvPr id="5" name="Footer Placeholder 4">
+            <a:extLst>
+              <a:ext uri="{FF2B5EF4-FFF2-40B4-BE49-F238E27FC236}">
+                <a16:creationId xmlns:a16="http://schemas.microsoft.com/office/drawing/2014/main" id="{451A0E4F-A40E-41B8-A1C4-70246B56D124}"/>
+              </a:ext>
+            </a:extLst>
+          </p:cNvPr>
+          <p:cNvSpPr>
+            <a:spLocks noGrp="1"/>
+          </p:cNvSpPr>
+          <p:nvPr>
+            <p:ph type="ftr" sz="quarter" idx="11"/>
+          </p:nvPr>
+        </p:nvSpPr>
+        <p:spPr>
+          <a:xfrm>
+            <a:off x="-1" y="6492875"/>
+            <a:ext cx="2837793" cy="365125"/>
+          </a:xfrm>
+        </p:spPr>
+        <p:txBody>
+          <a:bodyPr/>
+          <a:lstStyle/>
+          <a:p>
+            <a:r>
+              <a:rPr lang="it-IT"/>
+              <a:t>Matteo Francia – University of Bologna</a:t>
+            </a:r>
+          </a:p>
+        </p:txBody>
+      </p:sp>
+      <p:sp>
+        <p:nvSpPr>
+          <p:cNvPr id="6" name="Slide Number Placeholder 5">
+            <a:extLst>
+              <a:ext uri="{FF2B5EF4-FFF2-40B4-BE49-F238E27FC236}">
+                <a16:creationId xmlns:a16="http://schemas.microsoft.com/office/drawing/2014/main" id="{240950CC-5227-4892-818F-1BE5F4F01CAB}"/>
+              </a:ext>
+            </a:extLst>
+          </p:cNvPr>
+          <p:cNvSpPr>
+            <a:spLocks noGrp="1"/>
+          </p:cNvSpPr>
+          <p:nvPr>
+            <p:ph type="sldNum" sz="quarter" idx="12"/>
+          </p:nvPr>
+        </p:nvSpPr>
+        <p:spPr>
+          <a:xfrm>
+            <a:off x="9448800" y="6492874"/>
+            <a:ext cx="2743200" cy="365125"/>
+          </a:xfrm>
+        </p:spPr>
+        <p:txBody>
+          <a:bodyPr/>
+          <a:lstStyle/>
+          <a:p>
+            <a:fld id="{5DD6F1BA-2510-46FC-9346-AB1F3CA1593B}" type="slidenum">
+              <a:rPr lang="it-IT" smtClean="0"/>
+              <a:pPr/>
+              <a:t>18</a:t>
+            </a:fld>
+            <a:endParaRPr lang="it-IT"/>
+          </a:p>
+        </p:txBody>
+      </p:sp>
+      <p:sp>
+        <p:nvSpPr>
+          <p:cNvPr id="8" name="Content Placeholder 7">
+            <a:extLst>
+              <a:ext uri="{FF2B5EF4-FFF2-40B4-BE49-F238E27FC236}">
+                <a16:creationId xmlns:a16="http://schemas.microsoft.com/office/drawing/2014/main" id="{FDECB704-1D82-4D85-81B9-E4B38BD812C3}"/>
+              </a:ext>
+            </a:extLst>
+          </p:cNvPr>
+          <p:cNvSpPr>
+            <a:spLocks noGrp="1"/>
+          </p:cNvSpPr>
+          <p:nvPr>
+            <p:ph idx="13"/>
+          </p:nvPr>
+        </p:nvSpPr>
+        <p:spPr/>
+        <p:txBody>
+          <a:bodyPr/>
+          <a:lstStyle/>
+          <a:p>
+            <a:endParaRPr lang="en-US" dirty="0"/>
+          </a:p>
+        </p:txBody>
+      </p:sp>
+    </p:spTree>
+    <p:extLst>
+      <p:ext uri="{BB962C8B-B14F-4D97-AF65-F5344CB8AC3E}">
+        <p14:creationId xmlns:p14="http://schemas.microsoft.com/office/powerpoint/2010/main" val="1286790082"/>
+      </p:ext>
+    </p:extLst>
+  </p:cSld>
+  <p:clrMapOvr>
+    <a:masterClrMapping/>
+  </p:clrMapOvr>
+</p:sld>
+</file>
+
+<file path=ppt/slides/slide19.xml><?xml version="1.0" encoding="utf-8"?>
+<p:sld xmlns:a="http://schemas.openxmlformats.org/drawingml/2006/main" xmlns:r="http://schemas.openxmlformats.org/officeDocument/2006/relationships" xmlns:p="http://schemas.openxmlformats.org/presentationml/2006/main">
+  <p:cSld>
+    <p:spTree>
+      <p:nvGrpSpPr>
+        <p:cNvPr id="1" name=""/>
+        <p:cNvGrpSpPr/>
+        <p:nvPr/>
+      </p:nvGrpSpPr>
+      <p:grpSpPr>
+        <a:xfrm>
+          <a:off x="0" y="0"/>
+          <a:ext cx="0" cy="0"/>
+          <a:chOff x="0" y="0"/>
+          <a:chExt cx="0" cy="0"/>
+        </a:xfrm>
+      </p:grpSpPr>
+      <p:sp>
+        <p:nvSpPr>
           <p:cNvPr id="2" name="Title 1">
             <a:extLst>
               <a:ext uri="{FF2B5EF4-FFF2-40B4-BE49-F238E27FC236}">
@@ -11352,7 +13166,7 @@
           <a:p>
             <a:fld id="{5DD6F1BA-2510-46FC-9346-AB1F3CA1593B}" type="slidenum">
               <a:rPr lang="it-IT" smtClean="0"/>
-              <a:t>18</a:t>
+              <a:t>19</a:t>
             </a:fld>
             <a:endParaRPr lang="it-IT"/>
           </a:p>
@@ -11497,7 +13311,7 @@
         </p:nvSpPr>
         <p:spPr>
           <a:xfrm>
-            <a:off x="8281851" y="6406956"/>
+            <a:off x="8281851" y="6416581"/>
             <a:ext cx="1166949" cy="316061"/>
           </a:xfrm>
           <a:prstGeom prst="rect">
@@ -11548,284 +13362,6 @@
 </p:sld>
 </file>
 
-<file path=ppt/slides/slide19.xml><?xml version="1.0" encoding="utf-8"?>
-<p:sld xmlns:a="http://schemas.openxmlformats.org/drawingml/2006/main" xmlns:r="http://schemas.openxmlformats.org/officeDocument/2006/relationships" xmlns:p="http://schemas.openxmlformats.org/presentationml/2006/main">
-  <p:cSld>
-    <p:spTree>
-      <p:nvGrpSpPr>
-        <p:cNvPr id="1" name=""/>
-        <p:cNvGrpSpPr/>
-        <p:nvPr/>
-      </p:nvGrpSpPr>
-      <p:grpSpPr>
-        <a:xfrm>
-          <a:off x="0" y="0"/>
-          <a:ext cx="0" cy="0"/>
-          <a:chOff x="0" y="0"/>
-          <a:chExt cx="0" cy="0"/>
-        </a:xfrm>
-      </p:grpSpPr>
-      <p:sp>
-        <p:nvSpPr>
-          <p:cNvPr id="14" name="Title 13">
-            <a:extLst>
-              <a:ext uri="{FF2B5EF4-FFF2-40B4-BE49-F238E27FC236}">
-                <a16:creationId xmlns:a16="http://schemas.microsoft.com/office/drawing/2014/main" id="{7FD6D1A2-CF14-45EA-AE21-B220A4E2308D}"/>
-              </a:ext>
-            </a:extLst>
-          </p:cNvPr>
-          <p:cNvSpPr>
-            <a:spLocks noGrp="1"/>
-          </p:cNvSpPr>
-          <p:nvPr>
-            <p:ph type="title"/>
-          </p:nvPr>
-        </p:nvSpPr>
-        <p:spPr>
-          <a:xfrm>
-            <a:off x="838200" y="365125"/>
-            <a:ext cx="10515600" cy="1325563"/>
-          </a:xfrm>
-        </p:spPr>
-        <p:txBody>
-          <a:bodyPr/>
-          <a:lstStyle/>
-          <a:p>
-            <a:r>
-              <a:rPr lang="it-IT" dirty="0" err="1"/>
-              <a:t>Integrated</a:t>
-            </a:r>
-            <a:r>
-              <a:rPr lang="it-IT" dirty="0"/>
-              <a:t> </a:t>
-            </a:r>
-            <a:r>
-              <a:rPr lang="it-IT" dirty="0" err="1"/>
-              <a:t>analytics</a:t>
-            </a:r>
-            <a:r>
-              <a:rPr lang="it-IT" dirty="0"/>
-              <a:t> lab</a:t>
-            </a:r>
-            <a:endParaRPr lang="en-US" dirty="0"/>
-          </a:p>
-        </p:txBody>
-      </p:sp>
-      <p:sp>
-        <p:nvSpPr>
-          <p:cNvPr id="9" name="Content Placeholder 8">
-            <a:extLst>
-              <a:ext uri="{FF2B5EF4-FFF2-40B4-BE49-F238E27FC236}">
-                <a16:creationId xmlns:a16="http://schemas.microsoft.com/office/drawing/2014/main" id="{82748BCB-58EE-4FCD-A0A3-62B6988E48A6}"/>
-              </a:ext>
-            </a:extLst>
-          </p:cNvPr>
-          <p:cNvSpPr>
-            <a:spLocks noGrp="1"/>
-          </p:cNvSpPr>
-          <p:nvPr>
-            <p:ph idx="1"/>
-          </p:nvPr>
-        </p:nvSpPr>
-        <p:spPr>
-          <a:xfrm>
-            <a:off x="838200" y="1898287"/>
-            <a:ext cx="10515600" cy="3955762"/>
-          </a:xfrm>
-        </p:spPr>
-        <p:txBody>
-          <a:bodyPr/>
-          <a:lstStyle/>
-          <a:p>
-            <a:r>
-              <a:rPr lang="en-US" sz="1800" dirty="0"/>
-              <a:t>This checklist can help you while building your projects</a:t>
-            </a:r>
-          </a:p>
-          <a:p>
-            <a:pPr lvl="1"/>
-            <a:r>
-              <a:rPr lang="en-US" sz="1800" dirty="0"/>
-              <a:t>✔ </a:t>
-            </a:r>
-            <a:r>
-              <a:rPr lang="en-US" sz="1400" dirty="0"/>
-              <a:t>Frame the problem and look at the big picture</a:t>
-            </a:r>
-          </a:p>
-          <a:p>
-            <a:pPr lvl="1"/>
-            <a:r>
-              <a:rPr lang="en-US" sz="1800" dirty="0"/>
-              <a:t>✔ </a:t>
-            </a:r>
-            <a:r>
-              <a:rPr lang="en-US" sz="1400" dirty="0"/>
-              <a:t>Get the data</a:t>
-            </a:r>
-          </a:p>
-          <a:p>
-            <a:pPr lvl="1"/>
-            <a:r>
-              <a:rPr lang="en-US" sz="1800" dirty="0"/>
-              <a:t>✔ </a:t>
-            </a:r>
-            <a:r>
-              <a:rPr lang="en-US" sz="1400" dirty="0"/>
-              <a:t>Explore the data to gain insights</a:t>
-            </a:r>
-          </a:p>
-          <a:p>
-            <a:pPr lvl="1"/>
-            <a:r>
-              <a:rPr lang="en-US" sz="1800" dirty="0"/>
-              <a:t>✔ </a:t>
-            </a:r>
-            <a:r>
-              <a:rPr lang="en-US" sz="1400" dirty="0"/>
-              <a:t>Prepare the data</a:t>
-            </a:r>
-          </a:p>
-          <a:p>
-            <a:pPr lvl="1"/>
-            <a:r>
-              <a:rPr lang="en-US" sz="1800" dirty="0"/>
-              <a:t>✔ </a:t>
-            </a:r>
-            <a:r>
-              <a:rPr lang="en-US" sz="1400" dirty="0"/>
-              <a:t>Explore many different models and shortlist the best ones</a:t>
-            </a:r>
-          </a:p>
-          <a:p>
-            <a:pPr lvl="1"/>
-            <a:r>
-              <a:rPr lang="en-US" sz="1400" dirty="0"/>
-              <a:t>✔ Fine-tune your models and combine them into a great solution</a:t>
-            </a:r>
-          </a:p>
-          <a:p>
-            <a:pPr lvl="1"/>
-            <a:r>
-              <a:rPr lang="en-US" sz="1400" dirty="0"/>
-              <a:t>Present your solution</a:t>
-            </a:r>
-          </a:p>
-          <a:p>
-            <a:pPr lvl="1"/>
-            <a:r>
-              <a:rPr lang="en-US" sz="1400" dirty="0"/>
-              <a:t>Launch, monitor, and maintain your system</a:t>
-            </a:r>
-          </a:p>
-        </p:txBody>
-      </p:sp>
-      <p:sp>
-        <p:nvSpPr>
-          <p:cNvPr id="5" name="Footer Placeholder 4">
-            <a:extLst>
-              <a:ext uri="{FF2B5EF4-FFF2-40B4-BE49-F238E27FC236}">
-                <a16:creationId xmlns:a16="http://schemas.microsoft.com/office/drawing/2014/main" id="{451A0E4F-A40E-41B8-A1C4-70246B56D124}"/>
-              </a:ext>
-            </a:extLst>
-          </p:cNvPr>
-          <p:cNvSpPr>
-            <a:spLocks noGrp="1"/>
-          </p:cNvSpPr>
-          <p:nvPr>
-            <p:ph type="ftr" sz="quarter" idx="11"/>
-          </p:nvPr>
-        </p:nvSpPr>
-        <p:spPr>
-          <a:xfrm>
-            <a:off x="-1" y="6492875"/>
-            <a:ext cx="2837793" cy="365125"/>
-          </a:xfrm>
-        </p:spPr>
-        <p:txBody>
-          <a:bodyPr/>
-          <a:lstStyle/>
-          <a:p>
-            <a:r>
-              <a:rPr lang="it-IT"/>
-              <a:t>Matteo Francia – University of Bologna</a:t>
-            </a:r>
-          </a:p>
-        </p:txBody>
-      </p:sp>
-      <p:sp>
-        <p:nvSpPr>
-          <p:cNvPr id="6" name="Slide Number Placeholder 5">
-            <a:extLst>
-              <a:ext uri="{FF2B5EF4-FFF2-40B4-BE49-F238E27FC236}">
-                <a16:creationId xmlns:a16="http://schemas.microsoft.com/office/drawing/2014/main" id="{240950CC-5227-4892-818F-1BE5F4F01CAB}"/>
-              </a:ext>
-            </a:extLst>
-          </p:cNvPr>
-          <p:cNvSpPr>
-            <a:spLocks noGrp="1"/>
-          </p:cNvSpPr>
-          <p:nvPr>
-            <p:ph type="sldNum" sz="quarter" idx="12"/>
-          </p:nvPr>
-        </p:nvSpPr>
-        <p:spPr>
-          <a:xfrm>
-            <a:off x="9448800" y="6492874"/>
-            <a:ext cx="2743200" cy="365125"/>
-          </a:xfrm>
-        </p:spPr>
-        <p:txBody>
-          <a:bodyPr/>
-          <a:lstStyle/>
-          <a:p>
-            <a:fld id="{5DD6F1BA-2510-46FC-9346-AB1F3CA1593B}" type="slidenum">
-              <a:rPr lang="it-IT" smtClean="0"/>
-              <a:pPr/>
-              <a:t>19</a:t>
-            </a:fld>
-            <a:endParaRPr lang="it-IT"/>
-          </a:p>
-        </p:txBody>
-      </p:sp>
-      <p:sp>
-        <p:nvSpPr>
-          <p:cNvPr id="25" name="Content Placeholder 24">
-            <a:extLst>
-              <a:ext uri="{FF2B5EF4-FFF2-40B4-BE49-F238E27FC236}">
-                <a16:creationId xmlns:a16="http://schemas.microsoft.com/office/drawing/2014/main" id="{D72E8421-5E34-412E-98BB-7D524430C2BF}"/>
-              </a:ext>
-            </a:extLst>
-          </p:cNvPr>
-          <p:cNvSpPr>
-            <a:spLocks noGrp="1"/>
-          </p:cNvSpPr>
-          <p:nvPr>
-            <p:ph idx="13"/>
-          </p:nvPr>
-        </p:nvSpPr>
-        <p:spPr/>
-        <p:txBody>
-          <a:bodyPr/>
-          <a:lstStyle/>
-          <a:p>
-            <a:endParaRPr lang="en-US"/>
-          </a:p>
-        </p:txBody>
-      </p:sp>
-    </p:spTree>
-    <p:extLst>
-      <p:ext uri="{BB962C8B-B14F-4D97-AF65-F5344CB8AC3E}">
-        <p14:creationId xmlns:p14="http://schemas.microsoft.com/office/powerpoint/2010/main" val="3062385281"/>
-      </p:ext>
-    </p:extLst>
-  </p:cSld>
-  <p:clrMapOvr>
-    <a:masterClrMapping/>
-  </p:clrMapOvr>
-</p:sld>
-</file>
-
 <file path=ppt/slides/slide2.xml><?xml version="1.0" encoding="utf-8"?>
 <p:sld xmlns:a="http://schemas.openxmlformats.org/drawingml/2006/main" xmlns:r="http://schemas.openxmlformats.org/officeDocument/2006/relationships" xmlns:p="http://schemas.openxmlformats.org/presentationml/2006/main">
   <p:cSld>
@@ -11859,6 +13395,234 @@
             <p:ph type="title"/>
           </p:nvPr>
         </p:nvSpPr>
+        <p:spPr/>
+        <p:txBody>
+          <a:bodyPr/>
+          <a:lstStyle/>
+          <a:p>
+            <a:r>
+              <a:rPr lang="it-IT" dirty="0"/>
+              <a:t>Machine learning</a:t>
+            </a:r>
+            <a:endParaRPr lang="en-US" dirty="0"/>
+          </a:p>
+        </p:txBody>
+      </p:sp>
+      <p:sp>
+        <p:nvSpPr>
+          <p:cNvPr id="3" name="Segnaposto contenuto 2">
+            <a:extLst>
+              <a:ext uri="{FF2B5EF4-FFF2-40B4-BE49-F238E27FC236}">
+                <a16:creationId xmlns:a16="http://schemas.microsoft.com/office/drawing/2014/main" id="{B9E91BDA-AD8F-4EF1-8F81-FFF89BAEF12A}"/>
+              </a:ext>
+            </a:extLst>
+          </p:cNvPr>
+          <p:cNvSpPr>
+            <a:spLocks noGrp="1"/>
+          </p:cNvSpPr>
+          <p:nvPr>
+            <p:ph sz="half" idx="1"/>
+          </p:nvPr>
+        </p:nvSpPr>
+        <p:spPr/>
+        <p:txBody>
+          <a:bodyPr/>
+          <a:lstStyle/>
+          <a:p>
+            <a:r>
+              <a:rPr lang="en-US" dirty="0">
+                <a:solidFill>
+                  <a:srgbClr val="FF0000"/>
+                </a:solidFill>
+              </a:rPr>
+              <a:t>Machine Learning </a:t>
+            </a:r>
+            <a:r>
+              <a:rPr lang="en-US" dirty="0"/>
+              <a:t>is the science (and art) of programming computers so they can learn from data</a:t>
+            </a:r>
+          </a:p>
+          <a:p>
+            <a:pPr lvl="1"/>
+            <a:r>
+              <a:rPr lang="en-US" dirty="0"/>
+              <a:t>Machine Learning is the field of study that gives computers the ability to learn without being explicitly programmed — Arthur Samuel, 1959</a:t>
+            </a:r>
+          </a:p>
+          <a:p>
+            <a:pPr lvl="1"/>
+            <a:r>
+              <a:rPr lang="en-US" dirty="0"/>
+              <a:t>A computer program is said to learn from experience E with respect to some task T and some performance measure P, if its performance on T, as measured by P, improves with experience E — Tom Mitchell, 1997</a:t>
+            </a:r>
+          </a:p>
+        </p:txBody>
+      </p:sp>
+      <p:pic>
+        <p:nvPicPr>
+          <p:cNvPr id="9" name="Segnaposto contenuto 8">
+            <a:extLst>
+              <a:ext uri="{FF2B5EF4-FFF2-40B4-BE49-F238E27FC236}">
+                <a16:creationId xmlns:a16="http://schemas.microsoft.com/office/drawing/2014/main" id="{2CA554E7-7AAB-4AF5-AAE1-0566292449C2}"/>
+              </a:ext>
+            </a:extLst>
+          </p:cNvPr>
+          <p:cNvPicPr>
+            <a:picLocks noGrp="1" noChangeAspect="1"/>
+          </p:cNvPicPr>
+          <p:nvPr>
+            <p:ph sz="half" idx="2"/>
+          </p:nvPr>
+        </p:nvPicPr>
+        <p:blipFill>
+          <a:blip r:embed="rId2">
+            <a:extLst>
+              <a:ext uri="{28A0092B-C50C-407E-A947-70E740481C1C}">
+                <a14:useLocalDpi xmlns:a14="http://schemas.microsoft.com/office/drawing/2010/main" val="0"/>
+              </a:ext>
+            </a:extLst>
+          </a:blip>
+          <a:stretch>
+            <a:fillRect/>
+          </a:stretch>
+        </p:blipFill>
+        <p:spPr>
+          <a:xfrm>
+            <a:off x="6477000" y="2715419"/>
+            <a:ext cx="4572000" cy="2571750"/>
+          </a:xfrm>
+        </p:spPr>
+      </p:pic>
+      <p:sp>
+        <p:nvSpPr>
+          <p:cNvPr id="4" name="Segnaposto piè di pagina 3">
+            <a:extLst>
+              <a:ext uri="{FF2B5EF4-FFF2-40B4-BE49-F238E27FC236}">
+                <a16:creationId xmlns:a16="http://schemas.microsoft.com/office/drawing/2014/main" id="{741635AA-5E4B-4864-954D-834C0A67D25A}"/>
+              </a:ext>
+            </a:extLst>
+          </p:cNvPr>
+          <p:cNvSpPr>
+            <a:spLocks noGrp="1"/>
+          </p:cNvSpPr>
+          <p:nvPr>
+            <p:ph type="ftr" sz="quarter" idx="11"/>
+          </p:nvPr>
+        </p:nvSpPr>
+        <p:spPr/>
+        <p:txBody>
+          <a:bodyPr/>
+          <a:lstStyle/>
+          <a:p>
+            <a:r>
+              <a:rPr lang="it-IT"/>
+              <a:t>Matteo Francia – University of Bologna</a:t>
+            </a:r>
+            <a:endParaRPr lang="it-IT" dirty="0"/>
+          </a:p>
+        </p:txBody>
+      </p:sp>
+      <p:sp>
+        <p:nvSpPr>
+          <p:cNvPr id="5" name="Segnaposto numero diapositiva 4">
+            <a:extLst>
+              <a:ext uri="{FF2B5EF4-FFF2-40B4-BE49-F238E27FC236}">
+                <a16:creationId xmlns:a16="http://schemas.microsoft.com/office/drawing/2014/main" id="{769E589A-8206-4CF8-8841-C3D753F1A699}"/>
+              </a:ext>
+            </a:extLst>
+          </p:cNvPr>
+          <p:cNvSpPr>
+            <a:spLocks noGrp="1"/>
+          </p:cNvSpPr>
+          <p:nvPr>
+            <p:ph type="sldNum" sz="quarter" idx="12"/>
+          </p:nvPr>
+        </p:nvSpPr>
+        <p:spPr/>
+        <p:txBody>
+          <a:bodyPr/>
+          <a:lstStyle/>
+          <a:p>
+            <a:fld id="{5DD6F1BA-2510-46FC-9346-AB1F3CA1593B}" type="slidenum">
+              <a:rPr lang="it-IT" smtClean="0"/>
+              <a:pPr/>
+              <a:t>2</a:t>
+            </a:fld>
+            <a:endParaRPr lang="it-IT"/>
+          </a:p>
+        </p:txBody>
+      </p:sp>
+      <p:sp>
+        <p:nvSpPr>
+          <p:cNvPr id="7" name="Segnaposto contenuto 6">
+            <a:extLst>
+              <a:ext uri="{FF2B5EF4-FFF2-40B4-BE49-F238E27FC236}">
+                <a16:creationId xmlns:a16="http://schemas.microsoft.com/office/drawing/2014/main" id="{8AB25530-AD90-4444-B46A-8A7DB1FBF0DC}"/>
+              </a:ext>
+            </a:extLst>
+          </p:cNvPr>
+          <p:cNvSpPr>
+            <a:spLocks noGrp="1"/>
+          </p:cNvSpPr>
+          <p:nvPr>
+            <p:ph idx="13"/>
+          </p:nvPr>
+        </p:nvSpPr>
+        <p:spPr/>
+        <p:txBody>
+          <a:bodyPr/>
+          <a:lstStyle/>
+          <a:p>
+            <a:endParaRPr lang="en-US"/>
+          </a:p>
+        </p:txBody>
+      </p:sp>
+    </p:spTree>
+    <p:extLst>
+      <p:ext uri="{BB962C8B-B14F-4D97-AF65-F5344CB8AC3E}">
+        <p14:creationId xmlns:p14="http://schemas.microsoft.com/office/powerpoint/2010/main" val="4188712684"/>
+      </p:ext>
+    </p:extLst>
+  </p:cSld>
+  <p:clrMapOvr>
+    <a:masterClrMapping/>
+  </p:clrMapOvr>
+</p:sld>
+</file>
+
+<file path=ppt/slides/slide20.xml><?xml version="1.0" encoding="utf-8"?>
+<p:sld xmlns:a="http://schemas.openxmlformats.org/drawingml/2006/main" xmlns:r="http://schemas.openxmlformats.org/officeDocument/2006/relationships" xmlns:p="http://schemas.openxmlformats.org/presentationml/2006/main">
+  <p:cSld>
+    <p:spTree>
+      <p:nvGrpSpPr>
+        <p:cNvPr id="1" name=""/>
+        <p:cNvGrpSpPr/>
+        <p:nvPr/>
+      </p:nvGrpSpPr>
+      <p:grpSpPr>
+        <a:xfrm>
+          <a:off x="0" y="0"/>
+          <a:ext cx="0" cy="0"/>
+          <a:chOff x="0" y="0"/>
+          <a:chExt cx="0" cy="0"/>
+        </a:xfrm>
+      </p:grpSpPr>
+      <p:sp>
+        <p:nvSpPr>
+          <p:cNvPr id="14" name="Title 13">
+            <a:extLst>
+              <a:ext uri="{FF2B5EF4-FFF2-40B4-BE49-F238E27FC236}">
+                <a16:creationId xmlns:a16="http://schemas.microsoft.com/office/drawing/2014/main" id="{7FD6D1A2-CF14-45EA-AE21-B220A4E2308D}"/>
+              </a:ext>
+            </a:extLst>
+          </p:cNvPr>
+          <p:cNvSpPr>
+            <a:spLocks noGrp="1"/>
+          </p:cNvSpPr>
+          <p:nvPr>
+            <p:ph type="title"/>
+          </p:nvPr>
+        </p:nvSpPr>
         <p:spPr>
           <a:xfrm>
             <a:off x="838200" y="365125"/>
@@ -11870,8 +13634,20 @@
           <a:lstStyle/>
           <a:p>
             <a:r>
+              <a:rPr lang="it-IT" dirty="0" err="1"/>
+              <a:t>Integrated</a:t>
+            </a:r>
+            <a:r>
               <a:rPr lang="it-IT" dirty="0"/>
-              <a:t>Machine learning</a:t>
+              <a:t> </a:t>
+            </a:r>
+            <a:r>
+              <a:rPr lang="it-IT" dirty="0" err="1"/>
+              <a:t>analytics</a:t>
+            </a:r>
+            <a:r>
+              <a:rPr lang="it-IT" dirty="0"/>
+              <a:t> lab</a:t>
             </a:r>
             <a:endParaRPr lang="en-US" dirty="0"/>
           </a:p>
@@ -11879,10 +13655,10 @@
       </p:sp>
       <p:sp>
         <p:nvSpPr>
-          <p:cNvPr id="3" name="Segnaposto contenuto 2">
-            <a:extLst>
-              <a:ext uri="{FF2B5EF4-FFF2-40B4-BE49-F238E27FC236}">
-                <a16:creationId xmlns:a16="http://schemas.microsoft.com/office/drawing/2014/main" id="{B9E91BDA-AD8F-4EF1-8F81-FFF89BAEF12A}"/>
+          <p:cNvPr id="9" name="Content Placeholder 8">
+            <a:extLst>
+              <a:ext uri="{FF2B5EF4-FFF2-40B4-BE49-F238E27FC236}">
+                <a16:creationId xmlns:a16="http://schemas.microsoft.com/office/drawing/2014/main" id="{82748BCB-58EE-4FCD-A0A3-62B6988E48A6}"/>
               </a:ext>
             </a:extLst>
           </p:cNvPr>
@@ -11895,8 +13671,8 @@
         </p:nvSpPr>
         <p:spPr>
           <a:xfrm>
-            <a:off x="838200" y="1700499"/>
-            <a:ext cx="10515600" cy="4351338"/>
+            <a:off x="838200" y="1898287"/>
+            <a:ext cx="10515600" cy="3955762"/>
           </a:xfrm>
         </p:spPr>
         <p:txBody>
@@ -11904,40 +13680,94 @@
           <a:lstStyle/>
           <a:p>
             <a:r>
-              <a:rPr lang="en-US" dirty="0">
-                <a:solidFill>
-                  <a:srgbClr val="FF0000"/>
-                </a:solidFill>
-              </a:rPr>
-              <a:t>Machine Learning </a:t>
-            </a:r>
-            <a:r>
-              <a:rPr lang="en-US" dirty="0"/>
-              <a:t>is the science (and art) of programming computers so they can learn from data</a:t>
+              <a:rPr lang="en-US" sz="1800" dirty="0"/>
+              <a:t>This checklist can help you while building your projects</a:t>
             </a:r>
           </a:p>
           <a:p>
             <a:pPr lvl="1"/>
             <a:r>
-              <a:rPr lang="en-US" dirty="0"/>
-              <a:t>Machine Learning is the field of study that gives computers the ability to learn without being explicitly programmed — Arthur Samuel, 1959</a:t>
+              <a:rPr lang="en-US" sz="1800" dirty="0"/>
+              <a:t>✔ </a:t>
+            </a:r>
+            <a:r>
+              <a:rPr lang="en-US" sz="1400" dirty="0"/>
+              <a:t>Frame the problem and look at the big picture</a:t>
             </a:r>
           </a:p>
           <a:p>
             <a:pPr lvl="1"/>
             <a:r>
-              <a:rPr lang="en-US" dirty="0"/>
-              <a:t>A computer program is said to learn from experience E with respect to some task T and some performance measure P, if its performance on T, as measured by P, improves with experience E — Tom Mitchell, 1997</a:t>
-            </a:r>
-          </a:p>
-        </p:txBody>
-      </p:sp>
-      <p:sp>
-        <p:nvSpPr>
-          <p:cNvPr id="4" name="Segnaposto piè di pagina 3">
-            <a:extLst>
-              <a:ext uri="{FF2B5EF4-FFF2-40B4-BE49-F238E27FC236}">
-                <a16:creationId xmlns:a16="http://schemas.microsoft.com/office/drawing/2014/main" id="{741635AA-5E4B-4864-954D-834C0A67D25A}"/>
+              <a:rPr lang="en-US" sz="1800" dirty="0"/>
+              <a:t>✔ </a:t>
+            </a:r>
+            <a:r>
+              <a:rPr lang="en-US" sz="1400" dirty="0"/>
+              <a:t>Get the data</a:t>
+            </a:r>
+          </a:p>
+          <a:p>
+            <a:pPr lvl="1"/>
+            <a:r>
+              <a:rPr lang="en-US" sz="1800" dirty="0"/>
+              <a:t>✔ </a:t>
+            </a:r>
+            <a:r>
+              <a:rPr lang="en-US" sz="1400" dirty="0"/>
+              <a:t>Explore the data to gain insights</a:t>
+            </a:r>
+          </a:p>
+          <a:p>
+            <a:pPr lvl="1"/>
+            <a:r>
+              <a:rPr lang="en-US" sz="1800" dirty="0"/>
+              <a:t>✔ </a:t>
+            </a:r>
+            <a:r>
+              <a:rPr lang="en-US" sz="1400" dirty="0"/>
+              <a:t>Prepare the data</a:t>
+            </a:r>
+          </a:p>
+          <a:p>
+            <a:pPr lvl="1"/>
+            <a:r>
+              <a:rPr lang="en-US" sz="1800" dirty="0"/>
+              <a:t>✔ </a:t>
+            </a:r>
+            <a:r>
+              <a:rPr lang="en-US" sz="1400" dirty="0"/>
+              <a:t>Explore many different models and shortlist the best ones</a:t>
+            </a:r>
+          </a:p>
+          <a:p>
+            <a:pPr lvl="1"/>
+            <a:r>
+              <a:rPr lang="en-US" sz="1400" dirty="0"/>
+              <a:t>✔ Fine-tune your models and combine them into a great solution</a:t>
+            </a:r>
+          </a:p>
+          <a:p>
+            <a:pPr lvl="1"/>
+            <a:r>
+              <a:rPr lang="en-US" sz="1400" dirty="0"/>
+              <a:t>Present your solution</a:t>
+            </a:r>
+          </a:p>
+          <a:p>
+            <a:pPr lvl="1"/>
+            <a:r>
+              <a:rPr lang="en-US" sz="1400" dirty="0"/>
+              <a:t>Launch, monitor, and maintain your system</a:t>
+            </a:r>
+          </a:p>
+        </p:txBody>
+      </p:sp>
+      <p:sp>
+        <p:nvSpPr>
+          <p:cNvPr id="5" name="Footer Placeholder 4">
+            <a:extLst>
+              <a:ext uri="{FF2B5EF4-FFF2-40B4-BE49-F238E27FC236}">
+                <a16:creationId xmlns:a16="http://schemas.microsoft.com/office/drawing/2014/main" id="{451A0E4F-A40E-41B8-A1C4-70246B56D124}"/>
               </a:ext>
             </a:extLst>
           </p:cNvPr>
@@ -11962,16 +13792,15 @@
               <a:rPr lang="it-IT"/>
               <a:t>Matteo Francia – University of Bologna</a:t>
             </a:r>
-            <a:endParaRPr lang="it-IT" dirty="0"/>
-          </a:p>
-        </p:txBody>
-      </p:sp>
-      <p:sp>
-        <p:nvSpPr>
-          <p:cNvPr id="5" name="Segnaposto numero diapositiva 4">
-            <a:extLst>
-              <a:ext uri="{FF2B5EF4-FFF2-40B4-BE49-F238E27FC236}">
-                <a16:creationId xmlns:a16="http://schemas.microsoft.com/office/drawing/2014/main" id="{769E589A-8206-4CF8-8841-C3D753F1A699}"/>
+          </a:p>
+        </p:txBody>
+      </p:sp>
+      <p:sp>
+        <p:nvSpPr>
+          <p:cNvPr id="6" name="Slide Number Placeholder 5">
+            <a:extLst>
+              <a:ext uri="{FF2B5EF4-FFF2-40B4-BE49-F238E27FC236}">
+                <a16:creationId xmlns:a16="http://schemas.microsoft.com/office/drawing/2014/main" id="{240950CC-5227-4892-818F-1BE5F4F01CAB}"/>
               </a:ext>
             </a:extLst>
           </p:cNvPr>
@@ -11995,7 +13824,7 @@
             <a:fld id="{5DD6F1BA-2510-46FC-9346-AB1F3CA1593B}" type="slidenum">
               <a:rPr lang="it-IT" smtClean="0"/>
               <a:pPr/>
-              <a:t>2</a:t>
+              <a:t>20</a:t>
             </a:fld>
             <a:endParaRPr lang="it-IT"/>
           </a:p>
@@ -12003,10 +13832,10 @@
       </p:sp>
       <p:sp>
         <p:nvSpPr>
-          <p:cNvPr id="10" name="Content Placeholder 9">
-            <a:extLst>
-              <a:ext uri="{FF2B5EF4-FFF2-40B4-BE49-F238E27FC236}">
-                <a16:creationId xmlns:a16="http://schemas.microsoft.com/office/drawing/2014/main" id="{164D1DA6-FF92-4487-B15C-8518A4BC1E75}"/>
+          <p:cNvPr id="25" name="Content Placeholder 24">
+            <a:extLst>
+              <a:ext uri="{FF2B5EF4-FFF2-40B4-BE49-F238E27FC236}">
+                <a16:creationId xmlns:a16="http://schemas.microsoft.com/office/drawing/2014/main" id="{D72E8421-5E34-412E-98BB-7D524430C2BF}"/>
               </a:ext>
             </a:extLst>
           </p:cNvPr>
@@ -12029,7 +13858,7 @@
     </p:spTree>
     <p:extLst>
       <p:ext uri="{BB962C8B-B14F-4D97-AF65-F5344CB8AC3E}">
-        <p14:creationId xmlns:p14="http://schemas.microsoft.com/office/powerpoint/2010/main" val="4188712684"/>
+        <p14:creationId xmlns:p14="http://schemas.microsoft.com/office/powerpoint/2010/main" val="3062385281"/>
       </p:ext>
     </p:extLst>
   </p:cSld>
@@ -12118,34 +13947,58 @@
           <a:p>
             <a:r>
               <a:rPr lang="en-US" dirty="0"/>
-              <a:t>There are so many different types of Machine Learning systems that it is useful to classify them in broad categories, based on the following criteria:</a:t>
+              <a:t>There are many types of Machine Learning algorithms</a:t>
+            </a:r>
+          </a:p>
+          <a:p>
+            <a:r>
+              <a:rPr lang="en-US" dirty="0"/>
+              <a:t>Classify them in broad categories, based on the following criteria:</a:t>
             </a:r>
           </a:p>
           <a:p>
             <a:pPr lvl="1"/>
             <a:r>
               <a:rPr lang="en-US" dirty="0"/>
-              <a:t>Whether or not they are trained with human supervision (</a:t>
-            </a:r>
+              <a:t>Whether they are trained with human supervision</a:t>
+            </a:r>
+          </a:p>
+          <a:p>
+            <a:pPr lvl="2"/>
             <a:r>
               <a:rPr lang="en-US" dirty="0">
                 <a:solidFill>
                   <a:srgbClr val="FF0000"/>
                 </a:solidFill>
               </a:rPr>
-              <a:t>supervised, unsupervised, semi-supervised, and reinforcement</a:t>
+              <a:t>supervised, unsupervised, semi-supervised, </a:t>
             </a:r>
             <a:r>
               <a:rPr lang="en-US" dirty="0"/>
-              <a:t> learning)</a:t>
+              <a:t>and </a:t>
+            </a:r>
+            <a:r>
+              <a:rPr lang="en-US" dirty="0">
+                <a:solidFill>
+                  <a:srgbClr val="FF0000"/>
+                </a:solidFill>
+              </a:rPr>
+              <a:t>reinforcement</a:t>
+            </a:r>
+            <a:r>
+              <a:rPr lang="en-US" dirty="0"/>
+              <a:t> learning</a:t>
             </a:r>
           </a:p>
           <a:p>
             <a:pPr lvl="1"/>
             <a:r>
               <a:rPr lang="en-US" dirty="0"/>
-              <a:t>Whether or not they can learn incrementally on the fly (</a:t>
-            </a:r>
+              <a:t>Whether they can learn incrementally</a:t>
+            </a:r>
+          </a:p>
+          <a:p>
+            <a:pPr lvl="2"/>
             <a:r>
               <a:rPr lang="en-US" dirty="0">
                 <a:solidFill>
@@ -12156,15 +14009,18 @@
             </a:r>
             <a:r>
               <a:rPr lang="en-US" dirty="0"/>
-              <a:t>learning)</a:t>
+              <a:t>learning</a:t>
             </a:r>
           </a:p>
           <a:p>
             <a:pPr lvl="1"/>
             <a:r>
               <a:rPr lang="en-US" dirty="0"/>
-              <a:t>Whether they work by comparing new data points to known data points, or instead by detecting patterns in the training data and building a model (</a:t>
-            </a:r>
+              <a:t>Whether they compare new to known data points, or detect patterns/models in the training</a:t>
+            </a:r>
+          </a:p>
+          <a:p>
+            <a:pPr lvl="2"/>
             <a:r>
               <a:rPr lang="en-US" dirty="0">
                 <a:solidFill>
@@ -12175,7 +14031,7 @@
             </a:r>
             <a:r>
               <a:rPr lang="en-US" dirty="0"/>
-              <a:t>learning)</a:t>
+              <a:t>learning</a:t>
             </a:r>
           </a:p>
           <a:p>
@@ -12378,16 +14234,12 @@
           <a:lstStyle/>
           <a:p>
             <a:r>
-              <a:rPr lang="en-US" dirty="0"/>
-              <a:t>We consider classical </a:t>
-            </a:r>
-            <a:r>
               <a:rPr lang="en-US" dirty="0">
                 <a:solidFill>
                   <a:srgbClr val="FF0000"/>
                 </a:solidFill>
               </a:rPr>
-              <a:t>supervised</a:t>
+              <a:t>Supervised</a:t>
             </a:r>
             <a:r>
               <a:rPr lang="en-US" dirty="0"/>
@@ -12411,9 +14263,12 @@
               </a:rPr>
               <a:t>Classification</a:t>
             </a:r>
+          </a:p>
+          <a:p>
+            <a:pPr lvl="2"/>
             <a:r>
               <a:rPr lang="en-US" dirty="0"/>
-              <a:t> is the task of approximating a mapping function (f) from input variables (X) to </a:t>
+              <a:t>Approximating a mapping function (f) from input variables (X) to </a:t>
             </a:r>
             <a:r>
               <a:rPr lang="en-US" dirty="0">
@@ -12432,14 +14287,21 @@
             <a:pPr lvl="2"/>
             <a:r>
               <a:rPr lang="en-US" dirty="0"/>
-              <a:t>The output variables are often called labels or categories. The mapping function predicts the class or category for a given observation</a:t>
+              <a:t>The output variables are called labels or categories</a:t>
             </a:r>
           </a:p>
           <a:p>
             <a:pPr lvl="2"/>
             <a:r>
               <a:rPr lang="en-US" dirty="0"/>
-              <a:t>E.g., a spam filter is trained with many example emails along with their class (spam or ham), and it must learn how to classify new emails</a:t>
+              <a:t>The mapping function predicts the class or category for a given observation</a:t>
+            </a:r>
+          </a:p>
+          <a:p>
+            <a:pPr lvl="2"/>
+            <a:r>
+              <a:rPr lang="en-US" dirty="0"/>
+              <a:t>E.g., a spam filter is trained with many example emails along with their class (spam or ham)</a:t>
             </a:r>
           </a:p>
           <a:p>
@@ -12452,9 +14314,12 @@
               </a:rPr>
               <a:t>Regression</a:t>
             </a:r>
+          </a:p>
+          <a:p>
+            <a:pPr lvl="2"/>
             <a:r>
               <a:rPr lang="en-US" dirty="0"/>
-              <a:t> is the task of approximating a mapping function (f) from input variables (X) to a </a:t>
+              <a:t>Approximating a mapping function (f) from input variables (X) to a </a:t>
             </a:r>
             <a:r>
               <a:rPr lang="en-US" dirty="0">
@@ -12480,7 +14345,7 @@
             <a:pPr lvl="2"/>
             <a:r>
               <a:rPr lang="en-US" dirty="0"/>
-              <a:t>E.g., predict the price of a car, given a set of features (mileage, age, brand, etc.) called predictors</a:t>
+              <a:t>E.g., predict the price of a car given a set of features (mileage, age, brand, etc.) called predictors</a:t>
             </a:r>
           </a:p>
         </p:txBody>
@@ -12693,7 +14558,7 @@
             </a:r>
             <a:r>
               <a:rPr lang="en-US" dirty="0"/>
-              <a:t>is a well-known libraries for ML in Python</a:t>
+              <a:t>is a well-known library for ML in Python</a:t>
             </a:r>
           </a:p>
           <a:p>
@@ -12704,68 +14569,45 @@
             </a:r>
           </a:p>
           <a:p>
+            <a:pPr lvl="2"/>
+            <a:r>
+              <a:rPr lang="en-US" dirty="0"/>
+              <a:t>Open source and commercially usable</a:t>
+            </a:r>
+          </a:p>
+          <a:p>
             <a:pPr lvl="1"/>
             <a:r>
-              <a:rPr lang="en-US" dirty="0">
-                <a:solidFill>
-                  <a:srgbClr val="FF0000"/>
-                </a:solidFill>
-              </a:rPr>
-              <a:t>Supervised</a:t>
-            </a:r>
-            <a:r>
               <a:rPr lang="en-US" dirty="0"/>
-              <a:t> Learning algorithms: Linear Regression, Support Vector Machine, etc.</a:t>
-            </a:r>
-          </a:p>
-          <a:p>
-            <a:pPr lvl="1"/>
-            <a:r>
-              <a:rPr lang="en-US" dirty="0">
-                <a:solidFill>
-                  <a:srgbClr val="FF0000"/>
-                </a:solidFill>
-              </a:rPr>
-              <a:t>Unsupervised</a:t>
-            </a:r>
+              <a:t>Covers many algorithms</a:t>
+            </a:r>
+          </a:p>
+          <a:p>
+            <a:pPr lvl="2"/>
             <a:r>
               <a:rPr lang="en-US" dirty="0"/>
-              <a:t> Learning algorithms: clustering, factor analysis, PCA, neural networks, etc.</a:t>
+              <a:t>Supervised Learning algorithms: Linear Regression, Support Vector Machine, etc.</a:t>
             </a:r>
           </a:p>
           <a:p>
             <a:pPr lvl="2"/>
             <a:r>
               <a:rPr lang="en-US" dirty="0"/>
-              <a:t>Clustering: group unlabeled similar data.</a:t>
+              <a:t>Unsupervised Learning algorithms: clustering, factor analysis, PCA, neural networks, etc.</a:t>
             </a:r>
           </a:p>
           <a:p>
             <a:pPr lvl="2"/>
-            <a:r>
-              <a:rPr lang="en-US" dirty="0"/>
-              <a:t>Dimensionality Reduction: reduce the number of attributes in data which can be further used for summarization, visualization and feature selection</a:t>
-            </a:r>
-          </a:p>
-          <a:p>
-            <a:pPr lvl="1"/>
             <a:r>
               <a:rPr lang="en-US" dirty="0"/>
               <a:t>Cross Validation: check the accuracy of supervised models on unseen data</a:t>
             </a:r>
           </a:p>
           <a:p>
-            <a:pPr lvl="1"/>
+            <a:pPr lvl="2"/>
             <a:r>
               <a:rPr lang="en-US" dirty="0"/>
               <a:t>Feature extraction: extract the features from data to define the attributes in image and text data</a:t>
-            </a:r>
-          </a:p>
-          <a:p>
-            <a:pPr lvl="1"/>
-            <a:r>
-              <a:rPr lang="en-US" dirty="0"/>
-              <a:t>Open Source and also commercially usable</a:t>
             </a:r>
           </a:p>
         </p:txBody>
@@ -13155,14 +14997,33 @@
                   <a:srgbClr val="FF0000"/>
                 </a:solidFill>
               </a:rPr>
-              <a:t>feature matrix</a:t>
+              <a:t>feature matrix </a:t>
+            </a:r>
+            <a:r>
+              <a:rPr lang="en-US" dirty="0"/>
+              <a:t>(e.g., a Pandas </a:t>
+            </a:r>
+            <a:r>
+              <a:rPr lang="en-US" dirty="0" err="1"/>
+              <a:t>DataFrame</a:t>
+            </a:r>
+            <a:r>
+              <a:rPr lang="en-US" dirty="0"/>
+              <a:t>)</a:t>
             </a:r>
           </a:p>
           <a:p>
             <a:pPr lvl="2"/>
             <a:r>
               <a:rPr lang="en-US" dirty="0"/>
-              <a:t>The samples represent the individual objects described by the dataset and the features represents the distinct observations that describe each sample in a quantitative manner</a:t>
+              <a:t>The samples represent the individual objects described by the dataset (e.g., a person)</a:t>
+            </a:r>
+          </a:p>
+          <a:p>
+            <a:pPr lvl="2"/>
+            <a:r>
+              <a:rPr lang="en-US" dirty="0"/>
+              <a:t>The features describe each sample in a quantitative manner (e.g., age and height)</a:t>
             </a:r>
           </a:p>
           <a:p>
@@ -13181,18 +15042,6 @@
             </a:r>
           </a:p>
           <a:p>
-            <a:pPr lvl="2"/>
-            <a:r>
-              <a:rPr lang="en-US" dirty="0"/>
-              <a:t>E.g., a Pandas </a:t>
-            </a:r>
-            <a:r>
-              <a:rPr lang="en-US" dirty="0" err="1"/>
-              <a:t>DataFrame</a:t>
-            </a:r>
-            <a:endParaRPr lang="en-US" dirty="0"/>
-          </a:p>
-          <a:p>
             <a:pPr lvl="1"/>
             <a:r>
               <a:rPr lang="en-US" dirty="0"/>
@@ -13204,14 +15053,23 @@
                   <a:srgbClr val="FF0000"/>
                 </a:solidFill>
               </a:rPr>
-              <a:t>target array</a:t>
-            </a:r>
+              <a:t>target array </a:t>
+            </a:r>
+            <a:r>
+              <a:rPr lang="en-US" dirty="0"/>
+              <a:t>(e.g., a Pandas Series)</a:t>
+            </a:r>
+            <a:endParaRPr lang="en-US" dirty="0">
+              <a:solidFill>
+                <a:srgbClr val="FF0000"/>
+              </a:solidFill>
+            </a:endParaRPr>
           </a:p>
           <a:p>
             <a:pPr lvl="2"/>
             <a:r>
               <a:rPr lang="en-US" dirty="0"/>
-              <a:t>Along with features matrix, we also have target array (e.g., or label)</a:t>
+              <a:t>Along with features matrix, we also have the target array (e.g., or label)</a:t>
             </a:r>
           </a:p>
           <a:p>
@@ -13227,13 +15085,6 @@
                 </a:solidFill>
               </a:rPr>
               <a:t>y</a:t>
-            </a:r>
-          </a:p>
-          <a:p>
-            <a:pPr lvl="2"/>
-            <a:r>
-              <a:rPr lang="en-US" dirty="0"/>
-              <a:t>E.g., a Pandas Series</a:t>
             </a:r>
           </a:p>
           <a:p>

--- a/02-MachineLearning/02-slides.pptx
+++ b/02-MachineLearning/02-slides.pptx
@@ -11482,12 +11482,12 @@
           <a:lstStyle/>
           <a:p>
             <a:r>
+              <a:rPr lang="it-IT" dirty="0"/>
+              <a:t>Cross </a:t>
+            </a:r>
+            <a:r>
               <a:rPr lang="it-IT" dirty="0" err="1"/>
-              <a:t>Hyper-parameter</a:t>
-            </a:r>
-            <a:r>
-              <a:rPr lang="it-IT" dirty="0"/>
-              <a:t> tuning</a:t>
+              <a:t>validation</a:t>
             </a:r>
             <a:endParaRPr lang="en-US" dirty="0"/>
           </a:p>
@@ -11673,12 +11673,12 @@
           <a:lstStyle/>
           <a:p>
             <a:r>
-              <a:rPr lang="it-IT" dirty="0" err="1"/>
-              <a:t>Hyper-parameter</a:t>
-            </a:r>
-            <a:r>
               <a:rPr lang="it-IT" dirty="0"/>
-              <a:t> tuning</a:t>
+              <a:t>Cross </a:t>
+            </a:r>
+            <a:r>
+              <a:rPr lang="it-IT"/>
+              <a:t>validation</a:t>
             </a:r>
             <a:endParaRPr lang="en-US" dirty="0"/>
           </a:p>

--- a/02-MachineLearning/02-slides.pptx
+++ b/02-MachineLearning/02-slides.pptx
@@ -3674,7 +3674,7 @@
           <a:p>
             <a:fld id="{02297A90-1AFB-4FA1-ADF2-69FD2D1230BA}" type="datetimeFigureOut">
               <a:rPr lang="en-US" smtClean="0"/>
-              <a:t>7/16/2021</a:t>
+              <a:t>7/17/2021</a:t>
             </a:fld>
             <a:endParaRPr lang="en-US"/>
           </a:p>
@@ -3852,7 +3852,7 @@
           <a:p>
             <a:fld id="{2D15495C-7C85-4DFE-8C2B-354A7A489EB6}" type="datetimeFigureOut">
               <a:rPr lang="it-IT" smtClean="0"/>
-              <a:t>16/07/2021</a:t>
+              <a:t>17/07/2021</a:t>
             </a:fld>
             <a:endParaRPr lang="it-IT"/>
           </a:p>
@@ -9922,10 +9922,10 @@
       </p:pic>
       <p:cxnSp>
         <p:nvCxnSpPr>
-          <p:cNvPr id="20" name="Straight Arrow Connector 19">
-            <a:extLst>
-              <a:ext uri="{FF2B5EF4-FFF2-40B4-BE49-F238E27FC236}">
-                <a16:creationId xmlns:a16="http://schemas.microsoft.com/office/drawing/2014/main" id="{AD3C536E-7948-45F6-81A4-6A28E5859206}"/>
+          <p:cNvPr id="13" name="Straight Arrow Connector 19">
+            <a:extLst>
+              <a:ext uri="{FF2B5EF4-FFF2-40B4-BE49-F238E27FC236}">
+                <a16:creationId xmlns:a16="http://schemas.microsoft.com/office/drawing/2014/main" id="{6768E2D0-0CAA-4993-9137-D5C6AD3C12B8}"/>
               </a:ext>
             </a:extLst>
           </p:cNvPr>
@@ -9967,10 +9967,10 @@
       </p:cxnSp>
       <p:cxnSp>
         <p:nvCxnSpPr>
-          <p:cNvPr id="22" name="Straight Arrow Connector 21">
-            <a:extLst>
-              <a:ext uri="{FF2B5EF4-FFF2-40B4-BE49-F238E27FC236}">
-                <a16:creationId xmlns:a16="http://schemas.microsoft.com/office/drawing/2014/main" id="{FFF6EDB4-DD6A-49C8-8A23-459B102994AF}"/>
+          <p:cNvPr id="15" name="Straight Arrow Connector 21">
+            <a:extLst>
+              <a:ext uri="{FF2B5EF4-FFF2-40B4-BE49-F238E27FC236}">
+                <a16:creationId xmlns:a16="http://schemas.microsoft.com/office/drawing/2014/main" id="{A9D7EF14-F332-4299-9C08-A8942FBD5414}"/>
               </a:ext>
             </a:extLst>
           </p:cNvPr>
@@ -10012,10 +10012,10 @@
       </p:cxnSp>
       <p:sp>
         <p:nvSpPr>
-          <p:cNvPr id="24" name="Oval 23">
-            <a:extLst>
-              <a:ext uri="{FF2B5EF4-FFF2-40B4-BE49-F238E27FC236}">
-                <a16:creationId xmlns:a16="http://schemas.microsoft.com/office/drawing/2014/main" id="{DABE27A1-FC2F-4ABA-8E72-966C9BA8B9AC}"/>
+          <p:cNvPr id="16" name="Oval 23">
+            <a:extLst>
+              <a:ext uri="{FF2B5EF4-FFF2-40B4-BE49-F238E27FC236}">
+                <a16:creationId xmlns:a16="http://schemas.microsoft.com/office/drawing/2014/main" id="{759EBADB-8942-4D0E-A92C-88B449981070}"/>
               </a:ext>
             </a:extLst>
           </p:cNvPr>
@@ -10030,6 +10030,9 @@
           <a:prstGeom prst="ellipse">
             <a:avLst/>
           </a:prstGeom>
+          <a:solidFill>
+            <a:srgbClr val="FF0000"/>
+          </a:solidFill>
         </p:spPr>
         <p:style>
           <a:lnRef idx="2">
@@ -10058,10 +10061,10 @@
       </p:sp>
       <p:sp>
         <p:nvSpPr>
-          <p:cNvPr id="25" name="Oval 24">
-            <a:extLst>
-              <a:ext uri="{FF2B5EF4-FFF2-40B4-BE49-F238E27FC236}">
-                <a16:creationId xmlns:a16="http://schemas.microsoft.com/office/drawing/2014/main" id="{70A63536-0A40-4E0A-BBE8-1781D3418124}"/>
+          <p:cNvPr id="19" name="Oval 24">
+            <a:extLst>
+              <a:ext uri="{FF2B5EF4-FFF2-40B4-BE49-F238E27FC236}">
+                <a16:creationId xmlns:a16="http://schemas.microsoft.com/office/drawing/2014/main" id="{1CF66918-DF3F-4803-91ED-E4D6496D6E66}"/>
               </a:ext>
             </a:extLst>
           </p:cNvPr>
@@ -10076,6 +10079,9 @@
           <a:prstGeom prst="ellipse">
             <a:avLst/>
           </a:prstGeom>
+          <a:solidFill>
+            <a:srgbClr val="FF0000"/>
+          </a:solidFill>
         </p:spPr>
         <p:style>
           <a:lnRef idx="2">
